--- a/materials/slides/ch07-polymorphism-1.pptx
+++ b/materials/slides/ch07-polymorphism-1.pptx
@@ -5,50 +5,49 @@
     <p:sldMasterId id="2147483661" r:id="rId1"/>
   </p:sldMasterIdLst>
   <p:notesMasterIdLst>
-    <p:notesMasterId r:id="rId43"/>
+    <p:notesMasterId r:id="rId42"/>
   </p:notesMasterIdLst>
   <p:sldIdLst>
     <p:sldId id="256" r:id="rId2"/>
-    <p:sldId id="259" r:id="rId3"/>
-    <p:sldId id="262" r:id="rId4"/>
-    <p:sldId id="306" r:id="rId5"/>
-    <p:sldId id="270" r:id="rId6"/>
-    <p:sldId id="623" r:id="rId7"/>
-    <p:sldId id="624" r:id="rId8"/>
-    <p:sldId id="625" r:id="rId9"/>
-    <p:sldId id="626" r:id="rId10"/>
-    <p:sldId id="627" r:id="rId11"/>
-    <p:sldId id="628" r:id="rId12"/>
-    <p:sldId id="629" r:id="rId13"/>
-    <p:sldId id="630" r:id="rId14"/>
-    <p:sldId id="620" r:id="rId15"/>
-    <p:sldId id="631" r:id="rId16"/>
-    <p:sldId id="632" r:id="rId17"/>
-    <p:sldId id="633" r:id="rId18"/>
-    <p:sldId id="634" r:id="rId19"/>
-    <p:sldId id="635" r:id="rId20"/>
-    <p:sldId id="636" r:id="rId21"/>
-    <p:sldId id="637" r:id="rId22"/>
-    <p:sldId id="638" r:id="rId23"/>
-    <p:sldId id="639" r:id="rId24"/>
-    <p:sldId id="640" r:id="rId25"/>
-    <p:sldId id="641" r:id="rId26"/>
-    <p:sldId id="622" r:id="rId27"/>
-    <p:sldId id="644" r:id="rId28"/>
-    <p:sldId id="645" r:id="rId29"/>
-    <p:sldId id="646" r:id="rId30"/>
-    <p:sldId id="647" r:id="rId31"/>
-    <p:sldId id="648" r:id="rId32"/>
-    <p:sldId id="649" r:id="rId33"/>
-    <p:sldId id="650" r:id="rId34"/>
-    <p:sldId id="651" r:id="rId35"/>
-    <p:sldId id="652" r:id="rId36"/>
-    <p:sldId id="653" r:id="rId37"/>
-    <p:sldId id="654" r:id="rId38"/>
-    <p:sldId id="655" r:id="rId39"/>
-    <p:sldId id="656" r:id="rId40"/>
-    <p:sldId id="559" r:id="rId41"/>
-    <p:sldId id="258" r:id="rId42"/>
+    <p:sldId id="262" r:id="rId3"/>
+    <p:sldId id="306" r:id="rId4"/>
+    <p:sldId id="270" r:id="rId5"/>
+    <p:sldId id="623" r:id="rId6"/>
+    <p:sldId id="624" r:id="rId7"/>
+    <p:sldId id="625" r:id="rId8"/>
+    <p:sldId id="626" r:id="rId9"/>
+    <p:sldId id="627" r:id="rId10"/>
+    <p:sldId id="628" r:id="rId11"/>
+    <p:sldId id="629" r:id="rId12"/>
+    <p:sldId id="630" r:id="rId13"/>
+    <p:sldId id="620" r:id="rId14"/>
+    <p:sldId id="631" r:id="rId15"/>
+    <p:sldId id="632" r:id="rId16"/>
+    <p:sldId id="633" r:id="rId17"/>
+    <p:sldId id="634" r:id="rId18"/>
+    <p:sldId id="635" r:id="rId19"/>
+    <p:sldId id="636" r:id="rId20"/>
+    <p:sldId id="637" r:id="rId21"/>
+    <p:sldId id="638" r:id="rId22"/>
+    <p:sldId id="639" r:id="rId23"/>
+    <p:sldId id="640" r:id="rId24"/>
+    <p:sldId id="641" r:id="rId25"/>
+    <p:sldId id="622" r:id="rId26"/>
+    <p:sldId id="644" r:id="rId27"/>
+    <p:sldId id="645" r:id="rId28"/>
+    <p:sldId id="646" r:id="rId29"/>
+    <p:sldId id="647" r:id="rId30"/>
+    <p:sldId id="648" r:id="rId31"/>
+    <p:sldId id="649" r:id="rId32"/>
+    <p:sldId id="650" r:id="rId33"/>
+    <p:sldId id="651" r:id="rId34"/>
+    <p:sldId id="652" r:id="rId35"/>
+    <p:sldId id="653" r:id="rId36"/>
+    <p:sldId id="654" r:id="rId37"/>
+    <p:sldId id="655" r:id="rId38"/>
+    <p:sldId id="656" r:id="rId39"/>
+    <p:sldId id="559" r:id="rId40"/>
+    <p:sldId id="258" r:id="rId41"/>
   </p:sldIdLst>
   <p:sldSz cx="12188825" cy="6858000"/>
   <p:notesSz cx="6858000" cy="9144000"/>
@@ -149,7 +148,18 @@
   </p:defaultTextStyle>
   <p:extLst>
     <p:ext uri="{EFAFB233-063F-42B5-8137-9DF3F51BA10A}">
-      <p15:sldGuideLst xmlns:p15="http://schemas.microsoft.com/office/powerpoint/2012/main" xmlns=""/>
+      <p15:sldGuideLst xmlns:p15="http://schemas.microsoft.com/office/powerpoint/2012/main">
+        <p15:guide id="1" orient="horz" pos="2160">
+          <p15:clr>
+            <a:srgbClr val="A4A3A4"/>
+          </p15:clr>
+        </p15:guide>
+        <p15:guide id="2" pos="3839">
+          <p15:clr>
+            <a:srgbClr val="A4A3A4"/>
+          </p15:clr>
+        </p15:guide>
+      </p15:sldGuideLst>
     </p:ext>
   </p:extLst>
 </p:presentation>
@@ -237,7 +247,7 @@
           <a:p>
             <a:fld id="{1AC763DE-CC84-4058-BD62-4687DC7FF9D4}" type="datetimeFigureOut">
               <a:rPr lang="zh-CN" altLang="en-US" smtClean="0"/>
-              <a:t>2017/8/18</a:t>
+              <a:t>2017/8/22</a:t>
             </a:fld>
             <a:endParaRPr lang="zh-CN" altLang="en-US"/>
           </a:p>
@@ -2567,7 +2577,7 @@
         <p:spPr>
           <a:xfrm>
             <a:off x="7516049" y="4570995"/>
-            <a:ext cx="2489136" cy="461665"/>
+            <a:ext cx="3797835" cy="461665"/>
           </a:xfrm>
           <a:prstGeom prst="rect">
             <a:avLst/>
@@ -2581,7 +2591,7 @@
           <a:lstStyle/>
           <a:p>
             <a:r>
-              <a:rPr lang="en-US" altLang="zh-CN" sz="2400" b="0" smtClean="0">
+              <a:rPr lang="zh-CN" altLang="en-US" sz="2400" b="0" smtClean="0">
                 <a:solidFill>
                   <a:schemeClr val="accent5">
                     <a:lumMod val="50000"/>
@@ -2590,10 +2600,10 @@
                 <a:latin typeface="微软雅黑" panose="020B0503020204020204" pitchFamily="34" charset="-122"/>
                 <a:ea typeface="微软雅黑" panose="020B0503020204020204" pitchFamily="34" charset="-122"/>
               </a:rPr>
-              <a:t>C++</a:t>
-            </a:r>
-            <a:r>
-              <a:rPr lang="zh-CN" altLang="en-US" sz="2400" b="0" smtClean="0">
+              <a:t>基础课教研室 </a:t>
+            </a:r>
+            <a:r>
+              <a:rPr lang="en-US" altLang="zh-CN" sz="2400" b="0" smtClean="0">
                 <a:solidFill>
                   <a:schemeClr val="accent5">
                     <a:lumMod val="50000"/>
@@ -2602,7 +2612,19 @@
                 <a:latin typeface="微软雅黑" panose="020B0503020204020204" pitchFamily="34" charset="-122"/>
                 <a:ea typeface="微软雅黑" panose="020B0503020204020204" pitchFamily="34" charset="-122"/>
               </a:rPr>
-              <a:t>备课组 丁盟</a:t>
+              <a:t>C++ </a:t>
+            </a:r>
+            <a:r>
+              <a:rPr lang="zh-CN" altLang="en-US" sz="2400" b="0" smtClean="0">
+                <a:solidFill>
+                  <a:schemeClr val="accent5">
+                    <a:lumMod val="50000"/>
+                  </a:schemeClr>
+                </a:solidFill>
+                <a:latin typeface="微软雅黑" panose="020B0503020204020204" pitchFamily="34" charset="-122"/>
+                <a:ea typeface="微软雅黑" panose="020B0503020204020204" pitchFamily="34" charset="-122"/>
+              </a:rPr>
+              <a:t>课程组</a:t>
             </a:r>
             <a:endParaRPr lang="zh-CN" altLang="en-US" sz="2400" b="0" dirty="0">
               <a:solidFill>
@@ -10372,7 +10394,7 @@
           <a:p>
             <a:fld id="{C764DE79-268F-4C1A-8933-263129D2AF90}" type="datetimeFigureOut">
               <a:rPr lang="en-US" dirty="0"/>
-              <a:t>8/18/2017</a:t>
+              <a:t>8/22/2017</a:t>
             </a:fld>
             <a:endParaRPr lang="en-US" dirty="0"/>
           </a:p>
@@ -12373,7 +12395,7 @@
           <a:p>
             <a:fld id="{C764DE79-268F-4C1A-8933-263129D2AF90}" type="datetimeFigureOut">
               <a:rPr lang="en-US" dirty="0"/>
-              <a:t>8/18/2017</a:t>
+              <a:t>8/22/2017</a:t>
             </a:fld>
             <a:endParaRPr lang="en-US" dirty="0"/>
           </a:p>
@@ -13041,808 +13063,6 @@
           <a:lstStyle/>
           <a:p>
             <a:r>
-              <a:rPr lang="zh-CN" altLang="en-US"/>
-              <a:t>引述</a:t>
-            </a:r>
-          </a:p>
-        </p:txBody>
-      </p:sp>
-      <p:sp>
-        <p:nvSpPr>
-          <p:cNvPr id="4" name="TextBox 2"/>
-          <p:cNvSpPr txBox="1"/>
-          <p:nvPr/>
-        </p:nvSpPr>
-        <p:spPr>
-          <a:xfrm>
-            <a:off x="1240555" y="1094696"/>
-            <a:ext cx="9410085" cy="5262979"/>
-          </a:xfrm>
-          <a:prstGeom prst="rect">
-            <a:avLst/>
-          </a:prstGeom>
-          <a:solidFill>
-            <a:schemeClr val="accent1">
-              <a:lumMod val="20000"/>
-              <a:lumOff val="80000"/>
-            </a:schemeClr>
-          </a:solidFill>
-          <a:ln w="38100">
-            <a:solidFill>
-              <a:schemeClr val="accent1">
-                <a:lumMod val="50000"/>
-              </a:schemeClr>
-            </a:solidFill>
-            <a:prstDash val="solid"/>
-          </a:ln>
-          <a:effectLst>
-            <a:outerShdw blurRad="50800" dist="38100" dir="2700000" algn="tl" rotWithShape="0">
-              <a:prstClr val="black">
-                <a:alpha val="40000"/>
-              </a:prstClr>
-            </a:outerShdw>
-          </a:effectLst>
-        </p:spPr>
-        <p:style>
-          <a:lnRef idx="2">
-            <a:schemeClr val="accent2"/>
-          </a:lnRef>
-          <a:fillRef idx="1">
-            <a:schemeClr val="lt1"/>
-          </a:fillRef>
-          <a:effectRef idx="0">
-            <a:schemeClr val="accent2"/>
-          </a:effectRef>
-          <a:fontRef idx="minor">
-            <a:schemeClr val="dk1"/>
-          </a:fontRef>
-        </p:style>
-        <p:txBody>
-          <a:bodyPr wrap="square">
-            <a:spAutoFit/>
-          </a:bodyPr>
-          <a:lstStyle/>
-          <a:p>
-            <a:pPr>
-              <a:defRPr/>
-            </a:pPr>
-            <a:r>
-              <a:rPr lang="en-US" altLang="zh-CN" sz="2800" b="1">
-                <a:solidFill>
-                  <a:schemeClr val="tx1">
-                    <a:lumMod val="75000"/>
-                    <a:lumOff val="25000"/>
-                  </a:schemeClr>
-                </a:solidFill>
-                <a:latin typeface="Consolas" panose="020B0609020204030204" pitchFamily="49" charset="0"/>
-                <a:ea typeface="微软雅黑" panose="020B0503020204020204" pitchFamily="34" charset="-122"/>
-                <a:cs typeface="Courier New" pitchFamily="49" charset="0"/>
-              </a:rPr>
-              <a:t>int </a:t>
-            </a:r>
-            <a:r>
-              <a:rPr lang="en-US" altLang="zh-CN" sz="2800" b="1" smtClean="0">
-                <a:solidFill>
-                  <a:schemeClr val="tx1">
-                    <a:lumMod val="75000"/>
-                    <a:lumOff val="25000"/>
-                  </a:schemeClr>
-                </a:solidFill>
-                <a:latin typeface="Consolas" panose="020B0609020204030204" pitchFamily="49" charset="0"/>
-                <a:ea typeface="微软雅黑" panose="020B0503020204020204" pitchFamily="34" charset="-122"/>
-                <a:cs typeface="Courier New" pitchFamily="49" charset="0"/>
-              </a:rPr>
-              <a:t>main(void) {</a:t>
-            </a:r>
-            <a:endParaRPr lang="en-US" altLang="zh-CN" sz="2800" b="1">
-              <a:solidFill>
-                <a:schemeClr val="tx1">
-                  <a:lumMod val="75000"/>
-                  <a:lumOff val="25000"/>
-                </a:schemeClr>
-              </a:solidFill>
-              <a:latin typeface="Consolas" panose="020B0609020204030204" pitchFamily="49" charset="0"/>
-              <a:ea typeface="微软雅黑" panose="020B0503020204020204" pitchFamily="34" charset="-122"/>
-              <a:cs typeface="Courier New" pitchFamily="49" charset="0"/>
-            </a:endParaRPr>
-          </a:p>
-          <a:p>
-            <a:pPr>
-              <a:defRPr/>
-            </a:pPr>
-            <a:r>
-              <a:rPr lang="en-US" altLang="zh-CN" sz="2800" b="1">
-                <a:solidFill>
-                  <a:schemeClr val="tx1">
-                    <a:lumMod val="75000"/>
-                    <a:lumOff val="25000"/>
-                  </a:schemeClr>
-                </a:solidFill>
-                <a:latin typeface="Consolas" panose="020B0609020204030204" pitchFamily="49" charset="0"/>
-                <a:ea typeface="微软雅黑" panose="020B0503020204020204" pitchFamily="34" charset="-122"/>
-                <a:cs typeface="Courier New" pitchFamily="49" charset="0"/>
-              </a:rPr>
-              <a:t>    Base bObj;</a:t>
-            </a:r>
-          </a:p>
-          <a:p>
-            <a:pPr>
-              <a:defRPr/>
-            </a:pPr>
-            <a:r>
-              <a:rPr lang="en-US" altLang="zh-CN" sz="2800" b="1">
-                <a:solidFill>
-                  <a:schemeClr val="tx1">
-                    <a:lumMod val="75000"/>
-                    <a:lumOff val="25000"/>
-                  </a:schemeClr>
-                </a:solidFill>
-                <a:latin typeface="Consolas" panose="020B0609020204030204" pitchFamily="49" charset="0"/>
-                <a:ea typeface="微软雅黑" panose="020B0503020204020204" pitchFamily="34" charset="-122"/>
-                <a:cs typeface="Courier New" pitchFamily="49" charset="0"/>
-              </a:rPr>
-              <a:t>    </a:t>
-            </a:r>
-            <a:r>
-              <a:rPr lang="en-US" altLang="zh-CN" sz="2800" b="1">
-                <a:solidFill>
-                  <a:srgbClr val="C00000"/>
-                </a:solidFill>
-                <a:latin typeface="Consolas" panose="020B0609020204030204" pitchFamily="49" charset="0"/>
-                <a:ea typeface="微软雅黑" panose="020B0503020204020204" pitchFamily="34" charset="-122"/>
-                <a:cs typeface="Courier New" pitchFamily="49" charset="0"/>
-              </a:rPr>
-              <a:t>Base *bp = &amp;bObj;</a:t>
-            </a:r>
-          </a:p>
-          <a:p>
-            <a:pPr>
-              <a:defRPr/>
-            </a:pPr>
-            <a:r>
-              <a:rPr lang="en-US" altLang="zh-CN" sz="2800" b="1">
-                <a:solidFill>
-                  <a:schemeClr val="tx1">
-                    <a:lumMod val="75000"/>
-                    <a:lumOff val="25000"/>
-                  </a:schemeClr>
-                </a:solidFill>
-                <a:latin typeface="Consolas" panose="020B0609020204030204" pitchFamily="49" charset="0"/>
-                <a:ea typeface="微软雅黑" panose="020B0503020204020204" pitchFamily="34" charset="-122"/>
-                <a:cs typeface="Courier New" pitchFamily="49" charset="0"/>
-              </a:rPr>
-              <a:t>    cout &lt;&lt; </a:t>
-            </a:r>
-            <a:r>
-              <a:rPr lang="en-US" altLang="zh-CN" sz="2800" b="1">
-                <a:solidFill>
-                  <a:srgbClr val="C00000"/>
-                </a:solidFill>
-                <a:latin typeface="Consolas" panose="020B0609020204030204" pitchFamily="49" charset="0"/>
-                <a:ea typeface="微软雅黑" panose="020B0503020204020204" pitchFamily="34" charset="-122"/>
-                <a:cs typeface="Courier New" pitchFamily="49" charset="0"/>
-              </a:rPr>
-              <a:t>bp-&gt;get() </a:t>
-            </a:r>
-            <a:r>
-              <a:rPr lang="en-US" altLang="zh-CN" sz="2800" b="1">
-                <a:solidFill>
-                  <a:schemeClr val="tx1">
-                    <a:lumMod val="75000"/>
-                    <a:lumOff val="25000"/>
-                  </a:schemeClr>
-                </a:solidFill>
-                <a:latin typeface="Consolas" panose="020B0609020204030204" pitchFamily="49" charset="0"/>
-                <a:ea typeface="微软雅黑" panose="020B0503020204020204" pitchFamily="34" charset="-122"/>
-                <a:cs typeface="Courier New" pitchFamily="49" charset="0"/>
-              </a:rPr>
-              <a:t>&lt;&lt; endl</a:t>
-            </a:r>
-            <a:r>
-              <a:rPr lang="en-US" altLang="zh-CN" sz="2800" b="1" smtClean="0">
-                <a:solidFill>
-                  <a:schemeClr val="tx1">
-                    <a:lumMod val="75000"/>
-                    <a:lumOff val="25000"/>
-                  </a:schemeClr>
-                </a:solidFill>
-                <a:latin typeface="Consolas" panose="020B0609020204030204" pitchFamily="49" charset="0"/>
-                <a:ea typeface="微软雅黑" panose="020B0503020204020204" pitchFamily="34" charset="-122"/>
-                <a:cs typeface="Courier New" pitchFamily="49" charset="0"/>
-              </a:rPr>
-              <a:t>;</a:t>
-            </a:r>
-          </a:p>
-          <a:p>
-            <a:pPr>
-              <a:defRPr/>
-            </a:pPr>
-            <a:endParaRPr lang="en-US" altLang="zh-CN" sz="2800" b="1">
-              <a:solidFill>
-                <a:schemeClr val="tx1">
-                  <a:lumMod val="75000"/>
-                  <a:lumOff val="25000"/>
-                </a:schemeClr>
-              </a:solidFill>
-              <a:latin typeface="Consolas" panose="020B0609020204030204" pitchFamily="49" charset="0"/>
-              <a:ea typeface="微软雅黑" panose="020B0503020204020204" pitchFamily="34" charset="-122"/>
-              <a:cs typeface="Courier New" pitchFamily="49" charset="0"/>
-            </a:endParaRPr>
-          </a:p>
-          <a:p>
-            <a:pPr>
-              <a:defRPr/>
-            </a:pPr>
-            <a:r>
-              <a:rPr lang="en-US" altLang="zh-CN" sz="2800" b="1">
-                <a:solidFill>
-                  <a:schemeClr val="tx1">
-                    <a:lumMod val="75000"/>
-                    <a:lumOff val="25000"/>
-                  </a:schemeClr>
-                </a:solidFill>
-                <a:latin typeface="Consolas" panose="020B0609020204030204" pitchFamily="49" charset="0"/>
-                <a:ea typeface="微软雅黑" panose="020B0503020204020204" pitchFamily="34" charset="-122"/>
-                <a:cs typeface="Courier New" pitchFamily="49" charset="0"/>
-              </a:rPr>
-              <a:t>    Derived dObj;</a:t>
-            </a:r>
-          </a:p>
-          <a:p>
-            <a:pPr>
-              <a:defRPr/>
-            </a:pPr>
-            <a:r>
-              <a:rPr lang="en-US" altLang="zh-CN" sz="2800" b="1">
-                <a:solidFill>
-                  <a:schemeClr val="tx1">
-                    <a:lumMod val="75000"/>
-                    <a:lumOff val="25000"/>
-                  </a:schemeClr>
-                </a:solidFill>
-                <a:latin typeface="Consolas" panose="020B0609020204030204" pitchFamily="49" charset="0"/>
-                <a:ea typeface="微软雅黑" panose="020B0503020204020204" pitchFamily="34" charset="-122"/>
-                <a:cs typeface="Courier New" pitchFamily="49" charset="0"/>
-              </a:rPr>
-              <a:t>    </a:t>
-            </a:r>
-            <a:r>
-              <a:rPr lang="en-US" altLang="zh-CN" sz="2800" b="1">
-                <a:solidFill>
-                  <a:srgbClr val="C00000"/>
-                </a:solidFill>
-                <a:latin typeface="Consolas" panose="020B0609020204030204" pitchFamily="49" charset="0"/>
-                <a:ea typeface="微软雅黑" panose="020B0503020204020204" pitchFamily="34" charset="-122"/>
-                <a:cs typeface="Courier New" pitchFamily="49" charset="0"/>
-              </a:rPr>
-              <a:t>bp = &amp;dObj;</a:t>
-            </a:r>
-          </a:p>
-          <a:p>
-            <a:pPr>
-              <a:defRPr/>
-            </a:pPr>
-            <a:r>
-              <a:rPr lang="en-US" altLang="zh-CN" sz="2800" b="1">
-                <a:solidFill>
-                  <a:schemeClr val="tx1">
-                    <a:lumMod val="75000"/>
-                    <a:lumOff val="25000"/>
-                  </a:schemeClr>
-                </a:solidFill>
-                <a:latin typeface="Consolas" panose="020B0609020204030204" pitchFamily="49" charset="0"/>
-                <a:ea typeface="微软雅黑" panose="020B0503020204020204" pitchFamily="34" charset="-122"/>
-                <a:cs typeface="Courier New" pitchFamily="49" charset="0"/>
-              </a:rPr>
-              <a:t>    cout &lt;&lt; </a:t>
-            </a:r>
-            <a:r>
-              <a:rPr lang="en-US" altLang="zh-CN" sz="2800" b="1">
-                <a:solidFill>
-                  <a:srgbClr val="C00000"/>
-                </a:solidFill>
-                <a:latin typeface="Consolas" panose="020B0609020204030204" pitchFamily="49" charset="0"/>
-                <a:ea typeface="微软雅黑" panose="020B0503020204020204" pitchFamily="34" charset="-122"/>
-                <a:cs typeface="Courier New" pitchFamily="49" charset="0"/>
-              </a:rPr>
-              <a:t>bp-&gt;get() </a:t>
-            </a:r>
-            <a:r>
-              <a:rPr lang="en-US" altLang="zh-CN" sz="2800" b="1">
-                <a:solidFill>
-                  <a:schemeClr val="tx1">
-                    <a:lumMod val="75000"/>
-                    <a:lumOff val="25000"/>
-                  </a:schemeClr>
-                </a:solidFill>
-                <a:latin typeface="Consolas" panose="020B0609020204030204" pitchFamily="49" charset="0"/>
-                <a:ea typeface="微软雅黑" panose="020B0503020204020204" pitchFamily="34" charset="-122"/>
-                <a:cs typeface="Courier New" pitchFamily="49" charset="0"/>
-              </a:rPr>
-              <a:t>&lt;&lt; endl</a:t>
-            </a:r>
-            <a:r>
-              <a:rPr lang="en-US" altLang="zh-CN" sz="2800" b="1" smtClean="0">
-                <a:solidFill>
-                  <a:schemeClr val="tx1">
-                    <a:lumMod val="75000"/>
-                    <a:lumOff val="25000"/>
-                  </a:schemeClr>
-                </a:solidFill>
-                <a:latin typeface="Consolas" panose="020B0609020204030204" pitchFamily="49" charset="0"/>
-                <a:ea typeface="微软雅黑" panose="020B0503020204020204" pitchFamily="34" charset="-122"/>
-                <a:cs typeface="Courier New" pitchFamily="49" charset="0"/>
-              </a:rPr>
-              <a:t>;</a:t>
-            </a:r>
-            <a:endParaRPr lang="en-US" altLang="zh-CN" sz="2800" b="1">
-              <a:solidFill>
-                <a:schemeClr val="tx1">
-                  <a:lumMod val="75000"/>
-                  <a:lumOff val="25000"/>
-                </a:schemeClr>
-              </a:solidFill>
-              <a:latin typeface="Consolas" panose="020B0609020204030204" pitchFamily="49" charset="0"/>
-              <a:ea typeface="微软雅黑" panose="020B0503020204020204" pitchFamily="34" charset="-122"/>
-              <a:cs typeface="Courier New" pitchFamily="49" charset="0"/>
-            </a:endParaRPr>
-          </a:p>
-          <a:p>
-            <a:pPr>
-              <a:defRPr/>
-            </a:pPr>
-            <a:r>
-              <a:rPr lang="en-US" altLang="zh-CN" sz="2800" b="1">
-                <a:solidFill>
-                  <a:schemeClr val="tx1">
-                    <a:lumMod val="75000"/>
-                    <a:lumOff val="25000"/>
-                  </a:schemeClr>
-                </a:solidFill>
-                <a:latin typeface="Consolas" panose="020B0609020204030204" pitchFamily="49" charset="0"/>
-                <a:ea typeface="微软雅黑" panose="020B0503020204020204" pitchFamily="34" charset="-122"/>
-                <a:cs typeface="Courier New" pitchFamily="49" charset="0"/>
-              </a:rPr>
-              <a:t>    cout&lt;&lt;dObj.get()&lt;&lt;endl;</a:t>
-            </a:r>
-          </a:p>
-          <a:p>
-            <a:pPr>
-              <a:defRPr/>
-            </a:pPr>
-            <a:r>
-              <a:rPr lang="en-US" altLang="zh-CN" sz="2800" b="1">
-                <a:solidFill>
-                  <a:schemeClr val="tx1">
-                    <a:lumMod val="75000"/>
-                    <a:lumOff val="25000"/>
-                  </a:schemeClr>
-                </a:solidFill>
-                <a:latin typeface="Consolas" panose="020B0609020204030204" pitchFamily="49" charset="0"/>
-                <a:ea typeface="微软雅黑" panose="020B0503020204020204" pitchFamily="34" charset="-122"/>
-                <a:cs typeface="Courier New" pitchFamily="49" charset="0"/>
-              </a:rPr>
-              <a:t>    cout&lt;&lt;dObj.getParent()&lt;&lt;endl</a:t>
-            </a:r>
-            <a:r>
-              <a:rPr lang="en-US" altLang="zh-CN" sz="2800" b="1" smtClean="0">
-                <a:solidFill>
-                  <a:schemeClr val="tx1">
-                    <a:lumMod val="75000"/>
-                    <a:lumOff val="25000"/>
-                  </a:schemeClr>
-                </a:solidFill>
-                <a:latin typeface="Consolas" panose="020B0609020204030204" pitchFamily="49" charset="0"/>
-                <a:ea typeface="微软雅黑" panose="020B0503020204020204" pitchFamily="34" charset="-122"/>
-                <a:cs typeface="Courier New" pitchFamily="49" charset="0"/>
-              </a:rPr>
-              <a:t>;</a:t>
-            </a:r>
-            <a:endParaRPr lang="en-US" altLang="zh-CN" sz="2800" b="1">
-              <a:solidFill>
-                <a:schemeClr val="tx1">
-                  <a:lumMod val="75000"/>
-                  <a:lumOff val="25000"/>
-                </a:schemeClr>
-              </a:solidFill>
-              <a:latin typeface="Consolas" panose="020B0609020204030204" pitchFamily="49" charset="0"/>
-              <a:ea typeface="微软雅黑" panose="020B0503020204020204" pitchFamily="34" charset="-122"/>
-              <a:cs typeface="Courier New" pitchFamily="49" charset="0"/>
-            </a:endParaRPr>
-          </a:p>
-          <a:p>
-            <a:pPr>
-              <a:defRPr/>
-            </a:pPr>
-            <a:r>
-              <a:rPr lang="en-US" altLang="zh-CN" sz="2800" b="1">
-                <a:solidFill>
-                  <a:schemeClr val="tx1">
-                    <a:lumMod val="75000"/>
-                    <a:lumOff val="25000"/>
-                  </a:schemeClr>
-                </a:solidFill>
-                <a:latin typeface="Consolas" panose="020B0609020204030204" pitchFamily="49" charset="0"/>
-                <a:ea typeface="微软雅黑" panose="020B0503020204020204" pitchFamily="34" charset="-122"/>
-                <a:cs typeface="Courier New" pitchFamily="49" charset="0"/>
-              </a:rPr>
-              <a:t>    return 0;</a:t>
-            </a:r>
-          </a:p>
-          <a:p>
-            <a:pPr>
-              <a:defRPr/>
-            </a:pPr>
-            <a:r>
-              <a:rPr lang="en-US" altLang="zh-CN" sz="2800" b="1">
-                <a:solidFill>
-                  <a:schemeClr val="tx1">
-                    <a:lumMod val="75000"/>
-                    <a:lumOff val="25000"/>
-                  </a:schemeClr>
-                </a:solidFill>
-                <a:latin typeface="Consolas" panose="020B0609020204030204" pitchFamily="49" charset="0"/>
-                <a:ea typeface="微软雅黑" panose="020B0503020204020204" pitchFamily="34" charset="-122"/>
-                <a:cs typeface="Courier New" pitchFamily="49" charset="0"/>
-              </a:rPr>
-              <a:t>}</a:t>
-            </a:r>
-          </a:p>
-        </p:txBody>
-      </p:sp>
-      <p:sp>
-        <p:nvSpPr>
-          <p:cNvPr id="5" name="TextBox 8"/>
-          <p:cNvSpPr txBox="1"/>
-          <p:nvPr/>
-        </p:nvSpPr>
-        <p:spPr>
-          <a:xfrm>
-            <a:off x="9081953" y="2792241"/>
-            <a:ext cx="1166947" cy="2062103"/>
-          </a:xfrm>
-          <a:prstGeom prst="rect">
-            <a:avLst/>
-          </a:prstGeom>
-          <a:solidFill>
-            <a:schemeClr val="tx1">
-              <a:lumMod val="85000"/>
-              <a:lumOff val="15000"/>
-            </a:schemeClr>
-          </a:solidFill>
-          <a:ln w="38100">
-            <a:solidFill>
-              <a:schemeClr val="tx1">
-                <a:lumMod val="95000"/>
-                <a:lumOff val="5000"/>
-              </a:schemeClr>
-            </a:solidFill>
-          </a:ln>
-          <a:effectLst>
-            <a:outerShdw blurRad="50800" dist="38100" dir="2700000" algn="tl" rotWithShape="0">
-              <a:prstClr val="black">
-                <a:alpha val="40000"/>
-              </a:prstClr>
-            </a:outerShdw>
-          </a:effectLst>
-        </p:spPr>
-        <p:txBody>
-          <a:bodyPr wrap="square" rtlCol="0">
-            <a:spAutoFit/>
-          </a:bodyPr>
-          <a:lstStyle/>
-          <a:p>
-            <a:r>
-              <a:rPr lang="en-US" altLang="zh-CN" sz="3200" b="1" smtClean="0">
-                <a:solidFill>
-                  <a:schemeClr val="bg2">
-                    <a:lumMod val="90000"/>
-                  </a:schemeClr>
-                </a:solidFill>
-                <a:latin typeface="微软雅黑" panose="020B0503020204020204" pitchFamily="34" charset="-122"/>
-                <a:ea typeface="微软雅黑" panose="020B0503020204020204" pitchFamily="34" charset="-122"/>
-              </a:rPr>
-              <a:t>0</a:t>
-            </a:r>
-          </a:p>
-          <a:p>
-            <a:r>
-              <a:rPr lang="en-US" altLang="zh-CN" sz="3200" b="1" smtClean="0">
-                <a:solidFill>
-                  <a:schemeClr val="bg2">
-                    <a:lumMod val="90000"/>
-                  </a:schemeClr>
-                </a:solidFill>
-                <a:latin typeface="微软雅黑" panose="020B0503020204020204" pitchFamily="34" charset="-122"/>
-                <a:ea typeface="微软雅黑" panose="020B0503020204020204" pitchFamily="34" charset="-122"/>
-              </a:rPr>
-              <a:t>0</a:t>
-            </a:r>
-          </a:p>
-          <a:p>
-            <a:r>
-              <a:rPr lang="en-US" altLang="zh-CN" sz="3200" b="1" smtClean="0">
-                <a:solidFill>
-                  <a:schemeClr val="bg2">
-                    <a:lumMod val="90000"/>
-                  </a:schemeClr>
-                </a:solidFill>
-                <a:latin typeface="微软雅黑" panose="020B0503020204020204" pitchFamily="34" charset="-122"/>
-                <a:ea typeface="微软雅黑" panose="020B0503020204020204" pitchFamily="34" charset="-122"/>
-              </a:rPr>
-              <a:t>1</a:t>
-            </a:r>
-          </a:p>
-          <a:p>
-            <a:r>
-              <a:rPr lang="en-US" altLang="zh-CN" sz="3200" b="1">
-                <a:solidFill>
-                  <a:schemeClr val="bg2">
-                    <a:lumMod val="90000"/>
-                  </a:schemeClr>
-                </a:solidFill>
-                <a:latin typeface="微软雅黑" panose="020B0503020204020204" pitchFamily="34" charset="-122"/>
-                <a:ea typeface="微软雅黑" panose="020B0503020204020204" pitchFamily="34" charset="-122"/>
-              </a:rPr>
-              <a:t>0</a:t>
-            </a:r>
-            <a:endParaRPr lang="en-US" altLang="zh-CN" sz="3200" b="1" dirty="0">
-              <a:solidFill>
-                <a:schemeClr val="bg2">
-                  <a:lumMod val="90000"/>
-                </a:schemeClr>
-              </a:solidFill>
-              <a:latin typeface="微软雅黑" panose="020B0503020204020204" pitchFamily="34" charset="-122"/>
-              <a:ea typeface="微软雅黑" panose="020B0503020204020204" pitchFamily="34" charset="-122"/>
-            </a:endParaRPr>
-          </a:p>
-        </p:txBody>
-      </p:sp>
-      <p:sp>
-        <p:nvSpPr>
-          <p:cNvPr id="6" name="圆角矩形标注 5"/>
-          <p:cNvSpPr/>
-          <p:nvPr/>
-        </p:nvSpPr>
-        <p:spPr>
-          <a:xfrm>
-            <a:off x="6448812" y="418468"/>
-            <a:ext cx="4079488" cy="1945170"/>
-          </a:xfrm>
-          <a:prstGeom prst="wedgeRoundRectCallout">
-            <a:avLst>
-              <a:gd name="adj1" fmla="val -68595"/>
-              <a:gd name="adj2" fmla="val 47547"/>
-              <a:gd name="adj3" fmla="val 16667"/>
-            </a:avLst>
-          </a:prstGeom>
-          <a:solidFill>
-            <a:schemeClr val="accent2">
-              <a:lumMod val="40000"/>
-              <a:lumOff val="60000"/>
-            </a:schemeClr>
-          </a:solidFill>
-          <a:ln w="38100">
-            <a:solidFill>
-              <a:schemeClr val="accent1">
-                <a:lumMod val="50000"/>
-              </a:schemeClr>
-            </a:solidFill>
-          </a:ln>
-          <a:effectLst>
-            <a:outerShdw blurRad="50800" dist="38100" dir="2700000" algn="tl" rotWithShape="0">
-              <a:prstClr val="black">
-                <a:alpha val="40000"/>
-              </a:prstClr>
-            </a:outerShdw>
-          </a:effectLst>
-        </p:spPr>
-        <p:style>
-          <a:lnRef idx="2">
-            <a:schemeClr val="accent1">
-              <a:shade val="50000"/>
-            </a:schemeClr>
-          </a:lnRef>
-          <a:fillRef idx="1">
-            <a:schemeClr val="accent1"/>
-          </a:fillRef>
-          <a:effectRef idx="0">
-            <a:schemeClr val="accent1"/>
-          </a:effectRef>
-          <a:fontRef idx="minor">
-            <a:schemeClr val="lt1"/>
-          </a:fontRef>
-        </p:style>
-        <p:txBody>
-          <a:bodyPr rtlCol="0" anchor="ctr"/>
-          <a:lstStyle/>
-          <a:p>
-            <a:pPr algn="ctr"/>
-            <a:endParaRPr lang="zh-CN" altLang="en-US" sz="2800">
-              <a:solidFill>
-                <a:schemeClr val="tx1">
-                  <a:lumMod val="75000"/>
-                  <a:lumOff val="25000"/>
-                </a:schemeClr>
-              </a:solidFill>
-              <a:latin typeface="微软雅黑" panose="020B0503020204020204" pitchFamily="34" charset="-122"/>
-              <a:ea typeface="微软雅黑" panose="020B0503020204020204" pitchFamily="34" charset="-122"/>
-            </a:endParaRPr>
-          </a:p>
-          <a:p>
-            <a:r>
-              <a:rPr lang="zh-CN" altLang="en-US" sz="2800" smtClean="0">
-                <a:solidFill>
-                  <a:schemeClr val="tx1">
-                    <a:lumMod val="75000"/>
-                    <a:lumOff val="25000"/>
-                  </a:schemeClr>
-                </a:solidFill>
-                <a:latin typeface="微软雅黑" panose="020B0503020204020204" pitchFamily="34" charset="-122"/>
-                <a:ea typeface="微软雅黑" panose="020B0503020204020204" pitchFamily="34" charset="-122"/>
-              </a:rPr>
-              <a:t>    基</a:t>
-            </a:r>
-            <a:r>
-              <a:rPr lang="zh-CN" altLang="en-US" sz="2800">
-                <a:solidFill>
-                  <a:schemeClr val="tx1">
-                    <a:lumMod val="75000"/>
-                    <a:lumOff val="25000"/>
-                  </a:schemeClr>
-                </a:solidFill>
-                <a:latin typeface="微软雅黑" panose="020B0503020204020204" pitchFamily="34" charset="-122"/>
-                <a:ea typeface="微软雅黑" panose="020B0503020204020204" pitchFamily="34" charset="-122"/>
-              </a:rPr>
-              <a:t>类指针无论指向的是基类的对象还是派生类的对象，总是调用基类的同名成员函数</a:t>
-            </a:r>
-          </a:p>
-          <a:p>
-            <a:pPr algn="ctr"/>
-            <a:endParaRPr lang="zh-CN" altLang="en-US" sz="2800">
-              <a:solidFill>
-                <a:schemeClr val="tx1">
-                  <a:lumMod val="75000"/>
-                  <a:lumOff val="25000"/>
-                </a:schemeClr>
-              </a:solidFill>
-              <a:latin typeface="微软雅黑" panose="020B0503020204020204" pitchFamily="34" charset="-122"/>
-              <a:ea typeface="微软雅黑" panose="020B0503020204020204" pitchFamily="34" charset="-122"/>
-            </a:endParaRPr>
-          </a:p>
-        </p:txBody>
-      </p:sp>
-      <p:sp>
-        <p:nvSpPr>
-          <p:cNvPr id="7" name="圆角矩形标注 6"/>
-          <p:cNvSpPr/>
-          <p:nvPr/>
-        </p:nvSpPr>
-        <p:spPr>
-          <a:xfrm>
-            <a:off x="8651875" y="5580842"/>
-            <a:ext cx="1876425" cy="655603"/>
-          </a:xfrm>
-          <a:prstGeom prst="wedgeRoundRectCallout">
-            <a:avLst>
-              <a:gd name="adj1" fmla="val -21467"/>
-              <a:gd name="adj2" fmla="val 47998"/>
-              <a:gd name="adj3" fmla="val 16667"/>
-            </a:avLst>
-          </a:prstGeom>
-          <a:solidFill>
-            <a:schemeClr val="accent1">
-              <a:lumMod val="20000"/>
-              <a:lumOff val="80000"/>
-            </a:schemeClr>
-          </a:solidFill>
-          <a:ln w="38100">
-            <a:solidFill>
-              <a:schemeClr val="accent1">
-                <a:lumMod val="50000"/>
-              </a:schemeClr>
-            </a:solidFill>
-          </a:ln>
-          <a:effectLst>
-            <a:outerShdw blurRad="50800" dist="38100" dir="2700000" algn="tl" rotWithShape="0">
-              <a:prstClr val="black">
-                <a:alpha val="40000"/>
-              </a:prstClr>
-            </a:outerShdw>
-          </a:effectLst>
-        </p:spPr>
-        <p:style>
-          <a:lnRef idx="2">
-            <a:schemeClr val="accent1">
-              <a:shade val="50000"/>
-            </a:schemeClr>
-          </a:lnRef>
-          <a:fillRef idx="1">
-            <a:schemeClr val="accent1"/>
-          </a:fillRef>
-          <a:effectRef idx="0">
-            <a:schemeClr val="accent1"/>
-          </a:effectRef>
-          <a:fontRef idx="minor">
-            <a:schemeClr val="lt1"/>
-          </a:fontRef>
-        </p:style>
-        <p:txBody>
-          <a:bodyPr rtlCol="0" anchor="ctr"/>
-          <a:lstStyle/>
-          <a:p>
-            <a:pPr algn="ctr"/>
-            <a:r>
-              <a:rPr lang="zh-CN" altLang="en-US" sz="2800">
-                <a:solidFill>
-                  <a:schemeClr val="tx1">
-                    <a:lumMod val="75000"/>
-                    <a:lumOff val="25000"/>
-                  </a:schemeClr>
-                </a:solidFill>
-                <a:latin typeface="微软雅黑" panose="020B0503020204020204" pitchFamily="34" charset="-122"/>
-                <a:ea typeface="微软雅黑" panose="020B0503020204020204" pitchFamily="34" charset="-122"/>
-              </a:rPr>
-              <a:t>静态绑定</a:t>
-            </a:r>
-          </a:p>
-        </p:txBody>
-      </p:sp>
-    </p:spTree>
-    <p:extLst>
-      <p:ext uri="{BB962C8B-B14F-4D97-AF65-F5344CB8AC3E}">
-        <p14:creationId xmlns:p14="http://schemas.microsoft.com/office/powerpoint/2010/main" val="1536771721"/>
-      </p:ext>
-    </p:extLst>
-  </p:cSld>
-  <p:clrMapOvr>
-    <a:masterClrMapping/>
-  </p:clrMapOvr>
-  <p:timing>
-    <p:tnLst>
-      <p:par>
-        <p:cTn id="1" dur="indefinite" restart="never" nodeType="tmRoot"/>
-      </p:par>
-    </p:tnLst>
-  </p:timing>
-</p:sld>
-</file>
-
-<file path=ppt/slides/slide11.xml><?xml version="1.0" encoding="utf-8"?>
-<p:sld xmlns:a="http://schemas.openxmlformats.org/drawingml/2006/main" xmlns:r="http://schemas.openxmlformats.org/officeDocument/2006/relationships" xmlns:p="http://schemas.openxmlformats.org/presentationml/2006/main">
-  <p:cSld>
-    <p:spTree>
-      <p:nvGrpSpPr>
-        <p:cNvPr id="1" name=""/>
-        <p:cNvGrpSpPr/>
-        <p:nvPr/>
-      </p:nvGrpSpPr>
-      <p:grpSpPr>
-        <a:xfrm>
-          <a:off x="0" y="0"/>
-          <a:ext cx="0" cy="0"/>
-          <a:chOff x="0" y="0"/>
-          <a:chExt cx="0" cy="0"/>
-        </a:xfrm>
-      </p:grpSpPr>
-      <p:sp>
-        <p:nvSpPr>
-          <p:cNvPr id="3" name="标题 2"/>
-          <p:cNvSpPr>
-            <a:spLocks noGrp="1"/>
-          </p:cNvSpPr>
-          <p:nvPr>
-            <p:ph type="title"/>
-          </p:nvPr>
-        </p:nvSpPr>
-        <p:spPr/>
-        <p:txBody>
-          <a:bodyPr>
-            <a:normAutofit fontScale="90000"/>
-          </a:bodyPr>
-          <a:lstStyle/>
-          <a:p>
-            <a:r>
               <a:rPr lang="zh-CN" altLang="en-US" smtClean="0"/>
               <a:t>引述</a:t>
             </a:r>
@@ -14001,7 +13221,7 @@
 </p:sld>
 </file>
 
-<file path=ppt/slides/slide12.xml><?xml version="1.0" encoding="utf-8"?>
+<file path=ppt/slides/slide11.xml><?xml version="1.0" encoding="utf-8"?>
 <p:sld xmlns:a="http://schemas.openxmlformats.org/drawingml/2006/main" xmlns:r="http://schemas.openxmlformats.org/officeDocument/2006/relationships" xmlns:p="http://schemas.openxmlformats.org/presentationml/2006/main">
   <p:cSld>
     <p:spTree>
@@ -15391,7 +14611,7 @@
 </p:sld>
 </file>
 
-<file path=ppt/slides/slide13.xml><?xml version="1.0" encoding="utf-8"?>
+<file path=ppt/slides/slide12.xml><?xml version="1.0" encoding="utf-8"?>
 <p:sld xmlns:a="http://schemas.openxmlformats.org/drawingml/2006/main" xmlns:r="http://schemas.openxmlformats.org/officeDocument/2006/relationships" xmlns:p="http://schemas.openxmlformats.org/presentationml/2006/main">
   <p:cSld>
     <p:spTree>
@@ -16252,7 +15472,7 @@
 </p:sld>
 </file>
 
-<file path=ppt/slides/slide14.xml><?xml version="1.0" encoding="utf-8"?>
+<file path=ppt/slides/slide13.xml><?xml version="1.0" encoding="utf-8"?>
 <p:sld xmlns:a="http://schemas.openxmlformats.org/drawingml/2006/main" xmlns:r="http://schemas.openxmlformats.org/officeDocument/2006/relationships" xmlns:p="http://schemas.openxmlformats.org/presentationml/2006/main">
   <p:cSld>
     <p:spTree>
@@ -17037,7 +16257,7 @@
 </p:sld>
 </file>
 
-<file path=ppt/slides/slide15.xml><?xml version="1.0" encoding="utf-8"?>
+<file path=ppt/slides/slide14.xml><?xml version="1.0" encoding="utf-8"?>
 <p:sld xmlns:a="http://schemas.openxmlformats.org/drawingml/2006/main" xmlns:r="http://schemas.openxmlformats.org/officeDocument/2006/relationships" xmlns:p="http://schemas.openxmlformats.org/presentationml/2006/main">
   <p:cSld>
     <p:spTree>
@@ -18034,7 +17254,7 @@
 </p:sld>
 </file>
 
-<file path=ppt/slides/slide16.xml><?xml version="1.0" encoding="utf-8"?>
+<file path=ppt/slides/slide15.xml><?xml version="1.0" encoding="utf-8"?>
 <p:sld xmlns:a="http://schemas.openxmlformats.org/drawingml/2006/main" xmlns:r="http://schemas.openxmlformats.org/officeDocument/2006/relationships" xmlns:p="http://schemas.openxmlformats.org/presentationml/2006/main">
   <p:cSld>
     <p:spTree>
@@ -19085,7 +18305,7 @@
 </p:sld>
 </file>
 
-<file path=ppt/slides/slide17.xml><?xml version="1.0" encoding="utf-8"?>
+<file path=ppt/slides/slide16.xml><?xml version="1.0" encoding="utf-8"?>
 <p:sld xmlns:a="http://schemas.openxmlformats.org/drawingml/2006/main" xmlns:r="http://schemas.openxmlformats.org/officeDocument/2006/relationships" xmlns:p="http://schemas.openxmlformats.org/presentationml/2006/main">
   <p:cSld>
     <p:spTree>
@@ -19781,7 +19001,7 @@
 </p:sld>
 </file>
 
-<file path=ppt/slides/slide18.xml><?xml version="1.0" encoding="utf-8"?>
+<file path=ppt/slides/slide17.xml><?xml version="1.0" encoding="utf-8"?>
 <p:sld xmlns:a="http://schemas.openxmlformats.org/drawingml/2006/main" xmlns:r="http://schemas.openxmlformats.org/officeDocument/2006/relationships" xmlns:p="http://schemas.openxmlformats.org/presentationml/2006/main">
   <p:cSld>
     <p:spTree>
@@ -20540,7 +19760,7 @@
 </p:sld>
 </file>
 
-<file path=ppt/slides/slide19.xml><?xml version="1.0" encoding="utf-8"?>
+<file path=ppt/slides/slide18.xml><?xml version="1.0" encoding="utf-8"?>
 <p:sld xmlns:a="http://schemas.openxmlformats.org/drawingml/2006/main" xmlns:r="http://schemas.openxmlformats.org/officeDocument/2006/relationships" xmlns:p="http://schemas.openxmlformats.org/presentationml/2006/main">
   <p:cSld>
     <p:spTree>
@@ -21781,231 +21001,7 @@
 </p:sld>
 </file>
 
-<file path=ppt/slides/slide2.xml><?xml version="1.0" encoding="utf-8"?>
-<p:sld xmlns:a="http://schemas.openxmlformats.org/drawingml/2006/main" xmlns:r="http://schemas.openxmlformats.org/officeDocument/2006/relationships" xmlns:p="http://schemas.openxmlformats.org/presentationml/2006/main">
-  <p:cSld>
-    <p:spTree>
-      <p:nvGrpSpPr>
-        <p:cNvPr id="1" name=""/>
-        <p:cNvGrpSpPr/>
-        <p:nvPr/>
-      </p:nvGrpSpPr>
-      <p:grpSpPr>
-        <a:xfrm>
-          <a:off x="0" y="0"/>
-          <a:ext cx="0" cy="0"/>
-          <a:chOff x="0" y="0"/>
-          <a:chExt cx="0" cy="0"/>
-        </a:xfrm>
-      </p:grpSpPr>
-      <p:sp>
-        <p:nvSpPr>
-          <p:cNvPr id="2" name="标题 1"/>
-          <p:cNvSpPr>
-            <a:spLocks noGrp="1"/>
-          </p:cNvSpPr>
-          <p:nvPr>
-            <p:ph type="title"/>
-          </p:nvPr>
-        </p:nvSpPr>
-        <p:spPr/>
-        <p:txBody>
-          <a:bodyPr>
-            <a:normAutofit fontScale="90000"/>
-          </a:bodyPr>
-          <a:lstStyle/>
-          <a:p>
-            <a:r>
-              <a:rPr lang="zh-CN" altLang="en-US" b="1"/>
-              <a:t>自我介绍</a:t>
-            </a:r>
-          </a:p>
-        </p:txBody>
-      </p:sp>
-      <p:sp>
-        <p:nvSpPr>
-          <p:cNvPr id="4" name="TextBox 3"/>
-          <p:cNvSpPr txBox="1"/>
-          <p:nvPr/>
-        </p:nvSpPr>
-        <p:spPr>
-          <a:xfrm>
-            <a:off x="1753745" y="1485107"/>
-            <a:ext cx="5410455" cy="2308324"/>
-          </a:xfrm>
-          <a:prstGeom prst="rect">
-            <a:avLst/>
-          </a:prstGeom>
-          <a:noFill/>
-        </p:spPr>
-        <p:txBody>
-          <a:bodyPr wrap="none" rtlCol="0">
-            <a:spAutoFit/>
-          </a:bodyPr>
-          <a:lstStyle/>
-          <a:p>
-            <a:pPr>
-              <a:lnSpc>
-                <a:spcPct val="150000"/>
-              </a:lnSpc>
-            </a:pPr>
-            <a:r>
-              <a:rPr lang="zh-CN" altLang="en-US" sz="4800" b="1">
-                <a:solidFill>
-                  <a:schemeClr val="tx1">
-                    <a:lumMod val="75000"/>
-                    <a:lumOff val="25000"/>
-                  </a:schemeClr>
-                </a:solidFill>
-                <a:latin typeface="微软雅黑" pitchFamily="34" charset="-122"/>
-                <a:ea typeface="微软雅黑" pitchFamily="34" charset="-122"/>
-              </a:rPr>
-              <a:t>丁</a:t>
-            </a:r>
-            <a:r>
-              <a:rPr lang="zh-CN" altLang="en-US" sz="4800" b="1" smtClean="0">
-                <a:solidFill>
-                  <a:schemeClr val="tx1">
-                    <a:lumMod val="75000"/>
-                    <a:lumOff val="25000"/>
-                  </a:schemeClr>
-                </a:solidFill>
-                <a:latin typeface="微软雅黑" pitchFamily="34" charset="-122"/>
-                <a:ea typeface="微软雅黑" pitchFamily="34" charset="-122"/>
-              </a:rPr>
-              <a:t>盟</a:t>
-            </a:r>
-            <a:endParaRPr lang="en-US" altLang="zh-CN" sz="4800" b="1" dirty="0" smtClean="0">
-              <a:solidFill>
-                <a:schemeClr val="tx1">
-                  <a:lumMod val="75000"/>
-                  <a:lumOff val="25000"/>
-                </a:schemeClr>
-              </a:solidFill>
-              <a:latin typeface="微软雅黑" pitchFamily="34" charset="-122"/>
-              <a:ea typeface="微软雅黑" pitchFamily="34" charset="-122"/>
-            </a:endParaRPr>
-          </a:p>
-          <a:p>
-            <a:pPr>
-              <a:lnSpc>
-                <a:spcPct val="150000"/>
-              </a:lnSpc>
-            </a:pPr>
-            <a:r>
-              <a:rPr lang="en-US" altLang="zh-CN" sz="4800" smtClean="0">
-                <a:solidFill>
-                  <a:schemeClr val="tx1">
-                    <a:lumMod val="75000"/>
-                    <a:lumOff val="25000"/>
-                  </a:schemeClr>
-                </a:solidFill>
-                <a:latin typeface="微软雅黑" pitchFamily="34" charset="-122"/>
-                <a:ea typeface="微软雅黑" pitchFamily="34" charset="-122"/>
-              </a:rPr>
-              <a:t>QQ</a:t>
-            </a:r>
-            <a:r>
-              <a:rPr lang="zh-CN" altLang="en-US" sz="4800" smtClean="0">
-                <a:solidFill>
-                  <a:schemeClr val="tx1">
-                    <a:lumMod val="75000"/>
-                    <a:lumOff val="25000"/>
-                  </a:schemeClr>
-                </a:solidFill>
-                <a:latin typeface="微软雅黑" pitchFamily="34" charset="-122"/>
-                <a:ea typeface="微软雅黑" pitchFamily="34" charset="-122"/>
-              </a:rPr>
-              <a:t>：</a:t>
-            </a:r>
-            <a:r>
-              <a:rPr lang="en-US" altLang="zh-CN" sz="4800" smtClean="0">
-                <a:solidFill>
-                  <a:schemeClr val="tx1">
-                    <a:lumMod val="75000"/>
-                    <a:lumOff val="25000"/>
-                  </a:schemeClr>
-                </a:solidFill>
-                <a:latin typeface="微软雅黑" pitchFamily="34" charset="-122"/>
-                <a:ea typeface="微软雅黑" pitchFamily="34" charset="-122"/>
-              </a:rPr>
-              <a:t>2622885094</a:t>
-            </a:r>
-            <a:endParaRPr lang="en-US" altLang="zh-CN" sz="4800" dirty="0" smtClean="0">
-              <a:solidFill>
-                <a:schemeClr val="tx1">
-                  <a:lumMod val="75000"/>
-                  <a:lumOff val="25000"/>
-                </a:schemeClr>
-              </a:solidFill>
-              <a:latin typeface="微软雅黑" pitchFamily="34" charset="-122"/>
-              <a:ea typeface="微软雅黑" pitchFamily="34" charset="-122"/>
-            </a:endParaRPr>
-          </a:p>
-        </p:txBody>
-      </p:sp>
-      <p:pic>
-        <p:nvPicPr>
-          <p:cNvPr id="5" name="Picture 2" descr="C:\Users\Eetze\Desktop\1123123.png"/>
-          <p:cNvPicPr>
-            <a:picLocks noChangeAspect="1" noChangeArrowheads="1"/>
-          </p:cNvPicPr>
-          <p:nvPr/>
-        </p:nvPicPr>
-        <p:blipFill>
-          <a:blip r:embed="rId2">
-            <a:extLst>
-              <a:ext uri="{28A0092B-C50C-407E-A947-70E740481C1C}">
-                <a14:useLocalDpi xmlns:a14="http://schemas.microsoft.com/office/drawing/2010/main" val="0"/>
-              </a:ext>
-            </a:extLst>
-          </a:blip>
-          <a:srcRect/>
-          <a:stretch>
-            <a:fillRect/>
-          </a:stretch>
-        </p:blipFill>
-        <p:spPr bwMode="auto">
-          <a:xfrm>
-            <a:off x="7822604" y="2205187"/>
-            <a:ext cx="2840856" cy="3535631"/>
-          </a:xfrm>
-          <a:prstGeom prst="rect">
-            <a:avLst/>
-          </a:prstGeom>
-          <a:noFill/>
-          <a:extLst>
-            <a:ext uri="{909E8E84-426E-40DD-AFC4-6F175D3DCCD1}">
-              <a14:hiddenFill xmlns:a14="http://schemas.microsoft.com/office/drawing/2010/main">
-                <a:solidFill>
-                  <a:srgbClr val="FFFFFF"/>
-                </a:solidFill>
-              </a14:hiddenFill>
-            </a:ext>
-          </a:extLst>
-        </p:spPr>
-      </p:pic>
-    </p:spTree>
-    <p:extLst>
-      <p:ext uri="{BB962C8B-B14F-4D97-AF65-F5344CB8AC3E}">
-        <p14:creationId xmlns:p14="http://schemas.microsoft.com/office/powerpoint/2010/main" val="1281645585"/>
-      </p:ext>
-    </p:extLst>
-  </p:cSld>
-  <p:clrMapOvr>
-    <a:masterClrMapping/>
-  </p:clrMapOvr>
-  <p:timing>
-    <p:tnLst>
-      <p:par>
-        <p:cTn id="1" dur="indefinite" restart="never" nodeType="tmRoot"/>
-      </p:par>
-    </p:tnLst>
-  </p:timing>
-</p:sld>
-</file>
-
-<file path=ppt/slides/slide20.xml><?xml version="1.0" encoding="utf-8"?>
+<file path=ppt/slides/slide19.xml><?xml version="1.0" encoding="utf-8"?>
 <p:sld xmlns:a="http://schemas.openxmlformats.org/drawingml/2006/main" xmlns:r="http://schemas.openxmlformats.org/officeDocument/2006/relationships" xmlns:p="http://schemas.openxmlformats.org/presentationml/2006/main">
   <p:cSld>
     <p:spTree>
@@ -22396,7 +21392,225 @@
 </p:sld>
 </file>
 
-<file path=ppt/slides/slide21.xml><?xml version="1.0" encoding="utf-8"?>
+<file path=ppt/slides/slide2.xml><?xml version="1.0" encoding="utf-8"?>
+<p:sld xmlns:a="http://schemas.openxmlformats.org/drawingml/2006/main" xmlns:r="http://schemas.openxmlformats.org/officeDocument/2006/relationships" xmlns:p="http://schemas.openxmlformats.org/presentationml/2006/main">
+  <p:cSld>
+    <p:spTree>
+      <p:nvGrpSpPr>
+        <p:cNvPr id="1" name=""/>
+        <p:cNvGrpSpPr/>
+        <p:nvPr/>
+      </p:nvGrpSpPr>
+      <p:grpSpPr>
+        <a:xfrm>
+          <a:off x="0" y="0"/>
+          <a:ext cx="0" cy="0"/>
+          <a:chOff x="0" y="0"/>
+          <a:chExt cx="0" cy="0"/>
+        </a:xfrm>
+      </p:grpSpPr>
+      <p:sp>
+        <p:nvSpPr>
+          <p:cNvPr id="3" name="标题 2"/>
+          <p:cNvSpPr>
+            <a:spLocks noGrp="1"/>
+          </p:cNvSpPr>
+          <p:nvPr>
+            <p:ph type="title"/>
+          </p:nvPr>
+        </p:nvSpPr>
+        <p:spPr/>
+        <p:txBody>
+          <a:bodyPr>
+            <a:normAutofit fontScale="90000"/>
+          </a:bodyPr>
+          <a:lstStyle/>
+          <a:p>
+            <a:r>
+              <a:rPr lang="zh-CN" altLang="en-US"/>
+              <a:t>上</a:t>
+            </a:r>
+            <a:r>
+              <a:rPr lang="zh-CN" altLang="en-US" smtClean="0"/>
+              <a:t>一讲</a:t>
+            </a:r>
+            <a:r>
+              <a:rPr lang="zh-CN" altLang="en-US"/>
+              <a:t>教学目标</a:t>
+            </a:r>
+          </a:p>
+        </p:txBody>
+      </p:sp>
+      <p:sp>
+        <p:nvSpPr>
+          <p:cNvPr id="4" name="内容占位符 3"/>
+          <p:cNvSpPr>
+            <a:spLocks noGrp="1"/>
+          </p:cNvSpPr>
+          <p:nvPr>
+            <p:ph idx="1"/>
+          </p:nvPr>
+        </p:nvSpPr>
+        <p:spPr>
+          <a:xfrm>
+            <a:off x="978515" y="1192905"/>
+            <a:ext cx="10516799" cy="5011952"/>
+          </a:xfrm>
+        </p:spPr>
+        <p:txBody>
+          <a:bodyPr>
+            <a:normAutofit/>
+          </a:bodyPr>
+          <a:lstStyle/>
+          <a:p>
+            <a:pPr>
+              <a:lnSpc>
+                <a:spcPct val="150000"/>
+              </a:lnSpc>
+              <a:buFont typeface="Wingdings" panose="05000000000000000000" pitchFamily="2" charset="2"/>
+              <a:buChar char="Ø"/>
+            </a:pPr>
+            <a:r>
+              <a:rPr lang="zh-CN" altLang="en-US" sz="3000">
+                <a:solidFill>
+                  <a:schemeClr val="tx1">
+                    <a:lumMod val="75000"/>
+                    <a:lumOff val="25000"/>
+                  </a:schemeClr>
+                </a:solidFill>
+              </a:rPr>
+              <a:t>掌握</a:t>
+            </a:r>
+            <a:r>
+              <a:rPr lang="en-US" altLang="zh-CN" sz="3000">
+                <a:solidFill>
+                  <a:schemeClr val="tx1">
+                    <a:lumMod val="75000"/>
+                    <a:lumOff val="25000"/>
+                  </a:schemeClr>
+                </a:solidFill>
+              </a:rPr>
+              <a:t>C++</a:t>
+            </a:r>
+            <a:r>
+              <a:rPr lang="zh-CN" altLang="en-US" sz="3000">
+                <a:solidFill>
+                  <a:schemeClr val="tx1">
+                    <a:lumMod val="75000"/>
+                    <a:lumOff val="25000"/>
+                  </a:schemeClr>
+                </a:solidFill>
+              </a:rPr>
+              <a:t>中运算符重载的含义</a:t>
+            </a:r>
+          </a:p>
+          <a:p>
+            <a:pPr>
+              <a:lnSpc>
+                <a:spcPct val="150000"/>
+              </a:lnSpc>
+              <a:buFont typeface="Wingdings" panose="05000000000000000000" pitchFamily="2" charset="2"/>
+              <a:buChar char="Ø"/>
+            </a:pPr>
+            <a:r>
+              <a:rPr lang="zh-CN" altLang="en-US" sz="3000">
+                <a:solidFill>
+                  <a:schemeClr val="tx1">
+                    <a:lumMod val="75000"/>
+                    <a:lumOff val="25000"/>
+                  </a:schemeClr>
+                </a:solidFill>
+              </a:rPr>
+              <a:t>掌握</a:t>
+            </a:r>
+            <a:r>
+              <a:rPr lang="en-US" altLang="zh-CN" sz="3000">
+                <a:solidFill>
+                  <a:schemeClr val="tx1">
+                    <a:lumMod val="75000"/>
+                    <a:lumOff val="25000"/>
+                  </a:schemeClr>
+                </a:solidFill>
+              </a:rPr>
+              <a:t>C++</a:t>
+            </a:r>
+            <a:r>
+              <a:rPr lang="zh-CN" altLang="en-US" sz="3000">
+                <a:solidFill>
+                  <a:schemeClr val="tx1">
+                    <a:lumMod val="75000"/>
+                    <a:lumOff val="25000"/>
+                  </a:schemeClr>
+                </a:solidFill>
+              </a:rPr>
+              <a:t>中常见的运算符的重载形式</a:t>
+            </a:r>
+          </a:p>
+          <a:p>
+            <a:pPr>
+              <a:lnSpc>
+                <a:spcPct val="150000"/>
+              </a:lnSpc>
+              <a:buFont typeface="Wingdings" panose="05000000000000000000" pitchFamily="2" charset="2"/>
+              <a:buChar char="Ø"/>
+            </a:pPr>
+            <a:r>
+              <a:rPr lang="zh-CN" altLang="en-US" sz="3000">
+                <a:solidFill>
+                  <a:schemeClr val="tx1">
+                    <a:lumMod val="75000"/>
+                    <a:lumOff val="25000"/>
+                  </a:schemeClr>
+                </a:solidFill>
+              </a:rPr>
+              <a:t>了解</a:t>
+            </a:r>
+            <a:r>
+              <a:rPr lang="en-US" altLang="zh-CN" sz="3000">
+                <a:solidFill>
+                  <a:schemeClr val="tx1">
+                    <a:lumMod val="75000"/>
+                    <a:lumOff val="25000"/>
+                  </a:schemeClr>
+                </a:solidFill>
+              </a:rPr>
+              <a:t>C++</a:t>
+            </a:r>
+            <a:r>
+              <a:rPr lang="zh-CN" altLang="en-US" sz="3000">
+                <a:solidFill>
+                  <a:schemeClr val="tx1">
+                    <a:lumMod val="75000"/>
+                    <a:lumOff val="25000"/>
+                  </a:schemeClr>
+                </a:solidFill>
+              </a:rPr>
+              <a:t>中类类型转换的几种手段</a:t>
+            </a:r>
+          </a:p>
+        </p:txBody>
+      </p:sp>
+    </p:spTree>
+    <p:extLst>
+      <p:ext uri="{BB962C8B-B14F-4D97-AF65-F5344CB8AC3E}">
+        <p14:creationId xmlns:p14="http://schemas.microsoft.com/office/powerpoint/2010/main" val="2298296362"/>
+      </p:ext>
+    </p:extLst>
+  </p:cSld>
+  <p:clrMapOvr>
+    <a:masterClrMapping/>
+  </p:clrMapOvr>
+  <p:timing>
+    <p:tnLst>
+      <p:par>
+        <p:cTn id="1" dur="indefinite" restart="never" nodeType="tmRoot"/>
+      </p:par>
+    </p:tnLst>
+  </p:timing>
+</p:sld>
+</file>
+
+<file path=ppt/slides/slide20.xml><?xml version="1.0" encoding="utf-8"?>
 <p:sld xmlns:a="http://schemas.openxmlformats.org/drawingml/2006/main" xmlns:r="http://schemas.openxmlformats.org/officeDocument/2006/relationships" xmlns:p="http://schemas.openxmlformats.org/presentationml/2006/main">
   <p:cSld>
     <p:spTree>
@@ -22828,7 +22042,7 @@
 </p:sld>
 </file>
 
-<file path=ppt/slides/slide22.xml><?xml version="1.0" encoding="utf-8"?>
+<file path=ppt/slides/slide21.xml><?xml version="1.0" encoding="utf-8"?>
 <p:sld xmlns:a="http://schemas.openxmlformats.org/drawingml/2006/main" xmlns:r="http://schemas.openxmlformats.org/officeDocument/2006/relationships" xmlns:p="http://schemas.openxmlformats.org/presentationml/2006/main">
   <p:cSld>
     <p:spTree>
@@ -23305,7 +22519,7 @@
 </p:sld>
 </file>
 
-<file path=ppt/slides/slide23.xml><?xml version="1.0" encoding="utf-8"?>
+<file path=ppt/slides/slide22.xml><?xml version="1.0" encoding="utf-8"?>
 <p:sld xmlns:a="http://schemas.openxmlformats.org/drawingml/2006/main" xmlns:r="http://schemas.openxmlformats.org/officeDocument/2006/relationships" xmlns:p="http://schemas.openxmlformats.org/presentationml/2006/main">
   <p:cSld>
     <p:spTree>
@@ -23734,7 +22948,7 @@
 </p:sld>
 </file>
 
-<file path=ppt/slides/slide24.xml><?xml version="1.0" encoding="utf-8"?>
+<file path=ppt/slides/slide23.xml><?xml version="1.0" encoding="utf-8"?>
 <p:sld xmlns:a="http://schemas.openxmlformats.org/drawingml/2006/main" xmlns:r="http://schemas.openxmlformats.org/officeDocument/2006/relationships" xmlns:p="http://schemas.openxmlformats.org/presentationml/2006/main">
   <p:cSld>
     <p:spTree>
@@ -23892,7 +23106,7 @@
 </p:sld>
 </file>
 
-<file path=ppt/slides/slide25.xml><?xml version="1.0" encoding="utf-8"?>
+<file path=ppt/slides/slide24.xml><?xml version="1.0" encoding="utf-8"?>
 <p:sld xmlns:a="http://schemas.openxmlformats.org/drawingml/2006/main" xmlns:r="http://schemas.openxmlformats.org/officeDocument/2006/relationships" xmlns:p="http://schemas.openxmlformats.org/presentationml/2006/main">
   <p:cSld>
     <p:spTree>
@@ -25579,7 +24793,7 @@
 </p:sld>
 </file>
 
-<file path=ppt/slides/slide26.xml><?xml version="1.0" encoding="utf-8"?>
+<file path=ppt/slides/slide25.xml><?xml version="1.0" encoding="utf-8"?>
 <p:sld xmlns:a="http://schemas.openxmlformats.org/drawingml/2006/main" xmlns:r="http://schemas.openxmlformats.org/officeDocument/2006/relationships" xmlns:p="http://schemas.openxmlformats.org/presentationml/2006/main">
   <p:cSld>
     <p:spTree>
@@ -26364,7 +25578,7 @@
 </p:sld>
 </file>
 
-<file path=ppt/slides/slide27.xml><?xml version="1.0" encoding="utf-8"?>
+<file path=ppt/slides/slide26.xml><?xml version="1.0" encoding="utf-8"?>
 <p:sld xmlns:a="http://schemas.openxmlformats.org/drawingml/2006/main" xmlns:r="http://schemas.openxmlformats.org/officeDocument/2006/relationships" xmlns:p="http://schemas.openxmlformats.org/presentationml/2006/main">
   <p:cSld>
     <p:spTree>
@@ -26797,7 +26011,7 @@
 </p:sld>
 </file>
 
-<file path=ppt/slides/slide28.xml><?xml version="1.0" encoding="utf-8"?>
+<file path=ppt/slides/slide27.xml><?xml version="1.0" encoding="utf-8"?>
 <p:sld xmlns:a="http://schemas.openxmlformats.org/drawingml/2006/main" xmlns:r="http://schemas.openxmlformats.org/officeDocument/2006/relationships" xmlns:p="http://schemas.openxmlformats.org/presentationml/2006/main">
   <p:cSld>
     <p:spTree>
@@ -28310,7 +27524,7 @@
 </p:sld>
 </file>
 
-<file path=ppt/slides/slide29.xml><?xml version="1.0" encoding="utf-8"?>
+<file path=ppt/slides/slide28.xml><?xml version="1.0" encoding="utf-8"?>
 <p:sld xmlns:a="http://schemas.openxmlformats.org/drawingml/2006/main" xmlns:r="http://schemas.openxmlformats.org/officeDocument/2006/relationships" xmlns:p="http://schemas.openxmlformats.org/presentationml/2006/main">
   <p:cSld>
     <p:spTree>
@@ -29035,6 +28249,370 @@
 </p:sld>
 </file>
 
+<file path=ppt/slides/slide29.xml><?xml version="1.0" encoding="utf-8"?>
+<p:sld xmlns:a="http://schemas.openxmlformats.org/drawingml/2006/main" xmlns:r="http://schemas.openxmlformats.org/officeDocument/2006/relationships" xmlns:p="http://schemas.openxmlformats.org/presentationml/2006/main">
+  <p:cSld>
+    <p:spTree>
+      <p:nvGrpSpPr>
+        <p:cNvPr id="1" name=""/>
+        <p:cNvGrpSpPr/>
+        <p:nvPr/>
+      </p:nvGrpSpPr>
+      <p:grpSpPr>
+        <a:xfrm>
+          <a:off x="0" y="0"/>
+          <a:ext cx="0" cy="0"/>
+          <a:chOff x="0" y="0"/>
+          <a:chExt cx="0" cy="0"/>
+        </a:xfrm>
+      </p:grpSpPr>
+      <p:sp>
+        <p:nvSpPr>
+          <p:cNvPr id="3" name="标题 2"/>
+          <p:cNvSpPr>
+            <a:spLocks noGrp="1"/>
+          </p:cNvSpPr>
+          <p:nvPr>
+            <p:ph type="title"/>
+          </p:nvPr>
+        </p:nvSpPr>
+        <p:spPr/>
+        <p:txBody>
+          <a:bodyPr>
+            <a:normAutofit fontScale="90000"/>
+          </a:bodyPr>
+          <a:lstStyle/>
+          <a:p>
+            <a:r>
+              <a:rPr lang="zh-CN" altLang="en-US" smtClean="0"/>
+              <a:t>隐藏</a:t>
+            </a:r>
+            <a:r>
+              <a:rPr lang="zh-CN" altLang="en-US"/>
+              <a:t>、覆盖、重载</a:t>
+            </a:r>
+          </a:p>
+        </p:txBody>
+      </p:sp>
+      <p:sp>
+        <p:nvSpPr>
+          <p:cNvPr id="8" name="Rectangle 3"/>
+          <p:cNvSpPr txBox="1">
+            <a:spLocks noChangeArrowheads="1"/>
+          </p:cNvSpPr>
+          <p:nvPr/>
+        </p:nvSpPr>
+        <p:spPr>
+          <a:xfrm>
+            <a:off x="702982" y="990829"/>
+            <a:ext cx="10955618" cy="5475285"/>
+          </a:xfrm>
+          <a:prstGeom prst="rect">
+            <a:avLst/>
+          </a:prstGeom>
+        </p:spPr>
+        <p:txBody>
+          <a:bodyPr/>
+          <a:lstStyle/>
+          <a:p>
+            <a:pPr marL="566737" indent="-457200" eaLnBrk="0" hangingPunct="0">
+              <a:lnSpc>
+                <a:spcPct val="110000"/>
+              </a:lnSpc>
+              <a:spcBef>
+                <a:spcPct val="10000"/>
+              </a:spcBef>
+              <a:buClr>
+                <a:schemeClr val="accent1">
+                  <a:lumMod val="50000"/>
+                </a:schemeClr>
+              </a:buClr>
+              <a:buFont typeface="Wingdings" panose="05000000000000000000" pitchFamily="2" charset="2"/>
+              <a:buChar char="v"/>
+              <a:defRPr/>
+            </a:pPr>
+            <a:r>
+              <a:rPr lang="zh-CN" altLang="en-US" sz="3200" kern="0">
+                <a:solidFill>
+                  <a:schemeClr val="tx1">
+                    <a:lumMod val="75000"/>
+                    <a:lumOff val="25000"/>
+                  </a:schemeClr>
+                </a:solidFill>
+                <a:latin typeface="微软雅黑" panose="020B0503020204020204" pitchFamily="34" charset="-122"/>
+                <a:ea typeface="微软雅黑" panose="020B0503020204020204" pitchFamily="34" charset="-122"/>
+                <a:cs typeface="Courier New" pitchFamily="49" charset="0"/>
+              </a:rPr>
+              <a:t>函数的</a:t>
+            </a:r>
+            <a:r>
+              <a:rPr lang="zh-CN" altLang="en-US" sz="3200" kern="0">
+                <a:solidFill>
+                  <a:srgbClr val="C00000"/>
+                </a:solidFill>
+                <a:latin typeface="微软雅黑" panose="020B0503020204020204" pitchFamily="34" charset="-122"/>
+                <a:ea typeface="微软雅黑" panose="020B0503020204020204" pitchFamily="34" charset="-122"/>
+                <a:cs typeface="Courier New" pitchFamily="49" charset="0"/>
+              </a:rPr>
+              <a:t>覆盖</a:t>
+            </a:r>
+          </a:p>
+          <a:p>
+            <a:pPr marL="109537" eaLnBrk="0" hangingPunct="0">
+              <a:lnSpc>
+                <a:spcPct val="110000"/>
+              </a:lnSpc>
+              <a:spcBef>
+                <a:spcPct val="10000"/>
+              </a:spcBef>
+              <a:buClr>
+                <a:schemeClr val="accent1">
+                  <a:lumMod val="50000"/>
+                </a:schemeClr>
+              </a:buClr>
+              <a:defRPr/>
+            </a:pPr>
+            <a:r>
+              <a:rPr lang="zh-CN" altLang="en-US" sz="3200" kern="0" smtClean="0">
+                <a:solidFill>
+                  <a:schemeClr val="tx1">
+                    <a:lumMod val="75000"/>
+                    <a:lumOff val="25000"/>
+                  </a:schemeClr>
+                </a:solidFill>
+                <a:latin typeface="微软雅黑" panose="020B0503020204020204" pitchFamily="34" charset="-122"/>
+                <a:ea typeface="微软雅黑" panose="020B0503020204020204" pitchFamily="34" charset="-122"/>
+                <a:cs typeface="Courier New" pitchFamily="49" charset="0"/>
+              </a:rPr>
+              <a:t>    覆盖</a:t>
+            </a:r>
+            <a:r>
+              <a:rPr lang="zh-CN" altLang="en-US" sz="3200" kern="0">
+                <a:solidFill>
+                  <a:schemeClr val="tx1">
+                    <a:lumMod val="75000"/>
+                    <a:lumOff val="25000"/>
+                  </a:schemeClr>
+                </a:solidFill>
+                <a:latin typeface="微软雅黑" panose="020B0503020204020204" pitchFamily="34" charset="-122"/>
+                <a:ea typeface="微软雅黑" panose="020B0503020204020204" pitchFamily="34" charset="-122"/>
+                <a:cs typeface="Courier New" pitchFamily="49" charset="0"/>
+              </a:rPr>
+              <a:t>规则：</a:t>
+            </a:r>
+          </a:p>
+          <a:p>
+            <a:pPr marL="540000" lvl="1" indent="514350" eaLnBrk="0" hangingPunct="0">
+              <a:spcBef>
+                <a:spcPts val="1200"/>
+              </a:spcBef>
+              <a:buClr>
+                <a:schemeClr val="accent1">
+                  <a:lumMod val="50000"/>
+                </a:schemeClr>
+              </a:buClr>
+              <a:buFont typeface="+mj-lt"/>
+              <a:buAutoNum type="arabicPeriod"/>
+              <a:defRPr/>
+            </a:pPr>
+            <a:r>
+              <a:rPr lang="zh-CN" altLang="en-US" sz="3200" kern="0">
+                <a:solidFill>
+                  <a:schemeClr val="tx1">
+                    <a:lumMod val="75000"/>
+                    <a:lumOff val="25000"/>
+                  </a:schemeClr>
+                </a:solidFill>
+                <a:latin typeface="微软雅黑" panose="020B0503020204020204" pitchFamily="34" charset="-122"/>
+                <a:ea typeface="微软雅黑" panose="020B0503020204020204" pitchFamily="34" charset="-122"/>
+                <a:cs typeface="Courier New" pitchFamily="49" charset="0"/>
+              </a:rPr>
+              <a:t>指派生类与基类的成员函数之间。</a:t>
+            </a:r>
+          </a:p>
+          <a:p>
+            <a:pPr marL="540000" lvl="1" indent="514350" eaLnBrk="0" hangingPunct="0">
+              <a:spcBef>
+                <a:spcPts val="1200"/>
+              </a:spcBef>
+              <a:buClr>
+                <a:schemeClr val="accent1">
+                  <a:lumMod val="50000"/>
+                </a:schemeClr>
+              </a:buClr>
+              <a:buFont typeface="+mj-lt"/>
+              <a:buAutoNum type="arabicPeriod"/>
+              <a:defRPr/>
+            </a:pPr>
+            <a:r>
+              <a:rPr lang="zh-CN" altLang="en-US" sz="3200" kern="0" smtClean="0">
+                <a:solidFill>
+                  <a:schemeClr val="tx1">
+                    <a:lumMod val="75000"/>
+                    <a:lumOff val="25000"/>
+                  </a:schemeClr>
+                </a:solidFill>
+                <a:latin typeface="微软雅黑" panose="020B0503020204020204" pitchFamily="34" charset="-122"/>
+                <a:ea typeface="微软雅黑" panose="020B0503020204020204" pitchFamily="34" charset="-122"/>
+                <a:cs typeface="Courier New" pitchFamily="49" charset="0"/>
+              </a:rPr>
+              <a:t>基</a:t>
+            </a:r>
+            <a:r>
+              <a:rPr lang="zh-CN" altLang="en-US" sz="3200" kern="0">
+                <a:solidFill>
+                  <a:schemeClr val="tx1">
+                    <a:lumMod val="75000"/>
+                    <a:lumOff val="25000"/>
+                  </a:schemeClr>
+                </a:solidFill>
+                <a:latin typeface="微软雅黑" panose="020B0503020204020204" pitchFamily="34" charset="-122"/>
+                <a:ea typeface="微软雅黑" panose="020B0503020204020204" pitchFamily="34" charset="-122"/>
+                <a:cs typeface="Courier New" pitchFamily="49" charset="0"/>
+              </a:rPr>
+              <a:t>类函数必须有</a:t>
+            </a:r>
+            <a:r>
+              <a:rPr lang="en-US" altLang="zh-CN" sz="3200" kern="0">
+                <a:solidFill>
+                  <a:schemeClr val="tx1">
+                    <a:lumMod val="75000"/>
+                    <a:lumOff val="25000"/>
+                  </a:schemeClr>
+                </a:solidFill>
+                <a:latin typeface="微软雅黑" panose="020B0503020204020204" pitchFamily="34" charset="-122"/>
+                <a:ea typeface="微软雅黑" panose="020B0503020204020204" pitchFamily="34" charset="-122"/>
+                <a:cs typeface="Courier New" pitchFamily="49" charset="0"/>
+              </a:rPr>
+              <a:t>virtual</a:t>
+            </a:r>
+            <a:r>
+              <a:rPr lang="zh-CN" altLang="en-US" sz="3200" kern="0">
+                <a:solidFill>
+                  <a:schemeClr val="tx1">
+                    <a:lumMod val="75000"/>
+                    <a:lumOff val="25000"/>
+                  </a:schemeClr>
+                </a:solidFill>
+                <a:latin typeface="微软雅黑" panose="020B0503020204020204" pitchFamily="34" charset="-122"/>
+                <a:ea typeface="微软雅黑" panose="020B0503020204020204" pitchFamily="34" charset="-122"/>
+                <a:cs typeface="Courier New" pitchFamily="49" charset="0"/>
+              </a:rPr>
+              <a:t>关键字。</a:t>
+            </a:r>
+          </a:p>
+          <a:p>
+            <a:pPr marL="540000" lvl="1" indent="514350" eaLnBrk="0" hangingPunct="0">
+              <a:spcBef>
+                <a:spcPts val="1200"/>
+              </a:spcBef>
+              <a:buClr>
+                <a:schemeClr val="accent1">
+                  <a:lumMod val="50000"/>
+                </a:schemeClr>
+              </a:buClr>
+              <a:buFont typeface="+mj-lt"/>
+              <a:buAutoNum type="arabicPeriod"/>
+              <a:defRPr/>
+            </a:pPr>
+            <a:r>
+              <a:rPr lang="zh-CN" altLang="en-US" sz="3200" kern="0" smtClean="0">
+                <a:solidFill>
+                  <a:schemeClr val="tx1">
+                    <a:lumMod val="75000"/>
+                    <a:lumOff val="25000"/>
+                  </a:schemeClr>
+                </a:solidFill>
+                <a:latin typeface="微软雅黑" panose="020B0503020204020204" pitchFamily="34" charset="-122"/>
+                <a:ea typeface="微软雅黑" panose="020B0503020204020204" pitchFamily="34" charset="-122"/>
+                <a:cs typeface="Courier New" pitchFamily="49" charset="0"/>
+              </a:rPr>
+              <a:t>基</a:t>
+            </a:r>
+            <a:r>
+              <a:rPr lang="zh-CN" altLang="en-US" sz="3200" kern="0">
+                <a:solidFill>
+                  <a:schemeClr val="tx1">
+                    <a:lumMod val="75000"/>
+                    <a:lumOff val="25000"/>
+                  </a:schemeClr>
+                </a:solidFill>
+                <a:latin typeface="微软雅黑" panose="020B0503020204020204" pitchFamily="34" charset="-122"/>
+                <a:ea typeface="微软雅黑" panose="020B0503020204020204" pitchFamily="34" charset="-122"/>
+                <a:cs typeface="Courier New" pitchFamily="49" charset="0"/>
+              </a:rPr>
+              <a:t>类和派生类同名函数的原型</a:t>
+            </a:r>
+            <a:r>
+              <a:rPr lang="zh-CN" altLang="en-US" sz="3200" kern="0">
+                <a:solidFill>
+                  <a:srgbClr val="C00000"/>
+                </a:solidFill>
+                <a:latin typeface="微软雅黑" panose="020B0503020204020204" pitchFamily="34" charset="-122"/>
+                <a:ea typeface="微软雅黑" panose="020B0503020204020204" pitchFamily="34" charset="-122"/>
+                <a:cs typeface="Courier New" pitchFamily="49" charset="0"/>
+              </a:rPr>
+              <a:t>完全相同（返回值、函数名、参数表、</a:t>
+            </a:r>
+            <a:r>
+              <a:rPr lang="en-US" altLang="zh-CN" sz="3200" kern="0">
+                <a:solidFill>
+                  <a:srgbClr val="C00000"/>
+                </a:solidFill>
+                <a:latin typeface="微软雅黑" panose="020B0503020204020204" pitchFamily="34" charset="-122"/>
+                <a:ea typeface="微软雅黑" panose="020B0503020204020204" pitchFamily="34" charset="-122"/>
+                <a:cs typeface="Courier New" pitchFamily="49" charset="0"/>
+              </a:rPr>
+              <a:t>const</a:t>
+            </a:r>
+            <a:r>
+              <a:rPr lang="zh-CN" altLang="en-US" sz="3200" kern="0">
+                <a:solidFill>
+                  <a:srgbClr val="C00000"/>
+                </a:solidFill>
+                <a:latin typeface="微软雅黑" panose="020B0503020204020204" pitchFamily="34" charset="-122"/>
+                <a:ea typeface="微软雅黑" panose="020B0503020204020204" pitchFamily="34" charset="-122"/>
+                <a:cs typeface="Courier New" pitchFamily="49" charset="0"/>
+              </a:rPr>
+              <a:t>）</a:t>
+            </a:r>
+            <a:r>
+              <a:rPr lang="zh-CN" altLang="en-US" sz="3200" kern="0">
+                <a:solidFill>
+                  <a:schemeClr val="tx1">
+                    <a:lumMod val="75000"/>
+                    <a:lumOff val="25000"/>
+                  </a:schemeClr>
+                </a:solidFill>
+                <a:latin typeface="微软雅黑" panose="020B0503020204020204" pitchFamily="34" charset="-122"/>
+                <a:ea typeface="微软雅黑" panose="020B0503020204020204" pitchFamily="34" charset="-122"/>
+                <a:cs typeface="Courier New" pitchFamily="49" charset="0"/>
+              </a:rPr>
+              <a:t>。</a:t>
+            </a:r>
+          </a:p>
+        </p:txBody>
+      </p:sp>
+    </p:spTree>
+    <p:extLst>
+      <p:ext uri="{BB962C8B-B14F-4D97-AF65-F5344CB8AC3E}">
+        <p14:creationId xmlns:p14="http://schemas.microsoft.com/office/powerpoint/2010/main" val="31847269"/>
+      </p:ext>
+    </p:extLst>
+  </p:cSld>
+  <p:clrMapOvr>
+    <a:masterClrMapping/>
+  </p:clrMapOvr>
+  <p:timing>
+    <p:tnLst>
+      <p:par>
+        <p:cTn id="1" dur="indefinite" restart="never" nodeType="tmRoot"/>
+      </p:par>
+    </p:tnLst>
+  </p:timing>
+</p:sld>
+</file>
+
 <file path=ppt/slides/slide3.xml><?xml version="1.0" encoding="utf-8"?>
 <p:sld xmlns:a="http://schemas.openxmlformats.org/drawingml/2006/main" xmlns:r="http://schemas.openxmlformats.org/officeDocument/2006/relationships" xmlns:p="http://schemas.openxmlformats.org/presentationml/2006/main">
   <p:cSld>
@@ -29071,15 +28649,7 @@
           <a:p>
             <a:r>
               <a:rPr lang="zh-CN" altLang="en-US"/>
-              <a:t>上</a:t>
-            </a:r>
-            <a:r>
-              <a:rPr lang="zh-CN" altLang="en-US" smtClean="0"/>
-              <a:t>一讲</a:t>
-            </a:r>
-            <a:r>
-              <a:rPr lang="zh-CN" altLang="en-US"/>
-              <a:t>教学目标</a:t>
+              <a:t>本讲教学目标</a:t>
             </a:r>
           </a:p>
         </p:txBody>
@@ -29096,8 +28666,8 @@
         </p:nvSpPr>
         <p:spPr>
           <a:xfrm>
-            <a:off x="978515" y="1192905"/>
-            <a:ext cx="10516799" cy="5011952"/>
+            <a:off x="978515" y="1192904"/>
+            <a:ext cx="10268605" cy="5055495"/>
           </a:xfrm>
         </p:spPr>
         <p:txBody>
@@ -29144,7 +28714,7 @@
                   </a:schemeClr>
                 </a:solidFill>
               </a:rPr>
-              <a:t>中运算符重载的含义</a:t>
+              <a:t>中虚函数的概念</a:t>
             </a:r>
           </a:p>
           <a:p>
@@ -29156,6 +28726,17 @@
               <a:buChar char="Ø"/>
             </a:pPr>
             <a:r>
+              <a:rPr lang="zh-CN" altLang="en-US" sz="3000" smtClean="0">
+                <a:solidFill>
+                  <a:schemeClr val="tx1">
+                    <a:lumMod val="75000"/>
+                    <a:lumOff val="25000"/>
+                  </a:schemeClr>
+                </a:solidFill>
+              </a:rPr>
+              <a:t>理解</a:t>
+            </a:r>
+            <a:r>
               <a:rPr lang="zh-CN" altLang="en-US" sz="3000">
                 <a:solidFill>
                   <a:schemeClr val="tx1">
@@ -29164,71 +28745,7 @@
                   </a:schemeClr>
                 </a:solidFill>
               </a:rPr>
-              <a:t>掌握</a:t>
-            </a:r>
-            <a:r>
-              <a:rPr lang="en-US" altLang="zh-CN" sz="3000">
-                <a:solidFill>
-                  <a:schemeClr val="tx1">
-                    <a:lumMod val="75000"/>
-                    <a:lumOff val="25000"/>
-                  </a:schemeClr>
-                </a:solidFill>
-              </a:rPr>
-              <a:t>C++</a:t>
-            </a:r>
-            <a:r>
-              <a:rPr lang="zh-CN" altLang="en-US" sz="3000">
-                <a:solidFill>
-                  <a:schemeClr val="tx1">
-                    <a:lumMod val="75000"/>
-                    <a:lumOff val="25000"/>
-                  </a:schemeClr>
-                </a:solidFill>
-              </a:rPr>
-              <a:t>中常见的运算符的重载形式</a:t>
-            </a:r>
-          </a:p>
-          <a:p>
-            <a:pPr>
-              <a:lnSpc>
-                <a:spcPct val="150000"/>
-              </a:lnSpc>
-              <a:buFont typeface="Wingdings" panose="05000000000000000000" pitchFamily="2" charset="2"/>
-              <a:buChar char="Ø"/>
-            </a:pPr>
-            <a:r>
-              <a:rPr lang="zh-CN" altLang="en-US" sz="3000">
-                <a:solidFill>
-                  <a:schemeClr val="tx1">
-                    <a:lumMod val="75000"/>
-                    <a:lumOff val="25000"/>
-                  </a:schemeClr>
-                </a:solidFill>
-              </a:rPr>
-              <a:t>了解</a:t>
-            </a:r>
-            <a:r>
-              <a:rPr lang="en-US" altLang="zh-CN" sz="3000">
-                <a:solidFill>
-                  <a:schemeClr val="tx1">
-                    <a:lumMod val="75000"/>
-                    <a:lumOff val="25000"/>
-                  </a:schemeClr>
-                </a:solidFill>
-              </a:rPr>
-              <a:t>C++</a:t>
-            </a:r>
-            <a:r>
-              <a:rPr lang="zh-CN" altLang="en-US" sz="3000">
-                <a:solidFill>
-                  <a:schemeClr val="tx1">
-                    <a:lumMod val="75000"/>
-                    <a:lumOff val="25000"/>
-                  </a:schemeClr>
-                </a:solidFill>
-              </a:rPr>
-              <a:t>中类类型转换的几种手段</a:t>
+              <a:t>重载、隐藏、覆盖</a:t>
             </a:r>
           </a:p>
         </p:txBody>
@@ -29236,7 +28753,7 @@
     </p:spTree>
     <p:extLst>
       <p:ext uri="{BB962C8B-B14F-4D97-AF65-F5344CB8AC3E}">
-        <p14:creationId xmlns:p14="http://schemas.microsoft.com/office/powerpoint/2010/main" val="2298296362"/>
+        <p14:creationId xmlns:p14="http://schemas.microsoft.com/office/powerpoint/2010/main" val="3087785017"/>
       </p:ext>
     </p:extLst>
   </p:cSld>
@@ -29254,370 +28771,6 @@
 </file>
 
 <file path=ppt/slides/slide30.xml><?xml version="1.0" encoding="utf-8"?>
-<p:sld xmlns:a="http://schemas.openxmlformats.org/drawingml/2006/main" xmlns:r="http://schemas.openxmlformats.org/officeDocument/2006/relationships" xmlns:p="http://schemas.openxmlformats.org/presentationml/2006/main">
-  <p:cSld>
-    <p:spTree>
-      <p:nvGrpSpPr>
-        <p:cNvPr id="1" name=""/>
-        <p:cNvGrpSpPr/>
-        <p:nvPr/>
-      </p:nvGrpSpPr>
-      <p:grpSpPr>
-        <a:xfrm>
-          <a:off x="0" y="0"/>
-          <a:ext cx="0" cy="0"/>
-          <a:chOff x="0" y="0"/>
-          <a:chExt cx="0" cy="0"/>
-        </a:xfrm>
-      </p:grpSpPr>
-      <p:sp>
-        <p:nvSpPr>
-          <p:cNvPr id="3" name="标题 2"/>
-          <p:cNvSpPr>
-            <a:spLocks noGrp="1"/>
-          </p:cNvSpPr>
-          <p:nvPr>
-            <p:ph type="title"/>
-          </p:nvPr>
-        </p:nvSpPr>
-        <p:spPr/>
-        <p:txBody>
-          <a:bodyPr>
-            <a:normAutofit fontScale="90000"/>
-          </a:bodyPr>
-          <a:lstStyle/>
-          <a:p>
-            <a:r>
-              <a:rPr lang="zh-CN" altLang="en-US" smtClean="0"/>
-              <a:t>隐藏</a:t>
-            </a:r>
-            <a:r>
-              <a:rPr lang="zh-CN" altLang="en-US"/>
-              <a:t>、覆盖、重载</a:t>
-            </a:r>
-          </a:p>
-        </p:txBody>
-      </p:sp>
-      <p:sp>
-        <p:nvSpPr>
-          <p:cNvPr id="8" name="Rectangle 3"/>
-          <p:cNvSpPr txBox="1">
-            <a:spLocks noChangeArrowheads="1"/>
-          </p:cNvSpPr>
-          <p:nvPr/>
-        </p:nvSpPr>
-        <p:spPr>
-          <a:xfrm>
-            <a:off x="702982" y="990829"/>
-            <a:ext cx="10955618" cy="5475285"/>
-          </a:xfrm>
-          <a:prstGeom prst="rect">
-            <a:avLst/>
-          </a:prstGeom>
-        </p:spPr>
-        <p:txBody>
-          <a:bodyPr/>
-          <a:lstStyle/>
-          <a:p>
-            <a:pPr marL="566737" indent="-457200" eaLnBrk="0" hangingPunct="0">
-              <a:lnSpc>
-                <a:spcPct val="110000"/>
-              </a:lnSpc>
-              <a:spcBef>
-                <a:spcPct val="10000"/>
-              </a:spcBef>
-              <a:buClr>
-                <a:schemeClr val="accent1">
-                  <a:lumMod val="50000"/>
-                </a:schemeClr>
-              </a:buClr>
-              <a:buFont typeface="Wingdings" panose="05000000000000000000" pitchFamily="2" charset="2"/>
-              <a:buChar char="v"/>
-              <a:defRPr/>
-            </a:pPr>
-            <a:r>
-              <a:rPr lang="zh-CN" altLang="en-US" sz="3200" kern="0">
-                <a:solidFill>
-                  <a:schemeClr val="tx1">
-                    <a:lumMod val="75000"/>
-                    <a:lumOff val="25000"/>
-                  </a:schemeClr>
-                </a:solidFill>
-                <a:latin typeface="微软雅黑" panose="020B0503020204020204" pitchFamily="34" charset="-122"/>
-                <a:ea typeface="微软雅黑" panose="020B0503020204020204" pitchFamily="34" charset="-122"/>
-                <a:cs typeface="Courier New" pitchFamily="49" charset="0"/>
-              </a:rPr>
-              <a:t>函数的</a:t>
-            </a:r>
-            <a:r>
-              <a:rPr lang="zh-CN" altLang="en-US" sz="3200" kern="0">
-                <a:solidFill>
-                  <a:srgbClr val="C00000"/>
-                </a:solidFill>
-                <a:latin typeface="微软雅黑" panose="020B0503020204020204" pitchFamily="34" charset="-122"/>
-                <a:ea typeface="微软雅黑" panose="020B0503020204020204" pitchFamily="34" charset="-122"/>
-                <a:cs typeface="Courier New" pitchFamily="49" charset="0"/>
-              </a:rPr>
-              <a:t>覆盖</a:t>
-            </a:r>
-          </a:p>
-          <a:p>
-            <a:pPr marL="109537" eaLnBrk="0" hangingPunct="0">
-              <a:lnSpc>
-                <a:spcPct val="110000"/>
-              </a:lnSpc>
-              <a:spcBef>
-                <a:spcPct val="10000"/>
-              </a:spcBef>
-              <a:buClr>
-                <a:schemeClr val="accent1">
-                  <a:lumMod val="50000"/>
-                </a:schemeClr>
-              </a:buClr>
-              <a:defRPr/>
-            </a:pPr>
-            <a:r>
-              <a:rPr lang="zh-CN" altLang="en-US" sz="3200" kern="0" smtClean="0">
-                <a:solidFill>
-                  <a:schemeClr val="tx1">
-                    <a:lumMod val="75000"/>
-                    <a:lumOff val="25000"/>
-                  </a:schemeClr>
-                </a:solidFill>
-                <a:latin typeface="微软雅黑" panose="020B0503020204020204" pitchFamily="34" charset="-122"/>
-                <a:ea typeface="微软雅黑" panose="020B0503020204020204" pitchFamily="34" charset="-122"/>
-                <a:cs typeface="Courier New" pitchFamily="49" charset="0"/>
-              </a:rPr>
-              <a:t>    覆盖</a:t>
-            </a:r>
-            <a:r>
-              <a:rPr lang="zh-CN" altLang="en-US" sz="3200" kern="0">
-                <a:solidFill>
-                  <a:schemeClr val="tx1">
-                    <a:lumMod val="75000"/>
-                    <a:lumOff val="25000"/>
-                  </a:schemeClr>
-                </a:solidFill>
-                <a:latin typeface="微软雅黑" panose="020B0503020204020204" pitchFamily="34" charset="-122"/>
-                <a:ea typeface="微软雅黑" panose="020B0503020204020204" pitchFamily="34" charset="-122"/>
-                <a:cs typeface="Courier New" pitchFamily="49" charset="0"/>
-              </a:rPr>
-              <a:t>规则：</a:t>
-            </a:r>
-          </a:p>
-          <a:p>
-            <a:pPr marL="540000" lvl="1" indent="514350" eaLnBrk="0" hangingPunct="0">
-              <a:spcBef>
-                <a:spcPts val="1200"/>
-              </a:spcBef>
-              <a:buClr>
-                <a:schemeClr val="accent1">
-                  <a:lumMod val="50000"/>
-                </a:schemeClr>
-              </a:buClr>
-              <a:buFont typeface="+mj-lt"/>
-              <a:buAutoNum type="arabicPeriod"/>
-              <a:defRPr/>
-            </a:pPr>
-            <a:r>
-              <a:rPr lang="zh-CN" altLang="en-US" sz="3200" kern="0">
-                <a:solidFill>
-                  <a:schemeClr val="tx1">
-                    <a:lumMod val="75000"/>
-                    <a:lumOff val="25000"/>
-                  </a:schemeClr>
-                </a:solidFill>
-                <a:latin typeface="微软雅黑" panose="020B0503020204020204" pitchFamily="34" charset="-122"/>
-                <a:ea typeface="微软雅黑" panose="020B0503020204020204" pitchFamily="34" charset="-122"/>
-                <a:cs typeface="Courier New" pitchFamily="49" charset="0"/>
-              </a:rPr>
-              <a:t>指派生类与基类的成员函数之间。</a:t>
-            </a:r>
-          </a:p>
-          <a:p>
-            <a:pPr marL="540000" lvl="1" indent="514350" eaLnBrk="0" hangingPunct="0">
-              <a:spcBef>
-                <a:spcPts val="1200"/>
-              </a:spcBef>
-              <a:buClr>
-                <a:schemeClr val="accent1">
-                  <a:lumMod val="50000"/>
-                </a:schemeClr>
-              </a:buClr>
-              <a:buFont typeface="+mj-lt"/>
-              <a:buAutoNum type="arabicPeriod"/>
-              <a:defRPr/>
-            </a:pPr>
-            <a:r>
-              <a:rPr lang="zh-CN" altLang="en-US" sz="3200" kern="0" smtClean="0">
-                <a:solidFill>
-                  <a:schemeClr val="tx1">
-                    <a:lumMod val="75000"/>
-                    <a:lumOff val="25000"/>
-                  </a:schemeClr>
-                </a:solidFill>
-                <a:latin typeface="微软雅黑" panose="020B0503020204020204" pitchFamily="34" charset="-122"/>
-                <a:ea typeface="微软雅黑" panose="020B0503020204020204" pitchFamily="34" charset="-122"/>
-                <a:cs typeface="Courier New" pitchFamily="49" charset="0"/>
-              </a:rPr>
-              <a:t>基</a:t>
-            </a:r>
-            <a:r>
-              <a:rPr lang="zh-CN" altLang="en-US" sz="3200" kern="0">
-                <a:solidFill>
-                  <a:schemeClr val="tx1">
-                    <a:lumMod val="75000"/>
-                    <a:lumOff val="25000"/>
-                  </a:schemeClr>
-                </a:solidFill>
-                <a:latin typeface="微软雅黑" panose="020B0503020204020204" pitchFamily="34" charset="-122"/>
-                <a:ea typeface="微软雅黑" panose="020B0503020204020204" pitchFamily="34" charset="-122"/>
-                <a:cs typeface="Courier New" pitchFamily="49" charset="0"/>
-              </a:rPr>
-              <a:t>类函数必须有</a:t>
-            </a:r>
-            <a:r>
-              <a:rPr lang="en-US" altLang="zh-CN" sz="3200" kern="0">
-                <a:solidFill>
-                  <a:schemeClr val="tx1">
-                    <a:lumMod val="75000"/>
-                    <a:lumOff val="25000"/>
-                  </a:schemeClr>
-                </a:solidFill>
-                <a:latin typeface="微软雅黑" panose="020B0503020204020204" pitchFamily="34" charset="-122"/>
-                <a:ea typeface="微软雅黑" panose="020B0503020204020204" pitchFamily="34" charset="-122"/>
-                <a:cs typeface="Courier New" pitchFamily="49" charset="0"/>
-              </a:rPr>
-              <a:t>virtual</a:t>
-            </a:r>
-            <a:r>
-              <a:rPr lang="zh-CN" altLang="en-US" sz="3200" kern="0">
-                <a:solidFill>
-                  <a:schemeClr val="tx1">
-                    <a:lumMod val="75000"/>
-                    <a:lumOff val="25000"/>
-                  </a:schemeClr>
-                </a:solidFill>
-                <a:latin typeface="微软雅黑" panose="020B0503020204020204" pitchFamily="34" charset="-122"/>
-                <a:ea typeface="微软雅黑" panose="020B0503020204020204" pitchFamily="34" charset="-122"/>
-                <a:cs typeface="Courier New" pitchFamily="49" charset="0"/>
-              </a:rPr>
-              <a:t>关键字。</a:t>
-            </a:r>
-          </a:p>
-          <a:p>
-            <a:pPr marL="540000" lvl="1" indent="514350" eaLnBrk="0" hangingPunct="0">
-              <a:spcBef>
-                <a:spcPts val="1200"/>
-              </a:spcBef>
-              <a:buClr>
-                <a:schemeClr val="accent1">
-                  <a:lumMod val="50000"/>
-                </a:schemeClr>
-              </a:buClr>
-              <a:buFont typeface="+mj-lt"/>
-              <a:buAutoNum type="arabicPeriod"/>
-              <a:defRPr/>
-            </a:pPr>
-            <a:r>
-              <a:rPr lang="zh-CN" altLang="en-US" sz="3200" kern="0" smtClean="0">
-                <a:solidFill>
-                  <a:schemeClr val="tx1">
-                    <a:lumMod val="75000"/>
-                    <a:lumOff val="25000"/>
-                  </a:schemeClr>
-                </a:solidFill>
-                <a:latin typeface="微软雅黑" panose="020B0503020204020204" pitchFamily="34" charset="-122"/>
-                <a:ea typeface="微软雅黑" panose="020B0503020204020204" pitchFamily="34" charset="-122"/>
-                <a:cs typeface="Courier New" pitchFamily="49" charset="0"/>
-              </a:rPr>
-              <a:t>基</a:t>
-            </a:r>
-            <a:r>
-              <a:rPr lang="zh-CN" altLang="en-US" sz="3200" kern="0">
-                <a:solidFill>
-                  <a:schemeClr val="tx1">
-                    <a:lumMod val="75000"/>
-                    <a:lumOff val="25000"/>
-                  </a:schemeClr>
-                </a:solidFill>
-                <a:latin typeface="微软雅黑" panose="020B0503020204020204" pitchFamily="34" charset="-122"/>
-                <a:ea typeface="微软雅黑" panose="020B0503020204020204" pitchFamily="34" charset="-122"/>
-                <a:cs typeface="Courier New" pitchFamily="49" charset="0"/>
-              </a:rPr>
-              <a:t>类和派生类同名函数的原型</a:t>
-            </a:r>
-            <a:r>
-              <a:rPr lang="zh-CN" altLang="en-US" sz="3200" kern="0">
-                <a:solidFill>
-                  <a:srgbClr val="C00000"/>
-                </a:solidFill>
-                <a:latin typeface="微软雅黑" panose="020B0503020204020204" pitchFamily="34" charset="-122"/>
-                <a:ea typeface="微软雅黑" panose="020B0503020204020204" pitchFamily="34" charset="-122"/>
-                <a:cs typeface="Courier New" pitchFamily="49" charset="0"/>
-              </a:rPr>
-              <a:t>完全相同（返回值、函数名、参数表、</a:t>
-            </a:r>
-            <a:r>
-              <a:rPr lang="en-US" altLang="zh-CN" sz="3200" kern="0">
-                <a:solidFill>
-                  <a:srgbClr val="C00000"/>
-                </a:solidFill>
-                <a:latin typeface="微软雅黑" panose="020B0503020204020204" pitchFamily="34" charset="-122"/>
-                <a:ea typeface="微软雅黑" panose="020B0503020204020204" pitchFamily="34" charset="-122"/>
-                <a:cs typeface="Courier New" pitchFamily="49" charset="0"/>
-              </a:rPr>
-              <a:t>const</a:t>
-            </a:r>
-            <a:r>
-              <a:rPr lang="zh-CN" altLang="en-US" sz="3200" kern="0">
-                <a:solidFill>
-                  <a:srgbClr val="C00000"/>
-                </a:solidFill>
-                <a:latin typeface="微软雅黑" panose="020B0503020204020204" pitchFamily="34" charset="-122"/>
-                <a:ea typeface="微软雅黑" panose="020B0503020204020204" pitchFamily="34" charset="-122"/>
-                <a:cs typeface="Courier New" pitchFamily="49" charset="0"/>
-              </a:rPr>
-              <a:t>）</a:t>
-            </a:r>
-            <a:r>
-              <a:rPr lang="zh-CN" altLang="en-US" sz="3200" kern="0">
-                <a:solidFill>
-                  <a:schemeClr val="tx1">
-                    <a:lumMod val="75000"/>
-                    <a:lumOff val="25000"/>
-                  </a:schemeClr>
-                </a:solidFill>
-                <a:latin typeface="微软雅黑" panose="020B0503020204020204" pitchFamily="34" charset="-122"/>
-                <a:ea typeface="微软雅黑" panose="020B0503020204020204" pitchFamily="34" charset="-122"/>
-                <a:cs typeface="Courier New" pitchFamily="49" charset="0"/>
-              </a:rPr>
-              <a:t>。</a:t>
-            </a:r>
-          </a:p>
-        </p:txBody>
-      </p:sp>
-    </p:spTree>
-    <p:extLst>
-      <p:ext uri="{BB962C8B-B14F-4D97-AF65-F5344CB8AC3E}">
-        <p14:creationId xmlns:p14="http://schemas.microsoft.com/office/powerpoint/2010/main" val="31847269"/>
-      </p:ext>
-    </p:extLst>
-  </p:cSld>
-  <p:clrMapOvr>
-    <a:masterClrMapping/>
-  </p:clrMapOvr>
-  <p:timing>
-    <p:tnLst>
-      <p:par>
-        <p:cTn id="1" dur="indefinite" restart="never" nodeType="tmRoot"/>
-      </p:par>
-    </p:tnLst>
-  </p:timing>
-</p:sld>
-</file>
-
-<file path=ppt/slides/slide31.xml><?xml version="1.0" encoding="utf-8"?>
 <p:sld xmlns:a="http://schemas.openxmlformats.org/drawingml/2006/main" xmlns:r="http://schemas.openxmlformats.org/officeDocument/2006/relationships" xmlns:p="http://schemas.openxmlformats.org/presentationml/2006/main">
   <p:cSld>
     <p:spTree>
@@ -30132,7 +29285,7 @@
 </p:sld>
 </file>
 
-<file path=ppt/slides/slide32.xml><?xml version="1.0" encoding="utf-8"?>
+<file path=ppt/slides/slide31.xml><?xml version="1.0" encoding="utf-8"?>
 <p:sld xmlns:a="http://schemas.openxmlformats.org/drawingml/2006/main" xmlns:r="http://schemas.openxmlformats.org/officeDocument/2006/relationships" xmlns:p="http://schemas.openxmlformats.org/presentationml/2006/main">
   <p:cSld>
     <p:spTree>
@@ -30315,7 +29468,7 @@
                 <a:gridCol w="1701185">
                   <a:extLst>
                     <a:ext uri="{9D8B030D-6E8A-4147-A177-3AD203B41FA5}">
-                      <a16:colId xmlns:a16="http://schemas.microsoft.com/office/drawing/2014/main" xmlns="" val="3007716215"/>
+                      <a16:colId xmlns:a16="http://schemas.microsoft.com/office/drawing/2014/main" val="3007716215"/>
                     </a:ext>
                   </a:extLst>
                 </a:gridCol>
@@ -30407,7 +29560,7 @@
                 </a:tc>
                 <a:extLst>
                   <a:ext uri="{0D108BD9-81ED-4DB2-BD59-A6C34878D82A}">
-                    <a16:rowId xmlns:a16="http://schemas.microsoft.com/office/drawing/2014/main" xmlns="" val="2664484274"/>
+                    <a16:rowId xmlns:a16="http://schemas.microsoft.com/office/drawing/2014/main" val="2664484274"/>
                   </a:ext>
                 </a:extLst>
               </a:tr>
@@ -30498,7 +29651,7 @@
                 </a:tc>
                 <a:extLst>
                   <a:ext uri="{0D108BD9-81ED-4DB2-BD59-A6C34878D82A}">
-                    <a16:rowId xmlns:a16="http://schemas.microsoft.com/office/drawing/2014/main" xmlns="" val="3539314274"/>
+                    <a16:rowId xmlns:a16="http://schemas.microsoft.com/office/drawing/2014/main" val="3539314274"/>
                   </a:ext>
                 </a:extLst>
               </a:tr>
@@ -30589,7 +29742,7 @@
                 </a:tc>
                 <a:extLst>
                   <a:ext uri="{0D108BD9-81ED-4DB2-BD59-A6C34878D82A}">
-                    <a16:rowId xmlns:a16="http://schemas.microsoft.com/office/drawing/2014/main" xmlns="" val="864525316"/>
+                    <a16:rowId xmlns:a16="http://schemas.microsoft.com/office/drawing/2014/main" val="864525316"/>
                   </a:ext>
                 </a:extLst>
               </a:tr>
@@ -30632,7 +29785,7 @@
                 <a:gridCol w="3403600">
                   <a:extLst>
                     <a:ext uri="{9D8B030D-6E8A-4147-A177-3AD203B41FA5}">
-                      <a16:colId xmlns:a16="http://schemas.microsoft.com/office/drawing/2014/main" xmlns="" val="3007716215"/>
+                      <a16:colId xmlns:a16="http://schemas.microsoft.com/office/drawing/2014/main" val="3007716215"/>
                     </a:ext>
                   </a:extLst>
                 </a:gridCol>
@@ -30726,7 +29879,7 @@
                 </a:tc>
                 <a:extLst>
                   <a:ext uri="{0D108BD9-81ED-4DB2-BD59-A6C34878D82A}">
-                    <a16:rowId xmlns:a16="http://schemas.microsoft.com/office/drawing/2014/main" xmlns="" val="2664484274"/>
+                    <a16:rowId xmlns:a16="http://schemas.microsoft.com/office/drawing/2014/main" val="2664484274"/>
                   </a:ext>
                 </a:extLst>
               </a:tr>
@@ -30819,7 +29972,7 @@
                 </a:tc>
                 <a:extLst>
                   <a:ext uri="{0D108BD9-81ED-4DB2-BD59-A6C34878D82A}">
-                    <a16:rowId xmlns:a16="http://schemas.microsoft.com/office/drawing/2014/main" xmlns="" val="3539314274"/>
+                    <a16:rowId xmlns:a16="http://schemas.microsoft.com/office/drawing/2014/main" val="3539314274"/>
                   </a:ext>
                 </a:extLst>
               </a:tr>
@@ -30912,7 +30065,7 @@
                 </a:tc>
                 <a:extLst>
                   <a:ext uri="{0D108BD9-81ED-4DB2-BD59-A6C34878D82A}">
-                    <a16:rowId xmlns:a16="http://schemas.microsoft.com/office/drawing/2014/main" xmlns="" val="864525316"/>
+                    <a16:rowId xmlns:a16="http://schemas.microsoft.com/office/drawing/2014/main" val="864525316"/>
                   </a:ext>
                 </a:extLst>
               </a:tr>
@@ -30955,7 +30108,7 @@
                 <a:gridCol w="3860800">
                   <a:extLst>
                     <a:ext uri="{9D8B030D-6E8A-4147-A177-3AD203B41FA5}">
-                      <a16:colId xmlns:a16="http://schemas.microsoft.com/office/drawing/2014/main" xmlns="" val="3007716215"/>
+                      <a16:colId xmlns:a16="http://schemas.microsoft.com/office/drawing/2014/main" val="3007716215"/>
                     </a:ext>
                   </a:extLst>
                 </a:gridCol>
@@ -31049,7 +30202,7 @@
                 </a:tc>
                 <a:extLst>
                   <a:ext uri="{0D108BD9-81ED-4DB2-BD59-A6C34878D82A}">
-                    <a16:rowId xmlns:a16="http://schemas.microsoft.com/office/drawing/2014/main" xmlns="" val="2664484274"/>
+                    <a16:rowId xmlns:a16="http://schemas.microsoft.com/office/drawing/2014/main" val="2664484274"/>
                   </a:ext>
                 </a:extLst>
               </a:tr>
@@ -31142,7 +30295,7 @@
                 </a:tc>
                 <a:extLst>
                   <a:ext uri="{0D108BD9-81ED-4DB2-BD59-A6C34878D82A}">
-                    <a16:rowId xmlns:a16="http://schemas.microsoft.com/office/drawing/2014/main" xmlns="" val="3539314274"/>
+                    <a16:rowId xmlns:a16="http://schemas.microsoft.com/office/drawing/2014/main" val="3539314274"/>
                   </a:ext>
                 </a:extLst>
               </a:tr>
@@ -31235,7 +30388,7 @@
                 </a:tc>
                 <a:extLst>
                   <a:ext uri="{0D108BD9-81ED-4DB2-BD59-A6C34878D82A}">
-                    <a16:rowId xmlns:a16="http://schemas.microsoft.com/office/drawing/2014/main" xmlns="" val="864525316"/>
+                    <a16:rowId xmlns:a16="http://schemas.microsoft.com/office/drawing/2014/main" val="864525316"/>
                   </a:ext>
                 </a:extLst>
               </a:tr>
@@ -31553,7 +30706,7 @@
 </p:sld>
 </file>
 
-<file path=ppt/slides/slide33.xml><?xml version="1.0" encoding="utf-8"?>
+<file path=ppt/slides/slide32.xml><?xml version="1.0" encoding="utf-8"?>
 <p:sld xmlns:a="http://schemas.openxmlformats.org/drawingml/2006/main" xmlns:r="http://schemas.openxmlformats.org/officeDocument/2006/relationships" xmlns:p="http://schemas.openxmlformats.org/presentationml/2006/main">
   <p:cSld>
     <p:spTree>
@@ -31736,7 +30889,7 @@
                 <a:gridCol w="1485900">
                   <a:extLst>
                     <a:ext uri="{9D8B030D-6E8A-4147-A177-3AD203B41FA5}">
-                      <a16:colId xmlns:a16="http://schemas.microsoft.com/office/drawing/2014/main" xmlns="" val="3007716215"/>
+                      <a16:colId xmlns:a16="http://schemas.microsoft.com/office/drawing/2014/main" val="3007716215"/>
                     </a:ext>
                   </a:extLst>
                 </a:gridCol>
@@ -31828,7 +30981,7 @@
                 </a:tc>
                 <a:extLst>
                   <a:ext uri="{0D108BD9-81ED-4DB2-BD59-A6C34878D82A}">
-                    <a16:rowId xmlns:a16="http://schemas.microsoft.com/office/drawing/2014/main" xmlns="" val="2664484274"/>
+                    <a16:rowId xmlns:a16="http://schemas.microsoft.com/office/drawing/2014/main" val="2664484274"/>
                   </a:ext>
                 </a:extLst>
               </a:tr>
@@ -31919,7 +31072,7 @@
                 </a:tc>
                 <a:extLst>
                   <a:ext uri="{0D108BD9-81ED-4DB2-BD59-A6C34878D82A}">
-                    <a16:rowId xmlns:a16="http://schemas.microsoft.com/office/drawing/2014/main" xmlns="" val="3539314274"/>
+                    <a16:rowId xmlns:a16="http://schemas.microsoft.com/office/drawing/2014/main" val="3539314274"/>
                   </a:ext>
                 </a:extLst>
               </a:tr>
@@ -32010,7 +31163,7 @@
                 </a:tc>
                 <a:extLst>
                   <a:ext uri="{0D108BD9-81ED-4DB2-BD59-A6C34878D82A}">
-                    <a16:rowId xmlns:a16="http://schemas.microsoft.com/office/drawing/2014/main" xmlns="" val="864525316"/>
+                    <a16:rowId xmlns:a16="http://schemas.microsoft.com/office/drawing/2014/main" val="864525316"/>
                   </a:ext>
                 </a:extLst>
               </a:tr>
@@ -32053,7 +31206,7 @@
                 <a:gridCol w="3403600">
                   <a:extLst>
                     <a:ext uri="{9D8B030D-6E8A-4147-A177-3AD203B41FA5}">
-                      <a16:colId xmlns:a16="http://schemas.microsoft.com/office/drawing/2014/main" xmlns="" val="3007716215"/>
+                      <a16:colId xmlns:a16="http://schemas.microsoft.com/office/drawing/2014/main" val="3007716215"/>
                     </a:ext>
                   </a:extLst>
                 </a:gridCol>
@@ -32147,7 +31300,7 @@
                 </a:tc>
                 <a:extLst>
                   <a:ext uri="{0D108BD9-81ED-4DB2-BD59-A6C34878D82A}">
-                    <a16:rowId xmlns:a16="http://schemas.microsoft.com/office/drawing/2014/main" xmlns="" val="2664484274"/>
+                    <a16:rowId xmlns:a16="http://schemas.microsoft.com/office/drawing/2014/main" val="2664484274"/>
                   </a:ext>
                 </a:extLst>
               </a:tr>
@@ -32240,7 +31393,7 @@
                 </a:tc>
                 <a:extLst>
                   <a:ext uri="{0D108BD9-81ED-4DB2-BD59-A6C34878D82A}">
-                    <a16:rowId xmlns:a16="http://schemas.microsoft.com/office/drawing/2014/main" xmlns="" val="3539314274"/>
+                    <a16:rowId xmlns:a16="http://schemas.microsoft.com/office/drawing/2014/main" val="3539314274"/>
                   </a:ext>
                 </a:extLst>
               </a:tr>
@@ -32333,7 +31486,7 @@
                 </a:tc>
                 <a:extLst>
                   <a:ext uri="{0D108BD9-81ED-4DB2-BD59-A6C34878D82A}">
-                    <a16:rowId xmlns:a16="http://schemas.microsoft.com/office/drawing/2014/main" xmlns="" val="864525316"/>
+                    <a16:rowId xmlns:a16="http://schemas.microsoft.com/office/drawing/2014/main" val="864525316"/>
                   </a:ext>
                 </a:extLst>
               </a:tr>
@@ -32376,7 +31529,7 @@
                 <a:gridCol w="4546600">
                   <a:extLst>
                     <a:ext uri="{9D8B030D-6E8A-4147-A177-3AD203B41FA5}">
-                      <a16:colId xmlns:a16="http://schemas.microsoft.com/office/drawing/2014/main" xmlns="" val="3007716215"/>
+                      <a16:colId xmlns:a16="http://schemas.microsoft.com/office/drawing/2014/main" val="3007716215"/>
                     </a:ext>
                   </a:extLst>
                 </a:gridCol>
@@ -32470,7 +31623,7 @@
                 </a:tc>
                 <a:extLst>
                   <a:ext uri="{0D108BD9-81ED-4DB2-BD59-A6C34878D82A}">
-                    <a16:rowId xmlns:a16="http://schemas.microsoft.com/office/drawing/2014/main" xmlns="" val="2664484274"/>
+                    <a16:rowId xmlns:a16="http://schemas.microsoft.com/office/drawing/2014/main" val="2664484274"/>
                   </a:ext>
                 </a:extLst>
               </a:tr>
@@ -32571,7 +31724,7 @@
                 </a:tc>
                 <a:extLst>
                   <a:ext uri="{0D108BD9-81ED-4DB2-BD59-A6C34878D82A}">
-                    <a16:rowId xmlns:a16="http://schemas.microsoft.com/office/drawing/2014/main" xmlns="" val="3539314274"/>
+                    <a16:rowId xmlns:a16="http://schemas.microsoft.com/office/drawing/2014/main" val="3539314274"/>
                   </a:ext>
                 </a:extLst>
               </a:tr>
@@ -32664,7 +31817,7 @@
                 </a:tc>
                 <a:extLst>
                   <a:ext uri="{0D108BD9-81ED-4DB2-BD59-A6C34878D82A}">
-                    <a16:rowId xmlns:a16="http://schemas.microsoft.com/office/drawing/2014/main" xmlns="" val="864525316"/>
+                    <a16:rowId xmlns:a16="http://schemas.microsoft.com/office/drawing/2014/main" val="864525316"/>
                   </a:ext>
                 </a:extLst>
               </a:tr>
@@ -33295,7 +32448,7 @@
 </p:sld>
 </file>
 
-<file path=ppt/slides/slide34.xml><?xml version="1.0" encoding="utf-8"?>
+<file path=ppt/slides/slide33.xml><?xml version="1.0" encoding="utf-8"?>
 <p:sld xmlns:a="http://schemas.openxmlformats.org/drawingml/2006/main" xmlns:r="http://schemas.openxmlformats.org/officeDocument/2006/relationships" xmlns:p="http://schemas.openxmlformats.org/presentationml/2006/main">
   <p:cSld>
     <p:spTree>
@@ -33698,6 +32851,413 @@
 </p:sld>
 </file>
 
+<file path=ppt/slides/slide34.xml><?xml version="1.0" encoding="utf-8"?>
+<p:sld xmlns:a="http://schemas.openxmlformats.org/drawingml/2006/main" xmlns:r="http://schemas.openxmlformats.org/officeDocument/2006/relationships" xmlns:p="http://schemas.openxmlformats.org/presentationml/2006/main">
+  <p:cSld>
+    <p:spTree>
+      <p:nvGrpSpPr>
+        <p:cNvPr id="1" name=""/>
+        <p:cNvGrpSpPr/>
+        <p:nvPr/>
+      </p:nvGrpSpPr>
+      <p:grpSpPr>
+        <a:xfrm>
+          <a:off x="0" y="0"/>
+          <a:ext cx="0" cy="0"/>
+          <a:chOff x="0" y="0"/>
+          <a:chExt cx="0" cy="0"/>
+        </a:xfrm>
+      </p:grpSpPr>
+      <p:sp>
+        <p:nvSpPr>
+          <p:cNvPr id="3" name="标题 2"/>
+          <p:cNvSpPr>
+            <a:spLocks noGrp="1"/>
+          </p:cNvSpPr>
+          <p:nvPr>
+            <p:ph type="title"/>
+          </p:nvPr>
+        </p:nvSpPr>
+        <p:spPr/>
+        <p:txBody>
+          <a:bodyPr>
+            <a:normAutofit fontScale="90000"/>
+          </a:bodyPr>
+          <a:lstStyle/>
+          <a:p>
+            <a:r>
+              <a:rPr lang="zh-CN" altLang="en-US" smtClean="0"/>
+              <a:t>隐藏</a:t>
+            </a:r>
+            <a:r>
+              <a:rPr lang="zh-CN" altLang="en-US"/>
+              <a:t>、覆盖、重载</a:t>
+            </a:r>
+          </a:p>
+        </p:txBody>
+      </p:sp>
+      <p:sp>
+        <p:nvSpPr>
+          <p:cNvPr id="8" name="Rectangle 3"/>
+          <p:cNvSpPr txBox="1">
+            <a:spLocks noChangeArrowheads="1"/>
+          </p:cNvSpPr>
+          <p:nvPr/>
+        </p:nvSpPr>
+        <p:spPr>
+          <a:xfrm>
+            <a:off x="702982" y="990829"/>
+            <a:ext cx="10955618" cy="5475285"/>
+          </a:xfrm>
+          <a:prstGeom prst="rect">
+            <a:avLst/>
+          </a:prstGeom>
+        </p:spPr>
+        <p:txBody>
+          <a:bodyPr/>
+          <a:lstStyle/>
+          <a:p>
+            <a:pPr marL="566737" indent="-457200" eaLnBrk="0" hangingPunct="0">
+              <a:lnSpc>
+                <a:spcPct val="110000"/>
+              </a:lnSpc>
+              <a:spcBef>
+                <a:spcPct val="10000"/>
+              </a:spcBef>
+              <a:buClr>
+                <a:schemeClr val="accent1">
+                  <a:lumMod val="50000"/>
+                </a:schemeClr>
+              </a:buClr>
+              <a:buFont typeface="Wingdings" panose="05000000000000000000" pitchFamily="2" charset="2"/>
+              <a:buChar char="v"/>
+              <a:defRPr/>
+            </a:pPr>
+            <a:r>
+              <a:rPr lang="zh-CN" altLang="en-US" sz="3200" kern="0">
+                <a:solidFill>
+                  <a:schemeClr val="tx1">
+                    <a:lumMod val="75000"/>
+                    <a:lumOff val="25000"/>
+                  </a:schemeClr>
+                </a:solidFill>
+                <a:latin typeface="微软雅黑" panose="020B0503020204020204" pitchFamily="34" charset="-122"/>
+                <a:ea typeface="微软雅黑" panose="020B0503020204020204" pitchFamily="34" charset="-122"/>
+                <a:cs typeface="Courier New" pitchFamily="49" charset="0"/>
+              </a:rPr>
+              <a:t>函数的</a:t>
+            </a:r>
+            <a:r>
+              <a:rPr lang="zh-CN" altLang="en-US" sz="3200" kern="0" smtClean="0">
+                <a:solidFill>
+                  <a:srgbClr val="C00000"/>
+                </a:solidFill>
+                <a:latin typeface="微软雅黑" panose="020B0503020204020204" pitchFamily="34" charset="-122"/>
+                <a:ea typeface="微软雅黑" panose="020B0503020204020204" pitchFamily="34" charset="-122"/>
+                <a:cs typeface="Courier New" pitchFamily="49" charset="0"/>
+              </a:rPr>
+              <a:t>重载</a:t>
+            </a:r>
+            <a:endParaRPr lang="zh-CN" altLang="en-US" sz="3200" kern="0">
+              <a:solidFill>
+                <a:srgbClr val="C00000"/>
+              </a:solidFill>
+              <a:latin typeface="微软雅黑" panose="020B0503020204020204" pitchFamily="34" charset="-122"/>
+              <a:ea typeface="微软雅黑" panose="020B0503020204020204" pitchFamily="34" charset="-122"/>
+              <a:cs typeface="Courier New" pitchFamily="49" charset="0"/>
+            </a:endParaRPr>
+          </a:p>
+          <a:p>
+            <a:pPr marL="109537" eaLnBrk="0" hangingPunct="0">
+              <a:lnSpc>
+                <a:spcPct val="110000"/>
+              </a:lnSpc>
+              <a:spcBef>
+                <a:spcPct val="10000"/>
+              </a:spcBef>
+              <a:buClr>
+                <a:schemeClr val="accent1">
+                  <a:lumMod val="50000"/>
+                </a:schemeClr>
+              </a:buClr>
+              <a:defRPr/>
+            </a:pPr>
+            <a:r>
+              <a:rPr lang="zh-CN" altLang="en-US" sz="3200" kern="0" smtClean="0">
+                <a:solidFill>
+                  <a:schemeClr val="tx1">
+                    <a:lumMod val="75000"/>
+                    <a:lumOff val="25000"/>
+                  </a:schemeClr>
+                </a:solidFill>
+                <a:latin typeface="微软雅黑" panose="020B0503020204020204" pitchFamily="34" charset="-122"/>
+                <a:ea typeface="微软雅黑" panose="020B0503020204020204" pitchFamily="34" charset="-122"/>
+                <a:cs typeface="Courier New" pitchFamily="49" charset="0"/>
+              </a:rPr>
+              <a:t>    重载</a:t>
+            </a:r>
+            <a:r>
+              <a:rPr lang="zh-CN" altLang="en-US" sz="3200" kern="0">
+                <a:solidFill>
+                  <a:schemeClr val="tx1">
+                    <a:lumMod val="75000"/>
+                    <a:lumOff val="25000"/>
+                  </a:schemeClr>
+                </a:solidFill>
+                <a:latin typeface="微软雅黑" panose="020B0503020204020204" pitchFamily="34" charset="-122"/>
+                <a:ea typeface="微软雅黑" panose="020B0503020204020204" pitchFamily="34" charset="-122"/>
+                <a:cs typeface="Courier New" pitchFamily="49" charset="0"/>
+              </a:rPr>
+              <a:t>规则：</a:t>
+            </a:r>
+          </a:p>
+          <a:p>
+            <a:pPr marL="540000" lvl="1" indent="514350" eaLnBrk="0" hangingPunct="0">
+              <a:spcBef>
+                <a:spcPts val="1200"/>
+              </a:spcBef>
+              <a:buClr>
+                <a:schemeClr val="accent1">
+                  <a:lumMod val="50000"/>
+                </a:schemeClr>
+              </a:buClr>
+              <a:buFont typeface="+mj-lt"/>
+              <a:buAutoNum type="arabicPeriod"/>
+              <a:defRPr/>
+            </a:pPr>
+            <a:r>
+              <a:rPr lang="zh-CN" altLang="en-US" sz="3200" kern="0">
+                <a:solidFill>
+                  <a:schemeClr val="tx1">
+                    <a:lumMod val="75000"/>
+                    <a:lumOff val="25000"/>
+                  </a:schemeClr>
+                </a:solidFill>
+                <a:latin typeface="微软雅黑" panose="020B0503020204020204" pitchFamily="34" charset="-122"/>
+                <a:ea typeface="微软雅黑" panose="020B0503020204020204" pitchFamily="34" charset="-122"/>
+                <a:cs typeface="Courier New" pitchFamily="49" charset="0"/>
+              </a:rPr>
+              <a:t>相同的作用域（</a:t>
+            </a:r>
+            <a:r>
+              <a:rPr lang="zh-CN" altLang="en-US" sz="3200" kern="0">
+                <a:solidFill>
+                  <a:srgbClr val="C00000"/>
+                </a:solidFill>
+                <a:latin typeface="微软雅黑" panose="020B0503020204020204" pitchFamily="34" charset="-122"/>
+                <a:ea typeface="微软雅黑" panose="020B0503020204020204" pitchFamily="34" charset="-122"/>
+                <a:cs typeface="Courier New" pitchFamily="49" charset="0"/>
+              </a:rPr>
+              <a:t>不同类的同名函数不是重载</a:t>
+            </a:r>
+            <a:r>
+              <a:rPr lang="en-US" altLang="zh-CN" sz="3200" kern="0">
+                <a:solidFill>
+                  <a:schemeClr val="tx1">
+                    <a:lumMod val="75000"/>
+                    <a:lumOff val="25000"/>
+                  </a:schemeClr>
+                </a:solidFill>
+                <a:latin typeface="微软雅黑" panose="020B0503020204020204" pitchFamily="34" charset="-122"/>
+                <a:ea typeface="微软雅黑" panose="020B0503020204020204" pitchFamily="34" charset="-122"/>
+                <a:cs typeface="Courier New" pitchFamily="49" charset="0"/>
+              </a:rPr>
+              <a:t>)</a:t>
+            </a:r>
+            <a:r>
+              <a:rPr lang="zh-CN" altLang="en-US" sz="3200" kern="0">
+                <a:solidFill>
+                  <a:schemeClr val="tx1">
+                    <a:lumMod val="75000"/>
+                    <a:lumOff val="25000"/>
+                  </a:schemeClr>
+                </a:solidFill>
+                <a:latin typeface="微软雅黑" panose="020B0503020204020204" pitchFamily="34" charset="-122"/>
+                <a:ea typeface="微软雅黑" panose="020B0503020204020204" pitchFamily="34" charset="-122"/>
+                <a:cs typeface="Courier New" pitchFamily="49" charset="0"/>
+              </a:rPr>
+              <a:t>。</a:t>
+            </a:r>
+          </a:p>
+          <a:p>
+            <a:pPr marL="540000" lvl="1" indent="514350" eaLnBrk="0" hangingPunct="0">
+              <a:spcBef>
+                <a:spcPts val="1200"/>
+              </a:spcBef>
+              <a:buClr>
+                <a:schemeClr val="accent1">
+                  <a:lumMod val="50000"/>
+                </a:schemeClr>
+              </a:buClr>
+              <a:buFont typeface="+mj-lt"/>
+              <a:buAutoNum type="arabicPeriod"/>
+              <a:defRPr/>
+            </a:pPr>
+            <a:r>
+              <a:rPr lang="zh-CN" altLang="en-US" sz="3200" kern="0" smtClean="0">
+                <a:solidFill>
+                  <a:schemeClr val="tx1">
+                    <a:lumMod val="75000"/>
+                    <a:lumOff val="25000"/>
+                  </a:schemeClr>
+                </a:solidFill>
+                <a:latin typeface="微软雅黑" panose="020B0503020204020204" pitchFamily="34" charset="-122"/>
+                <a:ea typeface="微软雅黑" panose="020B0503020204020204" pitchFamily="34" charset="-122"/>
+                <a:cs typeface="Courier New" pitchFamily="49" charset="0"/>
+              </a:rPr>
+              <a:t>函数</a:t>
+            </a:r>
+            <a:r>
+              <a:rPr lang="zh-CN" altLang="en-US" sz="3200" kern="0">
+                <a:solidFill>
+                  <a:schemeClr val="tx1">
+                    <a:lumMod val="75000"/>
+                    <a:lumOff val="25000"/>
+                  </a:schemeClr>
+                </a:solidFill>
+                <a:latin typeface="微软雅黑" panose="020B0503020204020204" pitchFamily="34" charset="-122"/>
+                <a:ea typeface="微软雅黑" panose="020B0503020204020204" pitchFamily="34" charset="-122"/>
+                <a:cs typeface="Courier New" pitchFamily="49" charset="0"/>
+              </a:rPr>
+              <a:t>名相同。</a:t>
+            </a:r>
+          </a:p>
+          <a:p>
+            <a:pPr marL="540000" lvl="1" indent="514350" eaLnBrk="0" hangingPunct="0">
+              <a:spcBef>
+                <a:spcPts val="1200"/>
+              </a:spcBef>
+              <a:buClr>
+                <a:schemeClr val="accent1">
+                  <a:lumMod val="50000"/>
+                </a:schemeClr>
+              </a:buClr>
+              <a:buFont typeface="+mj-lt"/>
+              <a:buAutoNum type="arabicPeriod"/>
+              <a:defRPr/>
+            </a:pPr>
+            <a:r>
+              <a:rPr lang="zh-CN" altLang="en-US" sz="3200" kern="0" smtClean="0">
+                <a:solidFill>
+                  <a:schemeClr val="tx1">
+                    <a:lumMod val="75000"/>
+                    <a:lumOff val="25000"/>
+                  </a:schemeClr>
+                </a:solidFill>
+                <a:latin typeface="微软雅黑" panose="020B0503020204020204" pitchFamily="34" charset="-122"/>
+                <a:ea typeface="微软雅黑" panose="020B0503020204020204" pitchFamily="34" charset="-122"/>
+                <a:cs typeface="Courier New" pitchFamily="49" charset="0"/>
+              </a:rPr>
+              <a:t>参数</a:t>
+            </a:r>
+            <a:r>
+              <a:rPr lang="zh-CN" altLang="en-US" sz="3200" kern="0">
+                <a:solidFill>
+                  <a:schemeClr val="tx1">
+                    <a:lumMod val="75000"/>
+                    <a:lumOff val="25000"/>
+                  </a:schemeClr>
+                </a:solidFill>
+                <a:latin typeface="微软雅黑" panose="020B0503020204020204" pitchFamily="34" charset="-122"/>
+                <a:ea typeface="微软雅黑" panose="020B0503020204020204" pitchFamily="34" charset="-122"/>
+                <a:cs typeface="Courier New" pitchFamily="49" charset="0"/>
+              </a:rPr>
+              <a:t>个数、类型、顺序、</a:t>
+            </a:r>
+            <a:r>
+              <a:rPr lang="en-US" altLang="zh-CN" sz="3200" kern="0">
+                <a:solidFill>
+                  <a:schemeClr val="tx1">
+                    <a:lumMod val="75000"/>
+                    <a:lumOff val="25000"/>
+                  </a:schemeClr>
+                </a:solidFill>
+                <a:latin typeface="微软雅黑" panose="020B0503020204020204" pitchFamily="34" charset="-122"/>
+                <a:ea typeface="微软雅黑" panose="020B0503020204020204" pitchFamily="34" charset="-122"/>
+                <a:cs typeface="Courier New" pitchFamily="49" charset="0"/>
+              </a:rPr>
+              <a:t>const</a:t>
+            </a:r>
+            <a:r>
+              <a:rPr lang="zh-CN" altLang="en-US" sz="3200" kern="0">
+                <a:solidFill>
+                  <a:schemeClr val="tx1">
+                    <a:lumMod val="75000"/>
+                    <a:lumOff val="25000"/>
+                  </a:schemeClr>
+                </a:solidFill>
+                <a:latin typeface="微软雅黑" panose="020B0503020204020204" pitchFamily="34" charset="-122"/>
+                <a:ea typeface="微软雅黑" panose="020B0503020204020204" pitchFamily="34" charset="-122"/>
+                <a:cs typeface="Courier New" pitchFamily="49" charset="0"/>
+              </a:rPr>
+              <a:t>限定的指针或引用、是否为常成员函数。</a:t>
+            </a:r>
+          </a:p>
+          <a:p>
+            <a:pPr marL="540000" lvl="1" indent="514350" eaLnBrk="0" hangingPunct="0">
+              <a:spcBef>
+                <a:spcPts val="1200"/>
+              </a:spcBef>
+              <a:buClr>
+                <a:schemeClr val="accent1">
+                  <a:lumMod val="50000"/>
+                </a:schemeClr>
+              </a:buClr>
+              <a:buFont typeface="+mj-lt"/>
+              <a:buAutoNum type="arabicPeriod"/>
+              <a:defRPr/>
+            </a:pPr>
+            <a:r>
+              <a:rPr lang="en-US" altLang="zh-CN" sz="3200" kern="0" smtClean="0">
+                <a:solidFill>
+                  <a:schemeClr val="tx1">
+                    <a:lumMod val="75000"/>
+                    <a:lumOff val="25000"/>
+                  </a:schemeClr>
+                </a:solidFill>
+                <a:latin typeface="微软雅黑" panose="020B0503020204020204" pitchFamily="34" charset="-122"/>
+                <a:ea typeface="微软雅黑" panose="020B0503020204020204" pitchFamily="34" charset="-122"/>
+                <a:cs typeface="Courier New" pitchFamily="49" charset="0"/>
+              </a:rPr>
+              <a:t>virtual</a:t>
+            </a:r>
+            <a:r>
+              <a:rPr lang="zh-CN" altLang="en-US" sz="3200" kern="0">
+                <a:solidFill>
+                  <a:schemeClr val="tx1">
+                    <a:lumMod val="75000"/>
+                    <a:lumOff val="25000"/>
+                  </a:schemeClr>
+                </a:solidFill>
+                <a:latin typeface="微软雅黑" panose="020B0503020204020204" pitchFamily="34" charset="-122"/>
+                <a:ea typeface="微软雅黑" panose="020B0503020204020204" pitchFamily="34" charset="-122"/>
+                <a:cs typeface="Courier New" pitchFamily="49" charset="0"/>
+              </a:rPr>
+              <a:t>及返回值等其他因素不能作为重载依据</a:t>
+            </a:r>
+          </a:p>
+        </p:txBody>
+      </p:sp>
+    </p:spTree>
+    <p:extLst>
+      <p:ext uri="{BB962C8B-B14F-4D97-AF65-F5344CB8AC3E}">
+        <p14:creationId xmlns:p14="http://schemas.microsoft.com/office/powerpoint/2010/main" val="826600876"/>
+      </p:ext>
+    </p:extLst>
+  </p:cSld>
+  <p:clrMapOvr>
+    <a:masterClrMapping/>
+  </p:clrMapOvr>
+  <p:timing>
+    <p:tnLst>
+      <p:par>
+        <p:cTn id="1" dur="indefinite" restart="never" nodeType="tmRoot"/>
+      </p:par>
+    </p:tnLst>
+  </p:timing>
+</p:sld>
+</file>
+
 <file path=ppt/slides/slide35.xml><?xml version="1.0" encoding="utf-8"?>
 <p:sld xmlns:a="http://schemas.openxmlformats.org/drawingml/2006/main" xmlns:r="http://schemas.openxmlformats.org/officeDocument/2006/relationships" xmlns:p="http://schemas.openxmlformats.org/presentationml/2006/main">
   <p:cSld>
@@ -33754,413 +33314,6 @@
         <p:spPr>
           <a:xfrm>
             <a:off x="702982" y="990829"/>
-            <a:ext cx="10955618" cy="5475285"/>
-          </a:xfrm>
-          <a:prstGeom prst="rect">
-            <a:avLst/>
-          </a:prstGeom>
-        </p:spPr>
-        <p:txBody>
-          <a:bodyPr/>
-          <a:lstStyle/>
-          <a:p>
-            <a:pPr marL="566737" indent="-457200" eaLnBrk="0" hangingPunct="0">
-              <a:lnSpc>
-                <a:spcPct val="110000"/>
-              </a:lnSpc>
-              <a:spcBef>
-                <a:spcPct val="10000"/>
-              </a:spcBef>
-              <a:buClr>
-                <a:schemeClr val="accent1">
-                  <a:lumMod val="50000"/>
-                </a:schemeClr>
-              </a:buClr>
-              <a:buFont typeface="Wingdings" panose="05000000000000000000" pitchFamily="2" charset="2"/>
-              <a:buChar char="v"/>
-              <a:defRPr/>
-            </a:pPr>
-            <a:r>
-              <a:rPr lang="zh-CN" altLang="en-US" sz="3200" kern="0">
-                <a:solidFill>
-                  <a:schemeClr val="tx1">
-                    <a:lumMod val="75000"/>
-                    <a:lumOff val="25000"/>
-                  </a:schemeClr>
-                </a:solidFill>
-                <a:latin typeface="微软雅黑" panose="020B0503020204020204" pitchFamily="34" charset="-122"/>
-                <a:ea typeface="微软雅黑" panose="020B0503020204020204" pitchFamily="34" charset="-122"/>
-                <a:cs typeface="Courier New" pitchFamily="49" charset="0"/>
-              </a:rPr>
-              <a:t>函数的</a:t>
-            </a:r>
-            <a:r>
-              <a:rPr lang="zh-CN" altLang="en-US" sz="3200" kern="0" smtClean="0">
-                <a:solidFill>
-                  <a:srgbClr val="C00000"/>
-                </a:solidFill>
-                <a:latin typeface="微软雅黑" panose="020B0503020204020204" pitchFamily="34" charset="-122"/>
-                <a:ea typeface="微软雅黑" panose="020B0503020204020204" pitchFamily="34" charset="-122"/>
-                <a:cs typeface="Courier New" pitchFamily="49" charset="0"/>
-              </a:rPr>
-              <a:t>重载</a:t>
-            </a:r>
-            <a:endParaRPr lang="zh-CN" altLang="en-US" sz="3200" kern="0">
-              <a:solidFill>
-                <a:srgbClr val="C00000"/>
-              </a:solidFill>
-              <a:latin typeface="微软雅黑" panose="020B0503020204020204" pitchFamily="34" charset="-122"/>
-              <a:ea typeface="微软雅黑" panose="020B0503020204020204" pitchFamily="34" charset="-122"/>
-              <a:cs typeface="Courier New" pitchFamily="49" charset="0"/>
-            </a:endParaRPr>
-          </a:p>
-          <a:p>
-            <a:pPr marL="109537" eaLnBrk="0" hangingPunct="0">
-              <a:lnSpc>
-                <a:spcPct val="110000"/>
-              </a:lnSpc>
-              <a:spcBef>
-                <a:spcPct val="10000"/>
-              </a:spcBef>
-              <a:buClr>
-                <a:schemeClr val="accent1">
-                  <a:lumMod val="50000"/>
-                </a:schemeClr>
-              </a:buClr>
-              <a:defRPr/>
-            </a:pPr>
-            <a:r>
-              <a:rPr lang="zh-CN" altLang="en-US" sz="3200" kern="0" smtClean="0">
-                <a:solidFill>
-                  <a:schemeClr val="tx1">
-                    <a:lumMod val="75000"/>
-                    <a:lumOff val="25000"/>
-                  </a:schemeClr>
-                </a:solidFill>
-                <a:latin typeface="微软雅黑" panose="020B0503020204020204" pitchFamily="34" charset="-122"/>
-                <a:ea typeface="微软雅黑" panose="020B0503020204020204" pitchFamily="34" charset="-122"/>
-                <a:cs typeface="Courier New" pitchFamily="49" charset="0"/>
-              </a:rPr>
-              <a:t>    重载</a:t>
-            </a:r>
-            <a:r>
-              <a:rPr lang="zh-CN" altLang="en-US" sz="3200" kern="0">
-                <a:solidFill>
-                  <a:schemeClr val="tx1">
-                    <a:lumMod val="75000"/>
-                    <a:lumOff val="25000"/>
-                  </a:schemeClr>
-                </a:solidFill>
-                <a:latin typeface="微软雅黑" panose="020B0503020204020204" pitchFamily="34" charset="-122"/>
-                <a:ea typeface="微软雅黑" panose="020B0503020204020204" pitchFamily="34" charset="-122"/>
-                <a:cs typeface="Courier New" pitchFamily="49" charset="0"/>
-              </a:rPr>
-              <a:t>规则：</a:t>
-            </a:r>
-          </a:p>
-          <a:p>
-            <a:pPr marL="540000" lvl="1" indent="514350" eaLnBrk="0" hangingPunct="0">
-              <a:spcBef>
-                <a:spcPts val="1200"/>
-              </a:spcBef>
-              <a:buClr>
-                <a:schemeClr val="accent1">
-                  <a:lumMod val="50000"/>
-                </a:schemeClr>
-              </a:buClr>
-              <a:buFont typeface="+mj-lt"/>
-              <a:buAutoNum type="arabicPeriod"/>
-              <a:defRPr/>
-            </a:pPr>
-            <a:r>
-              <a:rPr lang="zh-CN" altLang="en-US" sz="3200" kern="0">
-                <a:solidFill>
-                  <a:schemeClr val="tx1">
-                    <a:lumMod val="75000"/>
-                    <a:lumOff val="25000"/>
-                  </a:schemeClr>
-                </a:solidFill>
-                <a:latin typeface="微软雅黑" panose="020B0503020204020204" pitchFamily="34" charset="-122"/>
-                <a:ea typeface="微软雅黑" panose="020B0503020204020204" pitchFamily="34" charset="-122"/>
-                <a:cs typeface="Courier New" pitchFamily="49" charset="0"/>
-              </a:rPr>
-              <a:t>相同的作用域（</a:t>
-            </a:r>
-            <a:r>
-              <a:rPr lang="zh-CN" altLang="en-US" sz="3200" kern="0">
-                <a:solidFill>
-                  <a:srgbClr val="C00000"/>
-                </a:solidFill>
-                <a:latin typeface="微软雅黑" panose="020B0503020204020204" pitchFamily="34" charset="-122"/>
-                <a:ea typeface="微软雅黑" panose="020B0503020204020204" pitchFamily="34" charset="-122"/>
-                <a:cs typeface="Courier New" pitchFamily="49" charset="0"/>
-              </a:rPr>
-              <a:t>不同类的同名函数不是重载</a:t>
-            </a:r>
-            <a:r>
-              <a:rPr lang="en-US" altLang="zh-CN" sz="3200" kern="0">
-                <a:solidFill>
-                  <a:schemeClr val="tx1">
-                    <a:lumMod val="75000"/>
-                    <a:lumOff val="25000"/>
-                  </a:schemeClr>
-                </a:solidFill>
-                <a:latin typeface="微软雅黑" panose="020B0503020204020204" pitchFamily="34" charset="-122"/>
-                <a:ea typeface="微软雅黑" panose="020B0503020204020204" pitchFamily="34" charset="-122"/>
-                <a:cs typeface="Courier New" pitchFamily="49" charset="0"/>
-              </a:rPr>
-              <a:t>)</a:t>
-            </a:r>
-            <a:r>
-              <a:rPr lang="zh-CN" altLang="en-US" sz="3200" kern="0">
-                <a:solidFill>
-                  <a:schemeClr val="tx1">
-                    <a:lumMod val="75000"/>
-                    <a:lumOff val="25000"/>
-                  </a:schemeClr>
-                </a:solidFill>
-                <a:latin typeface="微软雅黑" panose="020B0503020204020204" pitchFamily="34" charset="-122"/>
-                <a:ea typeface="微软雅黑" panose="020B0503020204020204" pitchFamily="34" charset="-122"/>
-                <a:cs typeface="Courier New" pitchFamily="49" charset="0"/>
-              </a:rPr>
-              <a:t>。</a:t>
-            </a:r>
-          </a:p>
-          <a:p>
-            <a:pPr marL="540000" lvl="1" indent="514350" eaLnBrk="0" hangingPunct="0">
-              <a:spcBef>
-                <a:spcPts val="1200"/>
-              </a:spcBef>
-              <a:buClr>
-                <a:schemeClr val="accent1">
-                  <a:lumMod val="50000"/>
-                </a:schemeClr>
-              </a:buClr>
-              <a:buFont typeface="+mj-lt"/>
-              <a:buAutoNum type="arabicPeriod"/>
-              <a:defRPr/>
-            </a:pPr>
-            <a:r>
-              <a:rPr lang="zh-CN" altLang="en-US" sz="3200" kern="0" smtClean="0">
-                <a:solidFill>
-                  <a:schemeClr val="tx1">
-                    <a:lumMod val="75000"/>
-                    <a:lumOff val="25000"/>
-                  </a:schemeClr>
-                </a:solidFill>
-                <a:latin typeface="微软雅黑" panose="020B0503020204020204" pitchFamily="34" charset="-122"/>
-                <a:ea typeface="微软雅黑" panose="020B0503020204020204" pitchFamily="34" charset="-122"/>
-                <a:cs typeface="Courier New" pitchFamily="49" charset="0"/>
-              </a:rPr>
-              <a:t>函数</a:t>
-            </a:r>
-            <a:r>
-              <a:rPr lang="zh-CN" altLang="en-US" sz="3200" kern="0">
-                <a:solidFill>
-                  <a:schemeClr val="tx1">
-                    <a:lumMod val="75000"/>
-                    <a:lumOff val="25000"/>
-                  </a:schemeClr>
-                </a:solidFill>
-                <a:latin typeface="微软雅黑" panose="020B0503020204020204" pitchFamily="34" charset="-122"/>
-                <a:ea typeface="微软雅黑" panose="020B0503020204020204" pitchFamily="34" charset="-122"/>
-                <a:cs typeface="Courier New" pitchFamily="49" charset="0"/>
-              </a:rPr>
-              <a:t>名相同。</a:t>
-            </a:r>
-          </a:p>
-          <a:p>
-            <a:pPr marL="540000" lvl="1" indent="514350" eaLnBrk="0" hangingPunct="0">
-              <a:spcBef>
-                <a:spcPts val="1200"/>
-              </a:spcBef>
-              <a:buClr>
-                <a:schemeClr val="accent1">
-                  <a:lumMod val="50000"/>
-                </a:schemeClr>
-              </a:buClr>
-              <a:buFont typeface="+mj-lt"/>
-              <a:buAutoNum type="arabicPeriod"/>
-              <a:defRPr/>
-            </a:pPr>
-            <a:r>
-              <a:rPr lang="zh-CN" altLang="en-US" sz="3200" kern="0" smtClean="0">
-                <a:solidFill>
-                  <a:schemeClr val="tx1">
-                    <a:lumMod val="75000"/>
-                    <a:lumOff val="25000"/>
-                  </a:schemeClr>
-                </a:solidFill>
-                <a:latin typeface="微软雅黑" panose="020B0503020204020204" pitchFamily="34" charset="-122"/>
-                <a:ea typeface="微软雅黑" panose="020B0503020204020204" pitchFamily="34" charset="-122"/>
-                <a:cs typeface="Courier New" pitchFamily="49" charset="0"/>
-              </a:rPr>
-              <a:t>参数</a:t>
-            </a:r>
-            <a:r>
-              <a:rPr lang="zh-CN" altLang="en-US" sz="3200" kern="0">
-                <a:solidFill>
-                  <a:schemeClr val="tx1">
-                    <a:lumMod val="75000"/>
-                    <a:lumOff val="25000"/>
-                  </a:schemeClr>
-                </a:solidFill>
-                <a:latin typeface="微软雅黑" panose="020B0503020204020204" pitchFamily="34" charset="-122"/>
-                <a:ea typeface="微软雅黑" panose="020B0503020204020204" pitchFamily="34" charset="-122"/>
-                <a:cs typeface="Courier New" pitchFamily="49" charset="0"/>
-              </a:rPr>
-              <a:t>个数、类型、顺序、</a:t>
-            </a:r>
-            <a:r>
-              <a:rPr lang="en-US" altLang="zh-CN" sz="3200" kern="0">
-                <a:solidFill>
-                  <a:schemeClr val="tx1">
-                    <a:lumMod val="75000"/>
-                    <a:lumOff val="25000"/>
-                  </a:schemeClr>
-                </a:solidFill>
-                <a:latin typeface="微软雅黑" panose="020B0503020204020204" pitchFamily="34" charset="-122"/>
-                <a:ea typeface="微软雅黑" panose="020B0503020204020204" pitchFamily="34" charset="-122"/>
-                <a:cs typeface="Courier New" pitchFamily="49" charset="0"/>
-              </a:rPr>
-              <a:t>const</a:t>
-            </a:r>
-            <a:r>
-              <a:rPr lang="zh-CN" altLang="en-US" sz="3200" kern="0">
-                <a:solidFill>
-                  <a:schemeClr val="tx1">
-                    <a:lumMod val="75000"/>
-                    <a:lumOff val="25000"/>
-                  </a:schemeClr>
-                </a:solidFill>
-                <a:latin typeface="微软雅黑" panose="020B0503020204020204" pitchFamily="34" charset="-122"/>
-                <a:ea typeface="微软雅黑" panose="020B0503020204020204" pitchFamily="34" charset="-122"/>
-                <a:cs typeface="Courier New" pitchFamily="49" charset="0"/>
-              </a:rPr>
-              <a:t>限定的指针或引用、是否为常成员函数。</a:t>
-            </a:r>
-          </a:p>
-          <a:p>
-            <a:pPr marL="540000" lvl="1" indent="514350" eaLnBrk="0" hangingPunct="0">
-              <a:spcBef>
-                <a:spcPts val="1200"/>
-              </a:spcBef>
-              <a:buClr>
-                <a:schemeClr val="accent1">
-                  <a:lumMod val="50000"/>
-                </a:schemeClr>
-              </a:buClr>
-              <a:buFont typeface="+mj-lt"/>
-              <a:buAutoNum type="arabicPeriod"/>
-              <a:defRPr/>
-            </a:pPr>
-            <a:r>
-              <a:rPr lang="en-US" altLang="zh-CN" sz="3200" kern="0" smtClean="0">
-                <a:solidFill>
-                  <a:schemeClr val="tx1">
-                    <a:lumMod val="75000"/>
-                    <a:lumOff val="25000"/>
-                  </a:schemeClr>
-                </a:solidFill>
-                <a:latin typeface="微软雅黑" panose="020B0503020204020204" pitchFamily="34" charset="-122"/>
-                <a:ea typeface="微软雅黑" panose="020B0503020204020204" pitchFamily="34" charset="-122"/>
-                <a:cs typeface="Courier New" pitchFamily="49" charset="0"/>
-              </a:rPr>
-              <a:t>virtual</a:t>
-            </a:r>
-            <a:r>
-              <a:rPr lang="zh-CN" altLang="en-US" sz="3200" kern="0">
-                <a:solidFill>
-                  <a:schemeClr val="tx1">
-                    <a:lumMod val="75000"/>
-                    <a:lumOff val="25000"/>
-                  </a:schemeClr>
-                </a:solidFill>
-                <a:latin typeface="微软雅黑" panose="020B0503020204020204" pitchFamily="34" charset="-122"/>
-                <a:ea typeface="微软雅黑" panose="020B0503020204020204" pitchFamily="34" charset="-122"/>
-                <a:cs typeface="Courier New" pitchFamily="49" charset="0"/>
-              </a:rPr>
-              <a:t>及返回值等其他因素不能作为重载依据</a:t>
-            </a:r>
-          </a:p>
-        </p:txBody>
-      </p:sp>
-    </p:spTree>
-    <p:extLst>
-      <p:ext uri="{BB962C8B-B14F-4D97-AF65-F5344CB8AC3E}">
-        <p14:creationId xmlns:p14="http://schemas.microsoft.com/office/powerpoint/2010/main" val="826600876"/>
-      </p:ext>
-    </p:extLst>
-  </p:cSld>
-  <p:clrMapOvr>
-    <a:masterClrMapping/>
-  </p:clrMapOvr>
-  <p:timing>
-    <p:tnLst>
-      <p:par>
-        <p:cTn id="1" dur="indefinite" restart="never" nodeType="tmRoot"/>
-      </p:par>
-    </p:tnLst>
-  </p:timing>
-</p:sld>
-</file>
-
-<file path=ppt/slides/slide36.xml><?xml version="1.0" encoding="utf-8"?>
-<p:sld xmlns:a="http://schemas.openxmlformats.org/drawingml/2006/main" xmlns:r="http://schemas.openxmlformats.org/officeDocument/2006/relationships" xmlns:p="http://schemas.openxmlformats.org/presentationml/2006/main">
-  <p:cSld>
-    <p:spTree>
-      <p:nvGrpSpPr>
-        <p:cNvPr id="1" name=""/>
-        <p:cNvGrpSpPr/>
-        <p:nvPr/>
-      </p:nvGrpSpPr>
-      <p:grpSpPr>
-        <a:xfrm>
-          <a:off x="0" y="0"/>
-          <a:ext cx="0" cy="0"/>
-          <a:chOff x="0" y="0"/>
-          <a:chExt cx="0" cy="0"/>
-        </a:xfrm>
-      </p:grpSpPr>
-      <p:sp>
-        <p:nvSpPr>
-          <p:cNvPr id="3" name="标题 2"/>
-          <p:cNvSpPr>
-            <a:spLocks noGrp="1"/>
-          </p:cNvSpPr>
-          <p:nvPr>
-            <p:ph type="title"/>
-          </p:nvPr>
-        </p:nvSpPr>
-        <p:spPr/>
-        <p:txBody>
-          <a:bodyPr>
-            <a:normAutofit fontScale="90000"/>
-          </a:bodyPr>
-          <a:lstStyle/>
-          <a:p>
-            <a:r>
-              <a:rPr lang="zh-CN" altLang="en-US" smtClean="0"/>
-              <a:t>隐藏</a:t>
-            </a:r>
-            <a:r>
-              <a:rPr lang="zh-CN" altLang="en-US"/>
-              <a:t>、覆盖、重载</a:t>
-            </a:r>
-          </a:p>
-        </p:txBody>
-      </p:sp>
-      <p:sp>
-        <p:nvSpPr>
-          <p:cNvPr id="8" name="Rectangle 3"/>
-          <p:cNvSpPr txBox="1">
-            <a:spLocks noChangeArrowheads="1"/>
-          </p:cNvSpPr>
-          <p:nvPr/>
-        </p:nvSpPr>
-        <p:spPr>
-          <a:xfrm>
-            <a:off x="702982" y="990829"/>
             <a:ext cx="8923618" cy="2996971"/>
           </a:xfrm>
           <a:prstGeom prst="rect">
@@ -34344,7 +33497,7 @@
 </p:sld>
 </file>
 
-<file path=ppt/slides/slide37.xml><?xml version="1.0" encoding="utf-8"?>
+<file path=ppt/slides/slide36.xml><?xml version="1.0" encoding="utf-8"?>
 <p:sld xmlns:a="http://schemas.openxmlformats.org/drawingml/2006/main" xmlns:r="http://schemas.openxmlformats.org/officeDocument/2006/relationships" xmlns:p="http://schemas.openxmlformats.org/presentationml/2006/main">
   <p:cSld>
     <p:spTree>
@@ -34856,7 +34009,7 @@
 </p:sld>
 </file>
 
-<file path=ppt/slides/slide38.xml><?xml version="1.0" encoding="utf-8"?>
+<file path=ppt/slides/slide37.xml><?xml version="1.0" encoding="utf-8"?>
 <p:sld xmlns:a="http://schemas.openxmlformats.org/drawingml/2006/main" xmlns:r="http://schemas.openxmlformats.org/officeDocument/2006/relationships" xmlns:p="http://schemas.openxmlformats.org/presentationml/2006/main">
   <p:cSld>
     <p:spTree>
@@ -35465,7 +34618,7 @@
 </p:sld>
 </file>
 
-<file path=ppt/slides/slide39.xml><?xml version="1.0" encoding="utf-8"?>
+<file path=ppt/slides/slide38.xml><?xml version="1.0" encoding="utf-8"?>
 <p:sld xmlns:a="http://schemas.openxmlformats.org/drawingml/2006/main" xmlns:r="http://schemas.openxmlformats.org/officeDocument/2006/relationships" xmlns:p="http://schemas.openxmlformats.org/presentationml/2006/main">
   <p:cSld>
     <p:spTree>
@@ -37259,7 +36412,7 @@
                 <a:gridCol w="1391815">
                   <a:extLst>
                     <a:ext uri="{9D8B030D-6E8A-4147-A177-3AD203B41FA5}">
-                      <a16:colId xmlns:a16="http://schemas.microsoft.com/office/drawing/2014/main" xmlns="" val="673388859"/>
+                      <a16:colId xmlns:a16="http://schemas.microsoft.com/office/drawing/2014/main" val="673388859"/>
                     </a:ext>
                   </a:extLst>
                 </a:gridCol>
@@ -37357,7 +36510,7 @@
                 </a:tc>
                 <a:extLst>
                   <a:ext uri="{0D108BD9-81ED-4DB2-BD59-A6C34878D82A}">
-                    <a16:rowId xmlns:a16="http://schemas.microsoft.com/office/drawing/2014/main" xmlns="" val="3531948158"/>
+                    <a16:rowId xmlns:a16="http://schemas.microsoft.com/office/drawing/2014/main" val="3531948158"/>
                   </a:ext>
                 </a:extLst>
               </a:tr>
@@ -37454,7 +36607,7 @@
                 </a:tc>
                 <a:extLst>
                   <a:ext uri="{0D108BD9-81ED-4DB2-BD59-A6C34878D82A}">
-                    <a16:rowId xmlns:a16="http://schemas.microsoft.com/office/drawing/2014/main" xmlns="" val="2554696801"/>
+                    <a16:rowId xmlns:a16="http://schemas.microsoft.com/office/drawing/2014/main" val="2554696801"/>
                   </a:ext>
                 </a:extLst>
               </a:tr>
@@ -37497,7 +36650,7 @@
                 <a:gridCol w="2555399">
                   <a:extLst>
                     <a:ext uri="{9D8B030D-6E8A-4147-A177-3AD203B41FA5}">
-                      <a16:colId xmlns:a16="http://schemas.microsoft.com/office/drawing/2014/main" xmlns="" val="673388859"/>
+                      <a16:colId xmlns:a16="http://schemas.microsoft.com/office/drawing/2014/main" val="673388859"/>
                     </a:ext>
                   </a:extLst>
                 </a:gridCol>
@@ -37595,7 +36748,7 @@
                 </a:tc>
                 <a:extLst>
                   <a:ext uri="{0D108BD9-81ED-4DB2-BD59-A6C34878D82A}">
-                    <a16:rowId xmlns:a16="http://schemas.microsoft.com/office/drawing/2014/main" xmlns="" val="3531948158"/>
+                    <a16:rowId xmlns:a16="http://schemas.microsoft.com/office/drawing/2014/main" val="3531948158"/>
                   </a:ext>
                 </a:extLst>
               </a:tr>
@@ -37692,7 +36845,7 @@
                 </a:tc>
                 <a:extLst>
                   <a:ext uri="{0D108BD9-81ED-4DB2-BD59-A6C34878D82A}">
-                    <a16:rowId xmlns:a16="http://schemas.microsoft.com/office/drawing/2014/main" xmlns="" val="2554696801"/>
+                    <a16:rowId xmlns:a16="http://schemas.microsoft.com/office/drawing/2014/main" val="2554696801"/>
                   </a:ext>
                 </a:extLst>
               </a:tr>
@@ -37735,7 +36888,7 @@
                 <a:gridCol w="1391815">
                   <a:extLst>
                     <a:ext uri="{9D8B030D-6E8A-4147-A177-3AD203B41FA5}">
-                      <a16:colId xmlns:a16="http://schemas.microsoft.com/office/drawing/2014/main" xmlns="" val="673388859"/>
+                      <a16:colId xmlns:a16="http://schemas.microsoft.com/office/drawing/2014/main" val="673388859"/>
                     </a:ext>
                   </a:extLst>
                 </a:gridCol>
@@ -37833,7 +36986,7 @@
                 </a:tc>
                 <a:extLst>
                   <a:ext uri="{0D108BD9-81ED-4DB2-BD59-A6C34878D82A}">
-                    <a16:rowId xmlns:a16="http://schemas.microsoft.com/office/drawing/2014/main" xmlns="" val="3531948158"/>
+                    <a16:rowId xmlns:a16="http://schemas.microsoft.com/office/drawing/2014/main" val="3531948158"/>
                   </a:ext>
                 </a:extLst>
               </a:tr>
@@ -37930,7 +37083,7 @@
                 </a:tc>
                 <a:extLst>
                   <a:ext uri="{0D108BD9-81ED-4DB2-BD59-A6C34878D82A}">
-                    <a16:rowId xmlns:a16="http://schemas.microsoft.com/office/drawing/2014/main" xmlns="" val="2554696801"/>
+                    <a16:rowId xmlns:a16="http://schemas.microsoft.com/office/drawing/2014/main" val="2554696801"/>
                   </a:ext>
                 </a:extLst>
               </a:tr>
@@ -37973,7 +37126,7 @@
                 <a:gridCol w="2555399">
                   <a:extLst>
                     <a:ext uri="{9D8B030D-6E8A-4147-A177-3AD203B41FA5}">
-                      <a16:colId xmlns:a16="http://schemas.microsoft.com/office/drawing/2014/main" xmlns="" val="673388859"/>
+                      <a16:colId xmlns:a16="http://schemas.microsoft.com/office/drawing/2014/main" val="673388859"/>
                     </a:ext>
                   </a:extLst>
                 </a:gridCol>
@@ -38071,7 +37224,7 @@
                 </a:tc>
                 <a:extLst>
                   <a:ext uri="{0D108BD9-81ED-4DB2-BD59-A6C34878D82A}">
-                    <a16:rowId xmlns:a16="http://schemas.microsoft.com/office/drawing/2014/main" xmlns="" val="3531948158"/>
+                    <a16:rowId xmlns:a16="http://schemas.microsoft.com/office/drawing/2014/main" val="3531948158"/>
                   </a:ext>
                 </a:extLst>
               </a:tr>
@@ -38168,7 +37321,7 @@
                 </a:tc>
                 <a:extLst>
                   <a:ext uri="{0D108BD9-81ED-4DB2-BD59-A6C34878D82A}">
-                    <a16:rowId xmlns:a16="http://schemas.microsoft.com/office/drawing/2014/main" xmlns="" val="2554696801"/>
+                    <a16:rowId xmlns:a16="http://schemas.microsoft.com/office/drawing/2014/main" val="2554696801"/>
                   </a:ext>
                 </a:extLst>
               </a:tr>
@@ -38211,7 +37364,7 @@
                 <a:gridCol w="1391815">
                   <a:extLst>
                     <a:ext uri="{9D8B030D-6E8A-4147-A177-3AD203B41FA5}">
-                      <a16:colId xmlns:a16="http://schemas.microsoft.com/office/drawing/2014/main" xmlns="" val="673388859"/>
+                      <a16:colId xmlns:a16="http://schemas.microsoft.com/office/drawing/2014/main" val="673388859"/>
                     </a:ext>
                   </a:extLst>
                 </a:gridCol>
@@ -38309,7 +37462,7 @@
                 </a:tc>
                 <a:extLst>
                   <a:ext uri="{0D108BD9-81ED-4DB2-BD59-A6C34878D82A}">
-                    <a16:rowId xmlns:a16="http://schemas.microsoft.com/office/drawing/2014/main" xmlns="" val="3531948158"/>
+                    <a16:rowId xmlns:a16="http://schemas.microsoft.com/office/drawing/2014/main" val="3531948158"/>
                   </a:ext>
                 </a:extLst>
               </a:tr>
@@ -38406,7 +37559,7 @@
                 </a:tc>
                 <a:extLst>
                   <a:ext uri="{0D108BD9-81ED-4DB2-BD59-A6C34878D82A}">
-                    <a16:rowId xmlns:a16="http://schemas.microsoft.com/office/drawing/2014/main" xmlns="" val="2554696801"/>
+                    <a16:rowId xmlns:a16="http://schemas.microsoft.com/office/drawing/2014/main" val="2554696801"/>
                   </a:ext>
                 </a:extLst>
               </a:tr>
@@ -38449,7 +37602,7 @@
                 <a:gridCol w="2555399">
                   <a:extLst>
                     <a:ext uri="{9D8B030D-6E8A-4147-A177-3AD203B41FA5}">
-                      <a16:colId xmlns:a16="http://schemas.microsoft.com/office/drawing/2014/main" xmlns="" val="673388859"/>
+                      <a16:colId xmlns:a16="http://schemas.microsoft.com/office/drawing/2014/main" val="673388859"/>
                     </a:ext>
                   </a:extLst>
                 </a:gridCol>
@@ -38547,7 +37700,7 @@
                 </a:tc>
                 <a:extLst>
                   <a:ext uri="{0D108BD9-81ED-4DB2-BD59-A6C34878D82A}">
-                    <a16:rowId xmlns:a16="http://schemas.microsoft.com/office/drawing/2014/main" xmlns="" val="3531948158"/>
+                    <a16:rowId xmlns:a16="http://schemas.microsoft.com/office/drawing/2014/main" val="3531948158"/>
                   </a:ext>
                 </a:extLst>
               </a:tr>
@@ -38644,7 +37797,7 @@
                 </a:tc>
                 <a:extLst>
                   <a:ext uri="{0D108BD9-81ED-4DB2-BD59-A6C34878D82A}">
-                    <a16:rowId xmlns:a16="http://schemas.microsoft.com/office/drawing/2014/main" xmlns="" val="2554696801"/>
+                    <a16:rowId xmlns:a16="http://schemas.microsoft.com/office/drawing/2014/main" val="2554696801"/>
                   </a:ext>
                 </a:extLst>
               </a:tr>
@@ -38687,7 +37840,7 @@
                 <a:gridCol w="1841974">
                   <a:extLst>
                     <a:ext uri="{9D8B030D-6E8A-4147-A177-3AD203B41FA5}">
-                      <a16:colId xmlns:a16="http://schemas.microsoft.com/office/drawing/2014/main" xmlns="" val="673388859"/>
+                      <a16:colId xmlns:a16="http://schemas.microsoft.com/office/drawing/2014/main" val="673388859"/>
                     </a:ext>
                   </a:extLst>
                 </a:gridCol>
@@ -38785,7 +37938,7 @@
                 </a:tc>
                 <a:extLst>
                   <a:ext uri="{0D108BD9-81ED-4DB2-BD59-A6C34878D82A}">
-                    <a16:rowId xmlns:a16="http://schemas.microsoft.com/office/drawing/2014/main" xmlns="" val="3531948158"/>
+                    <a16:rowId xmlns:a16="http://schemas.microsoft.com/office/drawing/2014/main" val="3531948158"/>
                   </a:ext>
                 </a:extLst>
               </a:tr>
@@ -38882,7 +38035,7 @@
                 </a:tc>
                 <a:extLst>
                   <a:ext uri="{0D108BD9-81ED-4DB2-BD59-A6C34878D82A}">
-                    <a16:rowId xmlns:a16="http://schemas.microsoft.com/office/drawing/2014/main" xmlns="" val="2554696801"/>
+                    <a16:rowId xmlns:a16="http://schemas.microsoft.com/office/drawing/2014/main" val="2554696801"/>
                   </a:ext>
                 </a:extLst>
               </a:tr>
@@ -38925,7 +38078,7 @@
                 <a:gridCol w="2555399">
                   <a:extLst>
                     <a:ext uri="{9D8B030D-6E8A-4147-A177-3AD203B41FA5}">
-                      <a16:colId xmlns:a16="http://schemas.microsoft.com/office/drawing/2014/main" xmlns="" val="673388859"/>
+                      <a16:colId xmlns:a16="http://schemas.microsoft.com/office/drawing/2014/main" val="673388859"/>
                     </a:ext>
                   </a:extLst>
                 </a:gridCol>
@@ -39023,7 +38176,7 @@
                 </a:tc>
                 <a:extLst>
                   <a:ext uri="{0D108BD9-81ED-4DB2-BD59-A6C34878D82A}">
-                    <a16:rowId xmlns:a16="http://schemas.microsoft.com/office/drawing/2014/main" xmlns="" val="3531948158"/>
+                    <a16:rowId xmlns:a16="http://schemas.microsoft.com/office/drawing/2014/main" val="3531948158"/>
                   </a:ext>
                 </a:extLst>
               </a:tr>
@@ -39120,7 +38273,7 @@
                 </a:tc>
                 <a:extLst>
                   <a:ext uri="{0D108BD9-81ED-4DB2-BD59-A6C34878D82A}">
-                    <a16:rowId xmlns:a16="http://schemas.microsoft.com/office/drawing/2014/main" xmlns="" val="2554696801"/>
+                    <a16:rowId xmlns:a16="http://schemas.microsoft.com/office/drawing/2014/main" val="2554696801"/>
                   </a:ext>
                 </a:extLst>
               </a:tr>
@@ -39449,7 +38602,7 @@
 </p:sld>
 </file>
 
-<file path=ppt/slides/slide4.xml><?xml version="1.0" encoding="utf-8"?>
+<file path=ppt/slides/slide39.xml><?xml version="1.0" encoding="utf-8"?>
 <p:sld xmlns:a="http://schemas.openxmlformats.org/drawingml/2006/main" xmlns:r="http://schemas.openxmlformats.org/officeDocument/2006/relationships" xmlns:p="http://schemas.openxmlformats.org/presentationml/2006/main">
   <p:cSld>
     <p:spTree>
@@ -39562,163 +38715,6 @@
               <a:buChar char="Ø"/>
             </a:pPr>
             <a:r>
-              <a:rPr lang="zh-CN" altLang="en-US" sz="3000" smtClean="0">
-                <a:solidFill>
-                  <a:schemeClr val="tx1">
-                    <a:lumMod val="75000"/>
-                    <a:lumOff val="25000"/>
-                  </a:schemeClr>
-                </a:solidFill>
-              </a:rPr>
-              <a:t>理解</a:t>
-            </a:r>
-            <a:r>
-              <a:rPr lang="zh-CN" altLang="en-US" sz="3000">
-                <a:solidFill>
-                  <a:schemeClr val="tx1">
-                    <a:lumMod val="75000"/>
-                    <a:lumOff val="25000"/>
-                  </a:schemeClr>
-                </a:solidFill>
-              </a:rPr>
-              <a:t>重载、隐藏、覆盖</a:t>
-            </a:r>
-          </a:p>
-        </p:txBody>
-      </p:sp>
-    </p:spTree>
-    <p:extLst>
-      <p:ext uri="{BB962C8B-B14F-4D97-AF65-F5344CB8AC3E}">
-        <p14:creationId xmlns:p14="http://schemas.microsoft.com/office/powerpoint/2010/main" val="3087785017"/>
-      </p:ext>
-    </p:extLst>
-  </p:cSld>
-  <p:clrMapOvr>
-    <a:masterClrMapping/>
-  </p:clrMapOvr>
-  <p:timing>
-    <p:tnLst>
-      <p:par>
-        <p:cTn id="1" dur="indefinite" restart="never" nodeType="tmRoot"/>
-      </p:par>
-    </p:tnLst>
-  </p:timing>
-</p:sld>
-</file>
-
-<file path=ppt/slides/slide40.xml><?xml version="1.0" encoding="utf-8"?>
-<p:sld xmlns:a="http://schemas.openxmlformats.org/drawingml/2006/main" xmlns:r="http://schemas.openxmlformats.org/officeDocument/2006/relationships" xmlns:p="http://schemas.openxmlformats.org/presentationml/2006/main">
-  <p:cSld>
-    <p:spTree>
-      <p:nvGrpSpPr>
-        <p:cNvPr id="1" name=""/>
-        <p:cNvGrpSpPr/>
-        <p:nvPr/>
-      </p:nvGrpSpPr>
-      <p:grpSpPr>
-        <a:xfrm>
-          <a:off x="0" y="0"/>
-          <a:ext cx="0" cy="0"/>
-          <a:chOff x="0" y="0"/>
-          <a:chExt cx="0" cy="0"/>
-        </a:xfrm>
-      </p:grpSpPr>
-      <p:sp>
-        <p:nvSpPr>
-          <p:cNvPr id="3" name="标题 2"/>
-          <p:cNvSpPr>
-            <a:spLocks noGrp="1"/>
-          </p:cNvSpPr>
-          <p:nvPr>
-            <p:ph type="title"/>
-          </p:nvPr>
-        </p:nvSpPr>
-        <p:spPr/>
-        <p:txBody>
-          <a:bodyPr>
-            <a:normAutofit fontScale="90000"/>
-          </a:bodyPr>
-          <a:lstStyle/>
-          <a:p>
-            <a:r>
-              <a:rPr lang="zh-CN" altLang="en-US"/>
-              <a:t>本讲教学目标</a:t>
-            </a:r>
-          </a:p>
-        </p:txBody>
-      </p:sp>
-      <p:sp>
-        <p:nvSpPr>
-          <p:cNvPr id="4" name="内容占位符 3"/>
-          <p:cNvSpPr>
-            <a:spLocks noGrp="1"/>
-          </p:cNvSpPr>
-          <p:nvPr>
-            <p:ph idx="1"/>
-          </p:nvPr>
-        </p:nvSpPr>
-        <p:spPr>
-          <a:xfrm>
-            <a:off x="978515" y="1192904"/>
-            <a:ext cx="10268605" cy="5055495"/>
-          </a:xfrm>
-        </p:spPr>
-        <p:txBody>
-          <a:bodyPr>
-            <a:normAutofit/>
-          </a:bodyPr>
-          <a:lstStyle/>
-          <a:p>
-            <a:pPr>
-              <a:lnSpc>
-                <a:spcPct val="150000"/>
-              </a:lnSpc>
-              <a:buFont typeface="Wingdings" panose="05000000000000000000" pitchFamily="2" charset="2"/>
-              <a:buChar char="Ø"/>
-            </a:pPr>
-            <a:r>
-              <a:rPr lang="zh-CN" altLang="en-US" sz="3000">
-                <a:solidFill>
-                  <a:schemeClr val="tx1">
-                    <a:lumMod val="75000"/>
-                    <a:lumOff val="25000"/>
-                  </a:schemeClr>
-                </a:solidFill>
-              </a:rPr>
-              <a:t>掌握</a:t>
-            </a:r>
-            <a:r>
-              <a:rPr lang="en-US" altLang="zh-CN" sz="3000">
-                <a:solidFill>
-                  <a:schemeClr val="tx1">
-                    <a:lumMod val="75000"/>
-                    <a:lumOff val="25000"/>
-                  </a:schemeClr>
-                </a:solidFill>
-              </a:rPr>
-              <a:t>C++</a:t>
-            </a:r>
-            <a:r>
-              <a:rPr lang="zh-CN" altLang="en-US" sz="3000">
-                <a:solidFill>
-                  <a:schemeClr val="tx1">
-                    <a:lumMod val="75000"/>
-                    <a:lumOff val="25000"/>
-                  </a:schemeClr>
-                </a:solidFill>
-              </a:rPr>
-              <a:t>中虚函数的概念</a:t>
-            </a:r>
-          </a:p>
-          <a:p>
-            <a:pPr>
-              <a:lnSpc>
-                <a:spcPct val="150000"/>
-              </a:lnSpc>
-              <a:buFont typeface="Wingdings" panose="05000000000000000000" pitchFamily="2" charset="2"/>
-              <a:buChar char="Ø"/>
-            </a:pPr>
-            <a:r>
               <a:rPr lang="zh-CN" altLang="en-US" sz="3000">
                 <a:solidFill>
                   <a:schemeClr val="tx1">
@@ -39752,44 +38748,7 @@
 </p:sld>
 </file>
 
-<file path=ppt/slides/slide41.xml><?xml version="1.0" encoding="utf-8"?>
-<p:sld xmlns:a="http://schemas.openxmlformats.org/drawingml/2006/main" xmlns:r="http://schemas.openxmlformats.org/officeDocument/2006/relationships" xmlns:p="http://schemas.openxmlformats.org/presentationml/2006/main">
-  <p:cSld>
-    <p:spTree>
-      <p:nvGrpSpPr>
-        <p:cNvPr id="1" name=""/>
-        <p:cNvGrpSpPr/>
-        <p:nvPr/>
-      </p:nvGrpSpPr>
-      <p:grpSpPr>
-        <a:xfrm>
-          <a:off x="0" y="0"/>
-          <a:ext cx="0" cy="0"/>
-          <a:chOff x="0" y="0"/>
-          <a:chExt cx="0" cy="0"/>
-        </a:xfrm>
-      </p:grpSpPr>
-    </p:spTree>
-    <p:extLst>
-      <p:ext uri="{BB962C8B-B14F-4D97-AF65-F5344CB8AC3E}">
-        <p14:creationId xmlns:p14="http://schemas.microsoft.com/office/powerpoint/2010/main" val="2162984752"/>
-      </p:ext>
-    </p:extLst>
-  </p:cSld>
-  <p:clrMapOvr>
-    <a:masterClrMapping/>
-  </p:clrMapOvr>
-  <p:timing>
-    <p:tnLst>
-      <p:par>
-        <p:cTn id="1" dur="indefinite" restart="never" nodeType="tmRoot"/>
-      </p:par>
-    </p:tnLst>
-  </p:timing>
-</p:sld>
-</file>
-
-<file path=ppt/slides/slide5.xml><?xml version="1.0" encoding="utf-8"?>
+<file path=ppt/slides/slide4.xml><?xml version="1.0" encoding="utf-8"?>
 <p:sld xmlns:a="http://schemas.openxmlformats.org/drawingml/2006/main" xmlns:r="http://schemas.openxmlformats.org/officeDocument/2006/relationships" xmlns:p="http://schemas.openxmlformats.org/presentationml/2006/main">
   <p:cSld>
     <p:spTree>
@@ -40571,7 +39530,44 @@
 </p:sld>
 </file>
 
-<file path=ppt/slides/slide6.xml><?xml version="1.0" encoding="utf-8"?>
+<file path=ppt/slides/slide40.xml><?xml version="1.0" encoding="utf-8"?>
+<p:sld xmlns:a="http://schemas.openxmlformats.org/drawingml/2006/main" xmlns:r="http://schemas.openxmlformats.org/officeDocument/2006/relationships" xmlns:p="http://schemas.openxmlformats.org/presentationml/2006/main">
+  <p:cSld>
+    <p:spTree>
+      <p:nvGrpSpPr>
+        <p:cNvPr id="1" name=""/>
+        <p:cNvGrpSpPr/>
+        <p:nvPr/>
+      </p:nvGrpSpPr>
+      <p:grpSpPr>
+        <a:xfrm>
+          <a:off x="0" y="0"/>
+          <a:ext cx="0" cy="0"/>
+          <a:chOff x="0" y="0"/>
+          <a:chExt cx="0" cy="0"/>
+        </a:xfrm>
+      </p:grpSpPr>
+    </p:spTree>
+    <p:extLst>
+      <p:ext uri="{BB962C8B-B14F-4D97-AF65-F5344CB8AC3E}">
+        <p14:creationId xmlns:p14="http://schemas.microsoft.com/office/powerpoint/2010/main" val="2162984752"/>
+      </p:ext>
+    </p:extLst>
+  </p:cSld>
+  <p:clrMapOvr>
+    <a:masterClrMapping/>
+  </p:clrMapOvr>
+  <p:timing>
+    <p:tnLst>
+      <p:par>
+        <p:cTn id="1" dur="indefinite" restart="never" nodeType="tmRoot"/>
+      </p:par>
+    </p:tnLst>
+  </p:timing>
+</p:sld>
+</file>
+
+<file path=ppt/slides/slide5.xml><?xml version="1.0" encoding="utf-8"?>
 <p:sld xmlns:a="http://schemas.openxmlformats.org/drawingml/2006/main" xmlns:r="http://schemas.openxmlformats.org/officeDocument/2006/relationships" xmlns:p="http://schemas.openxmlformats.org/presentationml/2006/main">
   <p:cSld>
     <p:spTree>
@@ -40866,7 +39862,7 @@
 </p:sld>
 </file>
 
-<file path=ppt/slides/slide7.xml><?xml version="1.0" encoding="utf-8"?>
+<file path=ppt/slides/slide6.xml><?xml version="1.0" encoding="utf-8"?>
 <p:sld xmlns:a="http://schemas.openxmlformats.org/drawingml/2006/main" xmlns:r="http://schemas.openxmlformats.org/officeDocument/2006/relationships" xmlns:p="http://schemas.openxmlformats.org/presentationml/2006/main">
   <p:cSld>
     <p:spTree>
@@ -42497,7 +41493,7 @@
 </p:sld>
 </file>
 
-<file path=ppt/slides/slide8.xml><?xml version="1.0" encoding="utf-8"?>
+<file path=ppt/slides/slide7.xml><?xml version="1.0" encoding="utf-8"?>
 <p:sld xmlns:a="http://schemas.openxmlformats.org/drawingml/2006/main" xmlns:r="http://schemas.openxmlformats.org/officeDocument/2006/relationships" xmlns:p="http://schemas.openxmlformats.org/presentationml/2006/main">
   <p:cSld>
     <p:spTree>
@@ -43055,7 +42051,7 @@
 </p:sld>
 </file>
 
-<file path=ppt/slides/slide9.xml><?xml version="1.0" encoding="utf-8"?>
+<file path=ppt/slides/slide8.xml><?xml version="1.0" encoding="utf-8"?>
 <p:sld xmlns:a="http://schemas.openxmlformats.org/drawingml/2006/main" xmlns:r="http://schemas.openxmlformats.org/officeDocument/2006/relationships" xmlns:p="http://schemas.openxmlformats.org/presentationml/2006/main">
   <p:cSld>
     <p:spTree>
@@ -44355,6 +43351,808 @@
     <p:extLst>
       <p:ext uri="{BB962C8B-B14F-4D97-AF65-F5344CB8AC3E}">
         <p14:creationId xmlns:p14="http://schemas.microsoft.com/office/powerpoint/2010/main" val="2868551762"/>
+      </p:ext>
+    </p:extLst>
+  </p:cSld>
+  <p:clrMapOvr>
+    <a:masterClrMapping/>
+  </p:clrMapOvr>
+  <p:timing>
+    <p:tnLst>
+      <p:par>
+        <p:cTn id="1" dur="indefinite" restart="never" nodeType="tmRoot"/>
+      </p:par>
+    </p:tnLst>
+  </p:timing>
+</p:sld>
+</file>
+
+<file path=ppt/slides/slide9.xml><?xml version="1.0" encoding="utf-8"?>
+<p:sld xmlns:a="http://schemas.openxmlformats.org/drawingml/2006/main" xmlns:r="http://schemas.openxmlformats.org/officeDocument/2006/relationships" xmlns:p="http://schemas.openxmlformats.org/presentationml/2006/main">
+  <p:cSld>
+    <p:spTree>
+      <p:nvGrpSpPr>
+        <p:cNvPr id="1" name=""/>
+        <p:cNvGrpSpPr/>
+        <p:nvPr/>
+      </p:nvGrpSpPr>
+      <p:grpSpPr>
+        <a:xfrm>
+          <a:off x="0" y="0"/>
+          <a:ext cx="0" cy="0"/>
+          <a:chOff x="0" y="0"/>
+          <a:chExt cx="0" cy="0"/>
+        </a:xfrm>
+      </p:grpSpPr>
+      <p:sp>
+        <p:nvSpPr>
+          <p:cNvPr id="3" name="标题 2"/>
+          <p:cNvSpPr>
+            <a:spLocks noGrp="1"/>
+          </p:cNvSpPr>
+          <p:nvPr>
+            <p:ph type="title"/>
+          </p:nvPr>
+        </p:nvSpPr>
+        <p:spPr/>
+        <p:txBody>
+          <a:bodyPr>
+            <a:normAutofit fontScale="90000"/>
+          </a:bodyPr>
+          <a:lstStyle/>
+          <a:p>
+            <a:r>
+              <a:rPr lang="zh-CN" altLang="en-US"/>
+              <a:t>引述</a:t>
+            </a:r>
+          </a:p>
+        </p:txBody>
+      </p:sp>
+      <p:sp>
+        <p:nvSpPr>
+          <p:cNvPr id="4" name="TextBox 2"/>
+          <p:cNvSpPr txBox="1"/>
+          <p:nvPr/>
+        </p:nvSpPr>
+        <p:spPr>
+          <a:xfrm>
+            <a:off x="1240555" y="1094696"/>
+            <a:ext cx="9410085" cy="5262979"/>
+          </a:xfrm>
+          <a:prstGeom prst="rect">
+            <a:avLst/>
+          </a:prstGeom>
+          <a:solidFill>
+            <a:schemeClr val="accent1">
+              <a:lumMod val="20000"/>
+              <a:lumOff val="80000"/>
+            </a:schemeClr>
+          </a:solidFill>
+          <a:ln w="38100">
+            <a:solidFill>
+              <a:schemeClr val="accent1">
+                <a:lumMod val="50000"/>
+              </a:schemeClr>
+            </a:solidFill>
+            <a:prstDash val="solid"/>
+          </a:ln>
+          <a:effectLst>
+            <a:outerShdw blurRad="50800" dist="38100" dir="2700000" algn="tl" rotWithShape="0">
+              <a:prstClr val="black">
+                <a:alpha val="40000"/>
+              </a:prstClr>
+            </a:outerShdw>
+          </a:effectLst>
+        </p:spPr>
+        <p:style>
+          <a:lnRef idx="2">
+            <a:schemeClr val="accent2"/>
+          </a:lnRef>
+          <a:fillRef idx="1">
+            <a:schemeClr val="lt1"/>
+          </a:fillRef>
+          <a:effectRef idx="0">
+            <a:schemeClr val="accent2"/>
+          </a:effectRef>
+          <a:fontRef idx="minor">
+            <a:schemeClr val="dk1"/>
+          </a:fontRef>
+        </p:style>
+        <p:txBody>
+          <a:bodyPr wrap="square">
+            <a:spAutoFit/>
+          </a:bodyPr>
+          <a:lstStyle/>
+          <a:p>
+            <a:pPr>
+              <a:defRPr/>
+            </a:pPr>
+            <a:r>
+              <a:rPr lang="en-US" altLang="zh-CN" sz="2800" b="1">
+                <a:solidFill>
+                  <a:schemeClr val="tx1">
+                    <a:lumMod val="75000"/>
+                    <a:lumOff val="25000"/>
+                  </a:schemeClr>
+                </a:solidFill>
+                <a:latin typeface="Consolas" panose="020B0609020204030204" pitchFamily="49" charset="0"/>
+                <a:ea typeface="微软雅黑" panose="020B0503020204020204" pitchFamily="34" charset="-122"/>
+                <a:cs typeface="Courier New" pitchFamily="49" charset="0"/>
+              </a:rPr>
+              <a:t>int </a:t>
+            </a:r>
+            <a:r>
+              <a:rPr lang="en-US" altLang="zh-CN" sz="2800" b="1" smtClean="0">
+                <a:solidFill>
+                  <a:schemeClr val="tx1">
+                    <a:lumMod val="75000"/>
+                    <a:lumOff val="25000"/>
+                  </a:schemeClr>
+                </a:solidFill>
+                <a:latin typeface="Consolas" panose="020B0609020204030204" pitchFamily="49" charset="0"/>
+                <a:ea typeface="微软雅黑" panose="020B0503020204020204" pitchFamily="34" charset="-122"/>
+                <a:cs typeface="Courier New" pitchFamily="49" charset="0"/>
+              </a:rPr>
+              <a:t>main(void) {</a:t>
+            </a:r>
+            <a:endParaRPr lang="en-US" altLang="zh-CN" sz="2800" b="1">
+              <a:solidFill>
+                <a:schemeClr val="tx1">
+                  <a:lumMod val="75000"/>
+                  <a:lumOff val="25000"/>
+                </a:schemeClr>
+              </a:solidFill>
+              <a:latin typeface="Consolas" panose="020B0609020204030204" pitchFamily="49" charset="0"/>
+              <a:ea typeface="微软雅黑" panose="020B0503020204020204" pitchFamily="34" charset="-122"/>
+              <a:cs typeface="Courier New" pitchFamily="49" charset="0"/>
+            </a:endParaRPr>
+          </a:p>
+          <a:p>
+            <a:pPr>
+              <a:defRPr/>
+            </a:pPr>
+            <a:r>
+              <a:rPr lang="en-US" altLang="zh-CN" sz="2800" b="1">
+                <a:solidFill>
+                  <a:schemeClr val="tx1">
+                    <a:lumMod val="75000"/>
+                    <a:lumOff val="25000"/>
+                  </a:schemeClr>
+                </a:solidFill>
+                <a:latin typeface="Consolas" panose="020B0609020204030204" pitchFamily="49" charset="0"/>
+                <a:ea typeface="微软雅黑" panose="020B0503020204020204" pitchFamily="34" charset="-122"/>
+                <a:cs typeface="Courier New" pitchFamily="49" charset="0"/>
+              </a:rPr>
+              <a:t>    Base bObj;</a:t>
+            </a:r>
+          </a:p>
+          <a:p>
+            <a:pPr>
+              <a:defRPr/>
+            </a:pPr>
+            <a:r>
+              <a:rPr lang="en-US" altLang="zh-CN" sz="2800" b="1">
+                <a:solidFill>
+                  <a:schemeClr val="tx1">
+                    <a:lumMod val="75000"/>
+                    <a:lumOff val="25000"/>
+                  </a:schemeClr>
+                </a:solidFill>
+                <a:latin typeface="Consolas" panose="020B0609020204030204" pitchFamily="49" charset="0"/>
+                <a:ea typeface="微软雅黑" panose="020B0503020204020204" pitchFamily="34" charset="-122"/>
+                <a:cs typeface="Courier New" pitchFamily="49" charset="0"/>
+              </a:rPr>
+              <a:t>    </a:t>
+            </a:r>
+            <a:r>
+              <a:rPr lang="en-US" altLang="zh-CN" sz="2800" b="1">
+                <a:solidFill>
+                  <a:srgbClr val="C00000"/>
+                </a:solidFill>
+                <a:latin typeface="Consolas" panose="020B0609020204030204" pitchFamily="49" charset="0"/>
+                <a:ea typeface="微软雅黑" panose="020B0503020204020204" pitchFamily="34" charset="-122"/>
+                <a:cs typeface="Courier New" pitchFamily="49" charset="0"/>
+              </a:rPr>
+              <a:t>Base *bp = &amp;bObj;</a:t>
+            </a:r>
+          </a:p>
+          <a:p>
+            <a:pPr>
+              <a:defRPr/>
+            </a:pPr>
+            <a:r>
+              <a:rPr lang="en-US" altLang="zh-CN" sz="2800" b="1">
+                <a:solidFill>
+                  <a:schemeClr val="tx1">
+                    <a:lumMod val="75000"/>
+                    <a:lumOff val="25000"/>
+                  </a:schemeClr>
+                </a:solidFill>
+                <a:latin typeface="Consolas" panose="020B0609020204030204" pitchFamily="49" charset="0"/>
+                <a:ea typeface="微软雅黑" panose="020B0503020204020204" pitchFamily="34" charset="-122"/>
+                <a:cs typeface="Courier New" pitchFamily="49" charset="0"/>
+              </a:rPr>
+              <a:t>    cout &lt;&lt; </a:t>
+            </a:r>
+            <a:r>
+              <a:rPr lang="en-US" altLang="zh-CN" sz="2800" b="1">
+                <a:solidFill>
+                  <a:srgbClr val="C00000"/>
+                </a:solidFill>
+                <a:latin typeface="Consolas" panose="020B0609020204030204" pitchFamily="49" charset="0"/>
+                <a:ea typeface="微软雅黑" panose="020B0503020204020204" pitchFamily="34" charset="-122"/>
+                <a:cs typeface="Courier New" pitchFamily="49" charset="0"/>
+              </a:rPr>
+              <a:t>bp-&gt;get() </a:t>
+            </a:r>
+            <a:r>
+              <a:rPr lang="en-US" altLang="zh-CN" sz="2800" b="1">
+                <a:solidFill>
+                  <a:schemeClr val="tx1">
+                    <a:lumMod val="75000"/>
+                    <a:lumOff val="25000"/>
+                  </a:schemeClr>
+                </a:solidFill>
+                <a:latin typeface="Consolas" panose="020B0609020204030204" pitchFamily="49" charset="0"/>
+                <a:ea typeface="微软雅黑" panose="020B0503020204020204" pitchFamily="34" charset="-122"/>
+                <a:cs typeface="Courier New" pitchFamily="49" charset="0"/>
+              </a:rPr>
+              <a:t>&lt;&lt; endl</a:t>
+            </a:r>
+            <a:r>
+              <a:rPr lang="en-US" altLang="zh-CN" sz="2800" b="1" smtClean="0">
+                <a:solidFill>
+                  <a:schemeClr val="tx1">
+                    <a:lumMod val="75000"/>
+                    <a:lumOff val="25000"/>
+                  </a:schemeClr>
+                </a:solidFill>
+                <a:latin typeface="Consolas" panose="020B0609020204030204" pitchFamily="49" charset="0"/>
+                <a:ea typeface="微软雅黑" panose="020B0503020204020204" pitchFamily="34" charset="-122"/>
+                <a:cs typeface="Courier New" pitchFamily="49" charset="0"/>
+              </a:rPr>
+              <a:t>;</a:t>
+            </a:r>
+          </a:p>
+          <a:p>
+            <a:pPr>
+              <a:defRPr/>
+            </a:pPr>
+            <a:endParaRPr lang="en-US" altLang="zh-CN" sz="2800" b="1">
+              <a:solidFill>
+                <a:schemeClr val="tx1">
+                  <a:lumMod val="75000"/>
+                  <a:lumOff val="25000"/>
+                </a:schemeClr>
+              </a:solidFill>
+              <a:latin typeface="Consolas" panose="020B0609020204030204" pitchFamily="49" charset="0"/>
+              <a:ea typeface="微软雅黑" panose="020B0503020204020204" pitchFamily="34" charset="-122"/>
+              <a:cs typeface="Courier New" pitchFamily="49" charset="0"/>
+            </a:endParaRPr>
+          </a:p>
+          <a:p>
+            <a:pPr>
+              <a:defRPr/>
+            </a:pPr>
+            <a:r>
+              <a:rPr lang="en-US" altLang="zh-CN" sz="2800" b="1">
+                <a:solidFill>
+                  <a:schemeClr val="tx1">
+                    <a:lumMod val="75000"/>
+                    <a:lumOff val="25000"/>
+                  </a:schemeClr>
+                </a:solidFill>
+                <a:latin typeface="Consolas" panose="020B0609020204030204" pitchFamily="49" charset="0"/>
+                <a:ea typeface="微软雅黑" panose="020B0503020204020204" pitchFamily="34" charset="-122"/>
+                <a:cs typeface="Courier New" pitchFamily="49" charset="0"/>
+              </a:rPr>
+              <a:t>    Derived dObj;</a:t>
+            </a:r>
+          </a:p>
+          <a:p>
+            <a:pPr>
+              <a:defRPr/>
+            </a:pPr>
+            <a:r>
+              <a:rPr lang="en-US" altLang="zh-CN" sz="2800" b="1">
+                <a:solidFill>
+                  <a:schemeClr val="tx1">
+                    <a:lumMod val="75000"/>
+                    <a:lumOff val="25000"/>
+                  </a:schemeClr>
+                </a:solidFill>
+                <a:latin typeface="Consolas" panose="020B0609020204030204" pitchFamily="49" charset="0"/>
+                <a:ea typeface="微软雅黑" panose="020B0503020204020204" pitchFamily="34" charset="-122"/>
+                <a:cs typeface="Courier New" pitchFamily="49" charset="0"/>
+              </a:rPr>
+              <a:t>    </a:t>
+            </a:r>
+            <a:r>
+              <a:rPr lang="en-US" altLang="zh-CN" sz="2800" b="1">
+                <a:solidFill>
+                  <a:srgbClr val="C00000"/>
+                </a:solidFill>
+                <a:latin typeface="Consolas" panose="020B0609020204030204" pitchFamily="49" charset="0"/>
+                <a:ea typeface="微软雅黑" panose="020B0503020204020204" pitchFamily="34" charset="-122"/>
+                <a:cs typeface="Courier New" pitchFamily="49" charset="0"/>
+              </a:rPr>
+              <a:t>bp = &amp;dObj;</a:t>
+            </a:r>
+          </a:p>
+          <a:p>
+            <a:pPr>
+              <a:defRPr/>
+            </a:pPr>
+            <a:r>
+              <a:rPr lang="en-US" altLang="zh-CN" sz="2800" b="1">
+                <a:solidFill>
+                  <a:schemeClr val="tx1">
+                    <a:lumMod val="75000"/>
+                    <a:lumOff val="25000"/>
+                  </a:schemeClr>
+                </a:solidFill>
+                <a:latin typeface="Consolas" panose="020B0609020204030204" pitchFamily="49" charset="0"/>
+                <a:ea typeface="微软雅黑" panose="020B0503020204020204" pitchFamily="34" charset="-122"/>
+                <a:cs typeface="Courier New" pitchFamily="49" charset="0"/>
+              </a:rPr>
+              <a:t>    cout &lt;&lt; </a:t>
+            </a:r>
+            <a:r>
+              <a:rPr lang="en-US" altLang="zh-CN" sz="2800" b="1">
+                <a:solidFill>
+                  <a:srgbClr val="C00000"/>
+                </a:solidFill>
+                <a:latin typeface="Consolas" panose="020B0609020204030204" pitchFamily="49" charset="0"/>
+                <a:ea typeface="微软雅黑" panose="020B0503020204020204" pitchFamily="34" charset="-122"/>
+                <a:cs typeface="Courier New" pitchFamily="49" charset="0"/>
+              </a:rPr>
+              <a:t>bp-&gt;get() </a:t>
+            </a:r>
+            <a:r>
+              <a:rPr lang="en-US" altLang="zh-CN" sz="2800" b="1">
+                <a:solidFill>
+                  <a:schemeClr val="tx1">
+                    <a:lumMod val="75000"/>
+                    <a:lumOff val="25000"/>
+                  </a:schemeClr>
+                </a:solidFill>
+                <a:latin typeface="Consolas" panose="020B0609020204030204" pitchFamily="49" charset="0"/>
+                <a:ea typeface="微软雅黑" panose="020B0503020204020204" pitchFamily="34" charset="-122"/>
+                <a:cs typeface="Courier New" pitchFamily="49" charset="0"/>
+              </a:rPr>
+              <a:t>&lt;&lt; endl</a:t>
+            </a:r>
+            <a:r>
+              <a:rPr lang="en-US" altLang="zh-CN" sz="2800" b="1" smtClean="0">
+                <a:solidFill>
+                  <a:schemeClr val="tx1">
+                    <a:lumMod val="75000"/>
+                    <a:lumOff val="25000"/>
+                  </a:schemeClr>
+                </a:solidFill>
+                <a:latin typeface="Consolas" panose="020B0609020204030204" pitchFamily="49" charset="0"/>
+                <a:ea typeface="微软雅黑" panose="020B0503020204020204" pitchFamily="34" charset="-122"/>
+                <a:cs typeface="Courier New" pitchFamily="49" charset="0"/>
+              </a:rPr>
+              <a:t>;</a:t>
+            </a:r>
+            <a:endParaRPr lang="en-US" altLang="zh-CN" sz="2800" b="1">
+              <a:solidFill>
+                <a:schemeClr val="tx1">
+                  <a:lumMod val="75000"/>
+                  <a:lumOff val="25000"/>
+                </a:schemeClr>
+              </a:solidFill>
+              <a:latin typeface="Consolas" panose="020B0609020204030204" pitchFamily="49" charset="0"/>
+              <a:ea typeface="微软雅黑" panose="020B0503020204020204" pitchFamily="34" charset="-122"/>
+              <a:cs typeface="Courier New" pitchFamily="49" charset="0"/>
+            </a:endParaRPr>
+          </a:p>
+          <a:p>
+            <a:pPr>
+              <a:defRPr/>
+            </a:pPr>
+            <a:r>
+              <a:rPr lang="en-US" altLang="zh-CN" sz="2800" b="1">
+                <a:solidFill>
+                  <a:schemeClr val="tx1">
+                    <a:lumMod val="75000"/>
+                    <a:lumOff val="25000"/>
+                  </a:schemeClr>
+                </a:solidFill>
+                <a:latin typeface="Consolas" panose="020B0609020204030204" pitchFamily="49" charset="0"/>
+                <a:ea typeface="微软雅黑" panose="020B0503020204020204" pitchFamily="34" charset="-122"/>
+                <a:cs typeface="Courier New" pitchFamily="49" charset="0"/>
+              </a:rPr>
+              <a:t>    cout&lt;&lt;dObj.get()&lt;&lt;endl;</a:t>
+            </a:r>
+          </a:p>
+          <a:p>
+            <a:pPr>
+              <a:defRPr/>
+            </a:pPr>
+            <a:r>
+              <a:rPr lang="en-US" altLang="zh-CN" sz="2800" b="1">
+                <a:solidFill>
+                  <a:schemeClr val="tx1">
+                    <a:lumMod val="75000"/>
+                    <a:lumOff val="25000"/>
+                  </a:schemeClr>
+                </a:solidFill>
+                <a:latin typeface="Consolas" panose="020B0609020204030204" pitchFamily="49" charset="0"/>
+                <a:ea typeface="微软雅黑" panose="020B0503020204020204" pitchFamily="34" charset="-122"/>
+                <a:cs typeface="Courier New" pitchFamily="49" charset="0"/>
+              </a:rPr>
+              <a:t>    cout&lt;&lt;dObj.getParent()&lt;&lt;endl</a:t>
+            </a:r>
+            <a:r>
+              <a:rPr lang="en-US" altLang="zh-CN" sz="2800" b="1" smtClean="0">
+                <a:solidFill>
+                  <a:schemeClr val="tx1">
+                    <a:lumMod val="75000"/>
+                    <a:lumOff val="25000"/>
+                  </a:schemeClr>
+                </a:solidFill>
+                <a:latin typeface="Consolas" panose="020B0609020204030204" pitchFamily="49" charset="0"/>
+                <a:ea typeface="微软雅黑" panose="020B0503020204020204" pitchFamily="34" charset="-122"/>
+                <a:cs typeface="Courier New" pitchFamily="49" charset="0"/>
+              </a:rPr>
+              <a:t>;</a:t>
+            </a:r>
+            <a:endParaRPr lang="en-US" altLang="zh-CN" sz="2800" b="1">
+              <a:solidFill>
+                <a:schemeClr val="tx1">
+                  <a:lumMod val="75000"/>
+                  <a:lumOff val="25000"/>
+                </a:schemeClr>
+              </a:solidFill>
+              <a:latin typeface="Consolas" panose="020B0609020204030204" pitchFamily="49" charset="0"/>
+              <a:ea typeface="微软雅黑" panose="020B0503020204020204" pitchFamily="34" charset="-122"/>
+              <a:cs typeface="Courier New" pitchFamily="49" charset="0"/>
+            </a:endParaRPr>
+          </a:p>
+          <a:p>
+            <a:pPr>
+              <a:defRPr/>
+            </a:pPr>
+            <a:r>
+              <a:rPr lang="en-US" altLang="zh-CN" sz="2800" b="1">
+                <a:solidFill>
+                  <a:schemeClr val="tx1">
+                    <a:lumMod val="75000"/>
+                    <a:lumOff val="25000"/>
+                  </a:schemeClr>
+                </a:solidFill>
+                <a:latin typeface="Consolas" panose="020B0609020204030204" pitchFamily="49" charset="0"/>
+                <a:ea typeface="微软雅黑" panose="020B0503020204020204" pitchFamily="34" charset="-122"/>
+                <a:cs typeface="Courier New" pitchFamily="49" charset="0"/>
+              </a:rPr>
+              <a:t>    return 0;</a:t>
+            </a:r>
+          </a:p>
+          <a:p>
+            <a:pPr>
+              <a:defRPr/>
+            </a:pPr>
+            <a:r>
+              <a:rPr lang="en-US" altLang="zh-CN" sz="2800" b="1">
+                <a:solidFill>
+                  <a:schemeClr val="tx1">
+                    <a:lumMod val="75000"/>
+                    <a:lumOff val="25000"/>
+                  </a:schemeClr>
+                </a:solidFill>
+                <a:latin typeface="Consolas" panose="020B0609020204030204" pitchFamily="49" charset="0"/>
+                <a:ea typeface="微软雅黑" panose="020B0503020204020204" pitchFamily="34" charset="-122"/>
+                <a:cs typeface="Courier New" pitchFamily="49" charset="0"/>
+              </a:rPr>
+              <a:t>}</a:t>
+            </a:r>
+          </a:p>
+        </p:txBody>
+      </p:sp>
+      <p:sp>
+        <p:nvSpPr>
+          <p:cNvPr id="5" name="TextBox 8"/>
+          <p:cNvSpPr txBox="1"/>
+          <p:nvPr/>
+        </p:nvSpPr>
+        <p:spPr>
+          <a:xfrm>
+            <a:off x="9081953" y="2792241"/>
+            <a:ext cx="1166947" cy="2062103"/>
+          </a:xfrm>
+          <a:prstGeom prst="rect">
+            <a:avLst/>
+          </a:prstGeom>
+          <a:solidFill>
+            <a:schemeClr val="tx1">
+              <a:lumMod val="85000"/>
+              <a:lumOff val="15000"/>
+            </a:schemeClr>
+          </a:solidFill>
+          <a:ln w="38100">
+            <a:solidFill>
+              <a:schemeClr val="tx1">
+                <a:lumMod val="95000"/>
+                <a:lumOff val="5000"/>
+              </a:schemeClr>
+            </a:solidFill>
+          </a:ln>
+          <a:effectLst>
+            <a:outerShdw blurRad="50800" dist="38100" dir="2700000" algn="tl" rotWithShape="0">
+              <a:prstClr val="black">
+                <a:alpha val="40000"/>
+              </a:prstClr>
+            </a:outerShdw>
+          </a:effectLst>
+        </p:spPr>
+        <p:txBody>
+          <a:bodyPr wrap="square" rtlCol="0">
+            <a:spAutoFit/>
+          </a:bodyPr>
+          <a:lstStyle/>
+          <a:p>
+            <a:r>
+              <a:rPr lang="en-US" altLang="zh-CN" sz="3200" b="1" smtClean="0">
+                <a:solidFill>
+                  <a:schemeClr val="bg2">
+                    <a:lumMod val="90000"/>
+                  </a:schemeClr>
+                </a:solidFill>
+                <a:latin typeface="微软雅黑" panose="020B0503020204020204" pitchFamily="34" charset="-122"/>
+                <a:ea typeface="微软雅黑" panose="020B0503020204020204" pitchFamily="34" charset="-122"/>
+              </a:rPr>
+              <a:t>0</a:t>
+            </a:r>
+          </a:p>
+          <a:p>
+            <a:r>
+              <a:rPr lang="en-US" altLang="zh-CN" sz="3200" b="1" smtClean="0">
+                <a:solidFill>
+                  <a:schemeClr val="bg2">
+                    <a:lumMod val="90000"/>
+                  </a:schemeClr>
+                </a:solidFill>
+                <a:latin typeface="微软雅黑" panose="020B0503020204020204" pitchFamily="34" charset="-122"/>
+                <a:ea typeface="微软雅黑" panose="020B0503020204020204" pitchFamily="34" charset="-122"/>
+              </a:rPr>
+              <a:t>0</a:t>
+            </a:r>
+          </a:p>
+          <a:p>
+            <a:r>
+              <a:rPr lang="en-US" altLang="zh-CN" sz="3200" b="1" smtClean="0">
+                <a:solidFill>
+                  <a:schemeClr val="bg2">
+                    <a:lumMod val="90000"/>
+                  </a:schemeClr>
+                </a:solidFill>
+                <a:latin typeface="微软雅黑" panose="020B0503020204020204" pitchFamily="34" charset="-122"/>
+                <a:ea typeface="微软雅黑" panose="020B0503020204020204" pitchFamily="34" charset="-122"/>
+              </a:rPr>
+              <a:t>1</a:t>
+            </a:r>
+          </a:p>
+          <a:p>
+            <a:r>
+              <a:rPr lang="en-US" altLang="zh-CN" sz="3200" b="1">
+                <a:solidFill>
+                  <a:schemeClr val="bg2">
+                    <a:lumMod val="90000"/>
+                  </a:schemeClr>
+                </a:solidFill>
+                <a:latin typeface="微软雅黑" panose="020B0503020204020204" pitchFamily="34" charset="-122"/>
+                <a:ea typeface="微软雅黑" panose="020B0503020204020204" pitchFamily="34" charset="-122"/>
+              </a:rPr>
+              <a:t>0</a:t>
+            </a:r>
+            <a:endParaRPr lang="en-US" altLang="zh-CN" sz="3200" b="1" dirty="0">
+              <a:solidFill>
+                <a:schemeClr val="bg2">
+                  <a:lumMod val="90000"/>
+                </a:schemeClr>
+              </a:solidFill>
+              <a:latin typeface="微软雅黑" panose="020B0503020204020204" pitchFamily="34" charset="-122"/>
+              <a:ea typeface="微软雅黑" panose="020B0503020204020204" pitchFamily="34" charset="-122"/>
+            </a:endParaRPr>
+          </a:p>
+        </p:txBody>
+      </p:sp>
+      <p:sp>
+        <p:nvSpPr>
+          <p:cNvPr id="6" name="圆角矩形标注 5"/>
+          <p:cNvSpPr/>
+          <p:nvPr/>
+        </p:nvSpPr>
+        <p:spPr>
+          <a:xfrm>
+            <a:off x="6448812" y="418468"/>
+            <a:ext cx="4079488" cy="1945170"/>
+          </a:xfrm>
+          <a:prstGeom prst="wedgeRoundRectCallout">
+            <a:avLst>
+              <a:gd name="adj1" fmla="val -68595"/>
+              <a:gd name="adj2" fmla="val 47547"/>
+              <a:gd name="adj3" fmla="val 16667"/>
+            </a:avLst>
+          </a:prstGeom>
+          <a:solidFill>
+            <a:schemeClr val="accent2">
+              <a:lumMod val="40000"/>
+              <a:lumOff val="60000"/>
+            </a:schemeClr>
+          </a:solidFill>
+          <a:ln w="38100">
+            <a:solidFill>
+              <a:schemeClr val="accent1">
+                <a:lumMod val="50000"/>
+              </a:schemeClr>
+            </a:solidFill>
+          </a:ln>
+          <a:effectLst>
+            <a:outerShdw blurRad="50800" dist="38100" dir="2700000" algn="tl" rotWithShape="0">
+              <a:prstClr val="black">
+                <a:alpha val="40000"/>
+              </a:prstClr>
+            </a:outerShdw>
+          </a:effectLst>
+        </p:spPr>
+        <p:style>
+          <a:lnRef idx="2">
+            <a:schemeClr val="accent1">
+              <a:shade val="50000"/>
+            </a:schemeClr>
+          </a:lnRef>
+          <a:fillRef idx="1">
+            <a:schemeClr val="accent1"/>
+          </a:fillRef>
+          <a:effectRef idx="0">
+            <a:schemeClr val="accent1"/>
+          </a:effectRef>
+          <a:fontRef idx="minor">
+            <a:schemeClr val="lt1"/>
+          </a:fontRef>
+        </p:style>
+        <p:txBody>
+          <a:bodyPr rtlCol="0" anchor="ctr"/>
+          <a:lstStyle/>
+          <a:p>
+            <a:pPr algn="ctr"/>
+            <a:endParaRPr lang="zh-CN" altLang="en-US" sz="2800">
+              <a:solidFill>
+                <a:schemeClr val="tx1">
+                  <a:lumMod val="75000"/>
+                  <a:lumOff val="25000"/>
+                </a:schemeClr>
+              </a:solidFill>
+              <a:latin typeface="微软雅黑" panose="020B0503020204020204" pitchFamily="34" charset="-122"/>
+              <a:ea typeface="微软雅黑" panose="020B0503020204020204" pitchFamily="34" charset="-122"/>
+            </a:endParaRPr>
+          </a:p>
+          <a:p>
+            <a:r>
+              <a:rPr lang="zh-CN" altLang="en-US" sz="2800" smtClean="0">
+                <a:solidFill>
+                  <a:schemeClr val="tx1">
+                    <a:lumMod val="75000"/>
+                    <a:lumOff val="25000"/>
+                  </a:schemeClr>
+                </a:solidFill>
+                <a:latin typeface="微软雅黑" panose="020B0503020204020204" pitchFamily="34" charset="-122"/>
+                <a:ea typeface="微软雅黑" panose="020B0503020204020204" pitchFamily="34" charset="-122"/>
+              </a:rPr>
+              <a:t>    基</a:t>
+            </a:r>
+            <a:r>
+              <a:rPr lang="zh-CN" altLang="en-US" sz="2800">
+                <a:solidFill>
+                  <a:schemeClr val="tx1">
+                    <a:lumMod val="75000"/>
+                    <a:lumOff val="25000"/>
+                  </a:schemeClr>
+                </a:solidFill>
+                <a:latin typeface="微软雅黑" panose="020B0503020204020204" pitchFamily="34" charset="-122"/>
+                <a:ea typeface="微软雅黑" panose="020B0503020204020204" pitchFamily="34" charset="-122"/>
+              </a:rPr>
+              <a:t>类指针无论指向的是基类的对象还是派生类的对象，总是调用基类的同名成员函数</a:t>
+            </a:r>
+          </a:p>
+          <a:p>
+            <a:pPr algn="ctr"/>
+            <a:endParaRPr lang="zh-CN" altLang="en-US" sz="2800">
+              <a:solidFill>
+                <a:schemeClr val="tx1">
+                  <a:lumMod val="75000"/>
+                  <a:lumOff val="25000"/>
+                </a:schemeClr>
+              </a:solidFill>
+              <a:latin typeface="微软雅黑" panose="020B0503020204020204" pitchFamily="34" charset="-122"/>
+              <a:ea typeface="微软雅黑" panose="020B0503020204020204" pitchFamily="34" charset="-122"/>
+            </a:endParaRPr>
+          </a:p>
+        </p:txBody>
+      </p:sp>
+      <p:sp>
+        <p:nvSpPr>
+          <p:cNvPr id="7" name="圆角矩形标注 6"/>
+          <p:cNvSpPr/>
+          <p:nvPr/>
+        </p:nvSpPr>
+        <p:spPr>
+          <a:xfrm>
+            <a:off x="8651875" y="5580842"/>
+            <a:ext cx="1876425" cy="655603"/>
+          </a:xfrm>
+          <a:prstGeom prst="wedgeRoundRectCallout">
+            <a:avLst>
+              <a:gd name="adj1" fmla="val -21467"/>
+              <a:gd name="adj2" fmla="val 47998"/>
+              <a:gd name="adj3" fmla="val 16667"/>
+            </a:avLst>
+          </a:prstGeom>
+          <a:solidFill>
+            <a:schemeClr val="accent1">
+              <a:lumMod val="20000"/>
+              <a:lumOff val="80000"/>
+            </a:schemeClr>
+          </a:solidFill>
+          <a:ln w="38100">
+            <a:solidFill>
+              <a:schemeClr val="accent1">
+                <a:lumMod val="50000"/>
+              </a:schemeClr>
+            </a:solidFill>
+          </a:ln>
+          <a:effectLst>
+            <a:outerShdw blurRad="50800" dist="38100" dir="2700000" algn="tl" rotWithShape="0">
+              <a:prstClr val="black">
+                <a:alpha val="40000"/>
+              </a:prstClr>
+            </a:outerShdw>
+          </a:effectLst>
+        </p:spPr>
+        <p:style>
+          <a:lnRef idx="2">
+            <a:schemeClr val="accent1">
+              <a:shade val="50000"/>
+            </a:schemeClr>
+          </a:lnRef>
+          <a:fillRef idx="1">
+            <a:schemeClr val="accent1"/>
+          </a:fillRef>
+          <a:effectRef idx="0">
+            <a:schemeClr val="accent1"/>
+          </a:effectRef>
+          <a:fontRef idx="minor">
+            <a:schemeClr val="lt1"/>
+          </a:fontRef>
+        </p:style>
+        <p:txBody>
+          <a:bodyPr rtlCol="0" anchor="ctr"/>
+          <a:lstStyle/>
+          <a:p>
+            <a:pPr algn="ctr"/>
+            <a:r>
+              <a:rPr lang="zh-CN" altLang="en-US" sz="2800">
+                <a:solidFill>
+                  <a:schemeClr val="tx1">
+                    <a:lumMod val="75000"/>
+                    <a:lumOff val="25000"/>
+                  </a:schemeClr>
+                </a:solidFill>
+                <a:latin typeface="微软雅黑" panose="020B0503020204020204" pitchFamily="34" charset="-122"/>
+                <a:ea typeface="微软雅黑" panose="020B0503020204020204" pitchFamily="34" charset="-122"/>
+              </a:rPr>
+              <a:t>静态绑定</a:t>
+            </a:r>
+          </a:p>
+        </p:txBody>
+      </p:sp>
+    </p:spTree>
+    <p:extLst>
+      <p:ext uri="{BB962C8B-B14F-4D97-AF65-F5344CB8AC3E}">
+        <p14:creationId xmlns:p14="http://schemas.microsoft.com/office/powerpoint/2010/main" val="1536771721"/>
       </p:ext>
     </p:extLst>
   </p:cSld>
@@ -44626,7 +44424,7 @@
   <a:extraClrSchemeLst/>
   <a:extLst>
     <a:ext uri="{05A4C25C-085E-4340-85A3-A5531E510DB2}">
-      <thm15:themeFamily xmlns:thm15="http://schemas.microsoft.com/office/thememl/2012/main" xmlns="" name="Office Theme" id="{62F939B6-93AF-4DB8-9C6B-D6C7DFDC589F}" vid="{4A3C46E8-61CC-4603-A589-7422A47A8E4A}"/>
+      <thm15:themeFamily xmlns:thm15="http://schemas.microsoft.com/office/thememl/2012/main" name="Office Theme" id="{62F939B6-93AF-4DB8-9C6B-D6C7DFDC589F}" vid="{4A3C46E8-61CC-4603-A589-7422A47A8E4A}"/>
     </a:ext>
   </a:extLst>
 </a:theme>
@@ -44887,7 +44685,7 @@
   <a:extraClrSchemeLst/>
   <a:extLst>
     <a:ext uri="{05A4C25C-085E-4340-85A3-A5531E510DB2}">
-      <thm15:themeFamily xmlns:thm15="http://schemas.microsoft.com/office/thememl/2012/main" xmlns="" name="Office Theme" id="{62F939B6-93AF-4DB8-9C6B-D6C7DFDC589F}" vid="{4A3C46E8-61CC-4603-A589-7422A47A8E4A}"/>
+      <thm15:themeFamily xmlns:thm15="http://schemas.microsoft.com/office/thememl/2012/main" name="Office Theme" id="{62F939B6-93AF-4DB8-9C6B-D6C7DFDC589F}" vid="{4A3C46E8-61CC-4603-A589-7422A47A8E4A}"/>
     </a:ext>
   </a:extLst>
 </a:theme>
